--- a/Documentation and ppt/PPT/Hangman_ppt.pptx
+++ b/Documentation and ppt/PPT/Hangman_ppt.pptx
@@ -298,7 +298,7 @@
       </p15:notesGuideLst>
     </p:ext>
     <p:ext uri="GoogleSlidesCustomDataVersion2">
-      <go:slidesCustomData xmlns="" xmlns:mc="http://schemas.openxmlformats.org/markup-compatibility/2006" xmlns:mv="urn:schemas-microsoft-com:mac:vml" xmlns:c="http://schemas.openxmlformats.org/drawingml/2006/chart" xmlns:dgm="http://schemas.openxmlformats.org/drawingml/2006/diagram" xmlns:o="urn:schemas-microsoft-com:office:office" xmlns:v="urn:schemas-microsoft-com:vml" xmlns:pvml="urn:schemas-microsoft-com:office:powerpoint" xmlns:com="http://schemas.openxmlformats.org/drawingml/2006/compatibility" xmlns:p14="http://schemas.microsoft.com/office/powerpoint/2010/main" xmlns:p15="http://schemas.microsoft.com/office/powerpoint/2012/main" xmlns:ahyp="http://schemas.microsoft.com/office/drawing/2018/hyperlinkcolor" xmlns:go="http://customooxmlschemas.google.com/" r:id="rId54" roundtripDataSignature="AMtx7miTgDtdK7J6GfGA72ooCGiXHoY0vg=="/>
+      <go:slidesCustomData xmlns:go="http://customooxmlschemas.google.com/" xmlns:ahyp="http://schemas.microsoft.com/office/drawing/2018/hyperlinkcolor" xmlns:p15="http://schemas.microsoft.com/office/powerpoint/2012/main" xmlns:p14="http://schemas.microsoft.com/office/powerpoint/2010/main" xmlns:com="http://schemas.openxmlformats.org/drawingml/2006/compatibility" xmlns:pvml="urn:schemas-microsoft-com:office:powerpoint" xmlns:v="urn:schemas-microsoft-com:vml" xmlns:o="urn:schemas-microsoft-com:office:office" xmlns:dgm="http://schemas.openxmlformats.org/drawingml/2006/diagram" xmlns:c="http://schemas.openxmlformats.org/drawingml/2006/chart" xmlns:mv="urn:schemas-microsoft-com:mac:vml" xmlns:mc="http://schemas.openxmlformats.org/markup-compatibility/2006" xmlns="" r:id="rId54" roundtripDataSignature="AMtx7miTgDtdK7J6GfGA72ooCGiXHoY0vg=="/>
     </p:ext>
   </p:extLst>
 </p:presentation>
@@ -3684,79 +3684,6 @@
               <a:buSzPts val="1400"/>
               <a:buNone/>
             </a:pPr>
-            <a:r>
-              <a:rPr lang="en-IN" dirty="0"/>
-              <a:t>2006 </a:t>
-            </a:r>
-            <a:r>
-              <a:rPr lang="en-IN" dirty="0" err="1"/>
-              <a:t>Behuselid</a:t>
-            </a:r>
-            <a:r>
-              <a:rPr lang="en-IN" dirty="0"/>
-              <a:t> Strategic HR management, where do we go from here, from journal of management</a:t>
-            </a:r>
-            <a:br>
-              <a:rPr lang="en-IN" dirty="0"/>
-            </a:br>
-            <a:r>
-              <a:rPr lang="en-IN" dirty="0"/>
-              <a:t>2005 </a:t>
-            </a:r>
-            <a:r>
-              <a:rPr lang="en-IN" dirty="0" err="1"/>
-              <a:t>Hufelid</a:t>
-            </a:r>
-            <a:r>
-              <a:rPr lang="en-IN" dirty="0"/>
-              <a:t>, </a:t>
-            </a:r>
-            <a:r>
-              <a:rPr lang="en-IN" dirty="0" err="1"/>
-              <a:t>m.a</a:t>
-            </a:r>
-            <a:r>
-              <a:rPr lang="en-IN" dirty="0"/>
-              <a:t>, Becker Work force of core card management Human capital to execute strategy </a:t>
-            </a:r>
-          </a:p>
-          <a:p>
-            <a:pPr marL="0" lvl="0" indent="0" algn="l" rtl="0">
-              <a:lnSpc>
-                <a:spcPct val="100000"/>
-              </a:lnSpc>
-              <a:spcBef>
-                <a:spcPts val="0"/>
-              </a:spcBef>
-              <a:spcAft>
-                <a:spcPts val="0"/>
-              </a:spcAft>
-              <a:buSzPts val="1400"/>
-              <a:buNone/>
-            </a:pPr>
-            <a:r>
-              <a:rPr lang="en-IN" dirty="0"/>
-              <a:t>1999 Robert b. Calculating return on investment on HR. </a:t>
-            </a:r>
-          </a:p>
-          <a:p>
-            <a:pPr marL="0" lvl="0" indent="0" algn="l" rtl="0">
-              <a:lnSpc>
-                <a:spcPct val="100000"/>
-              </a:lnSpc>
-              <a:spcBef>
-                <a:spcPts val="0"/>
-              </a:spcBef>
-              <a:spcAft>
-                <a:spcPts val="0"/>
-              </a:spcAft>
-              <a:buSzPts val="1400"/>
-              <a:buNone/>
-            </a:pPr>
-            <a:r>
-              <a:rPr lang="en-IN" dirty="0"/>
-              <a:t>1982 Walker A.J. HRIS development: A project team guide to building an effective personnel information system. </a:t>
-            </a:r>
             <a:endParaRPr dirty="0"/>
           </a:p>
         </p:txBody>
@@ -32804,7 +32731,7 @@
         </p:nvSpPr>
         <p:spPr>
           <a:xfrm>
-            <a:off x="0" y="796463"/>
+            <a:off x="0" y="645263"/>
             <a:ext cx="8229600" cy="3372406"/>
           </a:xfrm>
           <a:prstGeom prst="rect">
@@ -32928,8 +32855,8 @@
         </p:nvSpPr>
         <p:spPr>
           <a:xfrm>
-            <a:off x="0" y="1392310"/>
-            <a:ext cx="9144000" cy="2893100"/>
+            <a:off x="0" y="974710"/>
+            <a:ext cx="9144000" cy="3754874"/>
           </a:xfrm>
           <a:prstGeom prst="rect">
             <a:avLst/>
@@ -32952,161 +32879,15 @@
                 <a:latin typeface="Times New Roman" panose="02020603050405020304" pitchFamily="18" charset="0"/>
                 <a:cs typeface="Times New Roman" panose="02020603050405020304" pitchFamily="18" charset="0"/>
               </a:rPr>
-              <a:t>Technical Feasibility</a:t>
+              <a:t>  Technical Feasibility: </a:t>
             </a:r>
             <a:r>
-              <a:rPr lang="en-US" sz="1200" b="1" i="0" dirty="0">
+              <a:rPr lang="en-US" i="0" dirty="0">
                 <a:effectLst/>
                 <a:latin typeface="Times New Roman" panose="02020603050405020304" pitchFamily="18" charset="0"/>
                 <a:cs typeface="Times New Roman" panose="02020603050405020304" pitchFamily="18" charset="0"/>
               </a:rPr>
-              <a:t>:</a:t>
-            </a:r>
-            <a:endParaRPr lang="en-US" sz="1200" b="0" i="0" dirty="0">
-              <a:effectLst/>
-              <a:latin typeface="Times New Roman" panose="02020603050405020304" pitchFamily="18" charset="0"/>
-              <a:cs typeface="Times New Roman" panose="02020603050405020304" pitchFamily="18" charset="0"/>
-            </a:endParaRPr>
-          </a:p>
-          <a:p>
-            <a:pPr algn="just"/>
-            <a:r>
-              <a:rPr lang="en-US" sz="1200" b="0" i="0" dirty="0">
-                <a:effectLst/>
-                <a:latin typeface="Times New Roman" panose="02020603050405020304" pitchFamily="18" charset="0"/>
-                <a:cs typeface="Times New Roman" panose="02020603050405020304" pitchFamily="18" charset="0"/>
-              </a:rPr>
-              <a:t>	</a:t>
-            </a:r>
-            <a:r>
-              <a:rPr lang="en-US" b="0" i="0" dirty="0">
-                <a:effectLst/>
-                <a:latin typeface="Times New Roman" panose="02020603050405020304" pitchFamily="18" charset="0"/>
-                <a:cs typeface="Times New Roman" panose="02020603050405020304" pitchFamily="18" charset="0"/>
-              </a:rPr>
-              <a:t>a)Python latest module required.</a:t>
-            </a:r>
-          </a:p>
-          <a:p>
-            <a:pPr algn="just"/>
-            <a:r>
-              <a:rPr lang="en-US" b="0" i="0" dirty="0">
-                <a:effectLst/>
-                <a:latin typeface="Times New Roman" panose="02020603050405020304" pitchFamily="18" charset="0"/>
-                <a:cs typeface="Times New Roman" panose="02020603050405020304" pitchFamily="18" charset="0"/>
-              </a:rPr>
-              <a:t>	b)Internet access required</a:t>
-            </a:r>
-            <a:r>
-              <a:rPr lang="en-US" sz="1200" b="0" i="0" dirty="0">
-                <a:effectLst/>
-                <a:latin typeface="Times New Roman" panose="02020603050405020304" pitchFamily="18" charset="0"/>
-                <a:cs typeface="Times New Roman" panose="02020603050405020304" pitchFamily="18" charset="0"/>
-              </a:rPr>
-              <a:t>.</a:t>
-            </a:r>
-          </a:p>
-          <a:p>
-            <a:pPr algn="just"/>
-            <a:r>
-              <a:rPr lang="en-US" sz="1200" b="1" i="0" dirty="0">
-                <a:effectLst/>
-                <a:latin typeface="Times New Roman" panose="02020603050405020304" pitchFamily="18" charset="0"/>
-                <a:cs typeface="Times New Roman" panose="02020603050405020304" pitchFamily="18" charset="0"/>
-              </a:rPr>
-              <a:t>2.   </a:t>
-            </a:r>
-            <a:r>
-              <a:rPr lang="en-US" b="1" i="0" dirty="0">
-                <a:effectLst/>
-                <a:latin typeface="Times New Roman" panose="02020603050405020304" pitchFamily="18" charset="0"/>
-                <a:cs typeface="Times New Roman" panose="02020603050405020304" pitchFamily="18" charset="0"/>
-              </a:rPr>
-              <a:t>Economic Feasibility:</a:t>
-            </a:r>
-            <a:endParaRPr lang="en-US" b="0" i="0" dirty="0">
-              <a:effectLst/>
-              <a:latin typeface="Times New Roman" panose="02020603050405020304" pitchFamily="18" charset="0"/>
-              <a:cs typeface="Times New Roman" panose="02020603050405020304" pitchFamily="18" charset="0"/>
-            </a:endParaRPr>
-          </a:p>
-          <a:p>
-            <a:pPr algn="just"/>
-            <a:r>
-              <a:rPr lang="en-US" sz="1200" b="0" i="0" dirty="0">
-                <a:effectLst/>
-                <a:latin typeface="Times New Roman" panose="02020603050405020304" pitchFamily="18" charset="0"/>
-                <a:cs typeface="Times New Roman" panose="02020603050405020304" pitchFamily="18" charset="0"/>
-              </a:rPr>
-              <a:t>	</a:t>
-            </a:r>
-            <a:r>
-              <a:rPr lang="en-US" b="0" i="0" dirty="0">
-                <a:effectLst/>
-                <a:latin typeface="Times New Roman" panose="02020603050405020304" pitchFamily="18" charset="0"/>
-                <a:cs typeface="Times New Roman" panose="02020603050405020304" pitchFamily="18" charset="0"/>
-              </a:rPr>
-              <a:t>a)Development costs are manageable within the allocated budget.</a:t>
-            </a:r>
-          </a:p>
-          <a:p>
-            <a:pPr algn="just"/>
-            <a:r>
-              <a:rPr lang="en-US" b="0" i="0" dirty="0">
-                <a:effectLst/>
-                <a:latin typeface="Times New Roman" panose="02020603050405020304" pitchFamily="18" charset="0"/>
-                <a:cs typeface="Times New Roman" panose="02020603050405020304" pitchFamily="18" charset="0"/>
-              </a:rPr>
-              <a:t>	b)Firebase is cost efficient database to use.</a:t>
-            </a:r>
-          </a:p>
-          <a:p>
-            <a:pPr algn="just"/>
-            <a:r>
-              <a:rPr lang="en-US" sz="1200" b="1" i="0" dirty="0">
-                <a:effectLst/>
-                <a:latin typeface="Times New Roman" panose="02020603050405020304" pitchFamily="18" charset="0"/>
-                <a:cs typeface="Times New Roman" panose="02020603050405020304" pitchFamily="18" charset="0"/>
-              </a:rPr>
-              <a:t>3.   </a:t>
-            </a:r>
-            <a:r>
-              <a:rPr lang="en-US" b="1" i="0" dirty="0">
-                <a:effectLst/>
-                <a:latin typeface="Times New Roman" panose="02020603050405020304" pitchFamily="18" charset="0"/>
-                <a:cs typeface="Times New Roman" panose="02020603050405020304" pitchFamily="18" charset="0"/>
-              </a:rPr>
-              <a:t>Operational Feasibility:</a:t>
-            </a:r>
-            <a:endParaRPr lang="en-US" b="0" i="0" dirty="0">
-              <a:effectLst/>
-              <a:latin typeface="Times New Roman" panose="02020603050405020304" pitchFamily="18" charset="0"/>
-              <a:cs typeface="Times New Roman" panose="02020603050405020304" pitchFamily="18" charset="0"/>
-            </a:endParaRPr>
-          </a:p>
-          <a:p>
-            <a:pPr algn="just"/>
-            <a:r>
-              <a:rPr lang="en-US" sz="1200" dirty="0">
-                <a:latin typeface="Times New Roman" panose="02020603050405020304" pitchFamily="18" charset="0"/>
-                <a:cs typeface="Times New Roman" panose="02020603050405020304" pitchFamily="18" charset="0"/>
-              </a:rPr>
-              <a:t>	</a:t>
-            </a:r>
-            <a:r>
-              <a:rPr lang="en-US" dirty="0">
-                <a:latin typeface="Times New Roman" panose="02020603050405020304" pitchFamily="18" charset="0"/>
-                <a:cs typeface="Times New Roman" panose="02020603050405020304" pitchFamily="18" charset="0"/>
-              </a:rPr>
-              <a:t>a</a:t>
-            </a:r>
-            <a:r>
-              <a:rPr lang="en-US" b="0" i="0" dirty="0">
-                <a:effectLst/>
-                <a:latin typeface="Times New Roman" panose="02020603050405020304" pitchFamily="18" charset="0"/>
-                <a:cs typeface="Times New Roman" panose="02020603050405020304" pitchFamily="18" charset="0"/>
-              </a:rPr>
-              <a:t>)The project aligns with the organization's capabilities and resources.</a:t>
+              <a:t>The Hangman project requires the latest version of Python and the PyQt5 library for GUI   </a:t>
             </a:r>
           </a:p>
           <a:p>
@@ -33116,92 +32897,150 @@
                 <a:latin typeface="Times New Roman" panose="02020603050405020304" pitchFamily="18" charset="0"/>
                 <a:cs typeface="Times New Roman" panose="02020603050405020304" pitchFamily="18" charset="0"/>
               </a:rPr>
-              <a:t>	b</a:t>
+              <a:t>       </a:t>
             </a:r>
             <a:r>
-              <a:rPr lang="en-US" b="0" i="0" dirty="0">
+              <a:rPr lang="en-US" i="0" dirty="0">
                 <a:effectLst/>
                 <a:latin typeface="Times New Roman" panose="02020603050405020304" pitchFamily="18" charset="0"/>
                 <a:cs typeface="Times New Roman" panose="02020603050405020304" pitchFamily="18" charset="0"/>
               </a:rPr>
-              <a:t>)Integration into existing operations is feasible.</a:t>
+              <a:t>development. Additionally, access to the internet is necessary for integrating Firebase as the database backend.</a:t>
             </a:r>
           </a:p>
           <a:p>
-            <a:pPr algn="just"/>
-            <a:r>
-              <a:rPr lang="en-US" sz="1200" b="1" i="0" dirty="0">
-                <a:effectLst/>
-                <a:latin typeface="Times New Roman" panose="02020603050405020304" pitchFamily="18" charset="0"/>
-                <a:cs typeface="Times New Roman" panose="02020603050405020304" pitchFamily="18" charset="0"/>
-              </a:rPr>
-              <a:t>4.   </a:t>
-            </a:r>
+            <a:pPr marL="228600" indent="-228600" algn="just">
+              <a:buFont typeface="+mj-lt"/>
+              <a:buAutoNum type="arabicPeriod"/>
+            </a:pPr>
+            <a:endParaRPr lang="en-US" i="0" dirty="0">
+              <a:effectLst/>
+              <a:latin typeface="Times New Roman" panose="02020603050405020304" pitchFamily="18" charset="0"/>
+              <a:cs typeface="Times New Roman" panose="02020603050405020304" pitchFamily="18" charset="0"/>
+            </a:endParaRPr>
+          </a:p>
+          <a:p>
+            <a:pPr marL="342900" indent="-342900" algn="just">
+              <a:buAutoNum type="arabicPeriod" startAt="2"/>
+            </a:pPr>
             <a:r>
               <a:rPr lang="en-US" b="1" i="0" dirty="0">
                 <a:effectLst/>
                 <a:latin typeface="Times New Roman" panose="02020603050405020304" pitchFamily="18" charset="0"/>
                 <a:cs typeface="Times New Roman" panose="02020603050405020304" pitchFamily="18" charset="0"/>
               </a:rPr>
-              <a:t>Legal and Regulatory Feasibility:</a:t>
+              <a:t>Economic Feasibility: </a:t>
             </a:r>
-            <a:endParaRPr lang="en-US" b="0" i="0" dirty="0">
+            <a:r>
+              <a:rPr lang="en-US" i="0" dirty="0">
+                <a:effectLst/>
+                <a:latin typeface="Times New Roman" panose="02020603050405020304" pitchFamily="18" charset="0"/>
+                <a:cs typeface="Times New Roman" panose="02020603050405020304" pitchFamily="18" charset="0"/>
+              </a:rPr>
+              <a:t>Development costs for the Hangman project are manageable within the allocated budget as Python and PyQt5 are open-source technologies. Furthermore, Firebase offers a cost-efficient database solution with flexible pricing options.</a:t>
+            </a:r>
+          </a:p>
+          <a:p>
+            <a:pPr marL="342900" indent="-342900" algn="just">
+              <a:buAutoNum type="arabicPeriod" startAt="2"/>
+            </a:pPr>
+            <a:endParaRPr lang="en-US" i="0" dirty="0">
               <a:effectLst/>
               <a:latin typeface="Times New Roman" panose="02020603050405020304" pitchFamily="18" charset="0"/>
               <a:cs typeface="Times New Roman" panose="02020603050405020304" pitchFamily="18" charset="0"/>
             </a:endParaRPr>
           </a:p>
           <a:p>
-            <a:pPr algn="just"/>
+            <a:pPr marL="342900" indent="-342900" algn="just">
+              <a:buAutoNum type="arabicPeriod" startAt="3"/>
+            </a:pPr>
             <a:r>
-              <a:rPr lang="en-US" sz="1200" dirty="0">
+              <a:rPr lang="en-US" b="1" i="0" dirty="0">
+                <a:effectLst/>
                 <a:latin typeface="Times New Roman" panose="02020603050405020304" pitchFamily="18" charset="0"/>
                 <a:cs typeface="Times New Roman" panose="02020603050405020304" pitchFamily="18" charset="0"/>
               </a:rPr>
-              <a:t>	</a:t>
+              <a:t>Operational Feasibility: </a:t>
+            </a:r>
+            <a:r>
+              <a:rPr lang="en-US" i="0" dirty="0">
+                <a:effectLst/>
+                <a:latin typeface="Times New Roman" panose="02020603050405020304" pitchFamily="18" charset="0"/>
+                <a:cs typeface="Times New Roman" panose="02020603050405020304" pitchFamily="18" charset="0"/>
+              </a:rPr>
+              <a:t>The Hangman project aligns with the organization's capabilities and resources, as it leverages widely used programming languages and libraries. Integration into existing operations is feasible with proper planning and implementation.</a:t>
+            </a:r>
+          </a:p>
+          <a:p>
+            <a:pPr marL="342900" indent="-342900" algn="just">
+              <a:buAutoNum type="arabicPeriod" startAt="3"/>
+            </a:pPr>
+            <a:endParaRPr lang="en-US" i="0" dirty="0">
+              <a:effectLst/>
+              <a:latin typeface="Times New Roman" panose="02020603050405020304" pitchFamily="18" charset="0"/>
+              <a:cs typeface="Times New Roman" panose="02020603050405020304" pitchFamily="18" charset="0"/>
+            </a:endParaRPr>
+          </a:p>
+          <a:p>
+            <a:pPr marL="342900" indent="-342900" algn="just">
+              <a:buAutoNum type="arabicPeriod" startAt="4"/>
+            </a:pPr>
+            <a:r>
+              <a:rPr lang="en-US" b="1" i="0" dirty="0">
+                <a:effectLst/>
+                <a:latin typeface="Times New Roman" panose="02020603050405020304" pitchFamily="18" charset="0"/>
+                <a:cs typeface="Times New Roman" panose="02020603050405020304" pitchFamily="18" charset="0"/>
+              </a:rPr>
+              <a:t>Legal and Regulatory Feasibility: </a:t>
+            </a:r>
+            <a:r>
+              <a:rPr lang="en-US" i="0" dirty="0">
+                <a:effectLst/>
+                <a:latin typeface="Times New Roman" panose="02020603050405020304" pitchFamily="18" charset="0"/>
+                <a:cs typeface="Times New Roman" panose="02020603050405020304" pitchFamily="18" charset="0"/>
+              </a:rPr>
+              <a:t>There are no significant legal barriers foreseen for the Hangman project. Compliance with relevant data protection and privacy regulations will be ensured, especially when handling user data.</a:t>
+            </a:r>
+          </a:p>
+          <a:p>
+            <a:pPr marL="342900" indent="-342900" algn="just">
+              <a:buAutoNum type="arabicPeriod" startAt="4"/>
+            </a:pPr>
+            <a:endParaRPr lang="en-US" i="0" dirty="0">
+              <a:effectLst/>
+              <a:latin typeface="Times New Roman" panose="02020603050405020304" pitchFamily="18" charset="0"/>
+              <a:cs typeface="Times New Roman" panose="02020603050405020304" pitchFamily="18" charset="0"/>
+            </a:endParaRPr>
+          </a:p>
+          <a:p>
+            <a:pPr marL="342900" indent="-342900" algn="just">
+              <a:buAutoNum type="arabicPeriod" startAt="5"/>
+            </a:pPr>
+            <a:r>
+              <a:rPr lang="en-US" b="1" i="0" dirty="0">
+                <a:effectLst/>
+                <a:latin typeface="Times New Roman" panose="02020603050405020304" pitchFamily="18" charset="0"/>
+                <a:cs typeface="Times New Roman" panose="02020603050405020304" pitchFamily="18" charset="0"/>
+              </a:rPr>
+              <a:t>Scheduling and Time Feasibility:</a:t>
             </a:r>
             <a:r>
               <a:rPr lang="en-US" dirty="0">
                 <a:latin typeface="Times New Roman" panose="02020603050405020304" pitchFamily="18" charset="0"/>
                 <a:cs typeface="Times New Roman" panose="02020603050405020304" pitchFamily="18" charset="0"/>
               </a:rPr>
-              <a:t>a</a:t>
-            </a:r>
-            <a:r>
-              <a:rPr lang="en-US" b="0" i="0" dirty="0">
-                <a:effectLst/>
-                <a:latin typeface="Times New Roman" panose="02020603050405020304" pitchFamily="18" charset="0"/>
-                <a:cs typeface="Times New Roman" panose="02020603050405020304" pitchFamily="18" charset="0"/>
-              </a:rPr>
-              <a:t>)No significant legal barriers are foreseen, and compliance.</a:t>
+              <a:t> The project timelines allow for timely development and deployment, considering the relatively straightforward nature of the Hangman game and the availability of required resources and expertise.</a:t>
             </a:r>
           </a:p>
           <a:p>
-            <a:pPr algn="just"/>
-            <a:r>
-              <a:rPr lang="en-US" b="1" i="0" dirty="0">
-                <a:effectLst/>
-                <a:latin typeface="Times New Roman" panose="02020603050405020304" pitchFamily="18" charset="0"/>
-                <a:cs typeface="Times New Roman" panose="02020603050405020304" pitchFamily="18" charset="0"/>
-              </a:rPr>
-              <a:t>5.   Scheduling and Time Feasibility:</a:t>
-            </a:r>
+            <a:pPr marL="342900" indent="-342900" algn="just">
+              <a:buAutoNum type="arabicPeriod" startAt="5"/>
+            </a:pPr>
             <a:endParaRPr lang="en-US" b="0" i="0" dirty="0">
               <a:effectLst/>
               <a:latin typeface="Times New Roman" panose="02020603050405020304" pitchFamily="18" charset="0"/>
               <a:cs typeface="Times New Roman" panose="02020603050405020304" pitchFamily="18" charset="0"/>
             </a:endParaRPr>
-          </a:p>
-          <a:p>
-            <a:pPr algn="just"/>
-            <a:r>
-              <a:rPr lang="en-US" b="0" i="0" dirty="0">
-                <a:effectLst/>
-                <a:latin typeface="Times New Roman" panose="02020603050405020304" pitchFamily="18" charset="0"/>
-                <a:cs typeface="Times New Roman" panose="02020603050405020304" pitchFamily="18" charset="0"/>
-              </a:rPr>
-              <a:t>	a)Project timelines allow for timely development and deployment.</a:t>
-            </a:r>
           </a:p>
         </p:txBody>
       </p:sp>
@@ -33247,7 +33086,7 @@
         </p:nvSpPr>
         <p:spPr>
           <a:xfrm>
-            <a:off x="0" y="678426"/>
+            <a:off x="0" y="635226"/>
             <a:ext cx="9144000" cy="4173793"/>
           </a:xfrm>
           <a:prstGeom prst="rect">
@@ -33300,9 +33139,9 @@
             </a:endParaRPr>
           </a:p>
           <a:p>
-            <a:pPr marL="120015" indent="0" algn="just">
+            <a:pPr marL="462915" indent="-342900" algn="just">
               <a:buClrTx/>
-              <a:buNone/>
+              <a:buAutoNum type="arabicPeriod"/>
             </a:pPr>
             <a:r>
               <a:rPr lang="en-US" sz="1400" b="1" i="0" dirty="0">
@@ -33313,7 +33152,7 @@
                 <a:latin typeface="Times New Roman" panose="02020603050405020304" pitchFamily="18" charset="0"/>
                 <a:cs typeface="Times New Roman" panose="02020603050405020304" pitchFamily="18" charset="0"/>
               </a:rPr>
-              <a:t>1. User Interface: -</a:t>
+              <a:t>User Interface: - </a:t>
             </a:r>
           </a:p>
           <a:p>
@@ -33322,7 +33161,17 @@
               <a:buNone/>
             </a:pPr>
             <a:r>
-              <a:rPr lang="en-US" sz="1400" b="1" i="0" dirty="0">
+              <a:rPr lang="en-US" sz="1400" dirty="0">
+                <a:solidFill>
+                  <a:srgbClr val="000000"/>
+                </a:solidFill>
+                <a:latin typeface="Times New Roman" panose="02020603050405020304" pitchFamily="18" charset="0"/>
+                <a:cs typeface="Times New Roman" panose="02020603050405020304" pitchFamily="18" charset="0"/>
+              </a:rPr>
+              <a:t>a. </a:t>
+            </a:r>
+            <a:r>
+              <a:rPr lang="en-US" sz="1400" i="0" dirty="0">
                 <a:solidFill>
                   <a:srgbClr val="000000"/>
                 </a:solidFill>
@@ -33330,18 +33179,7 @@
                 <a:latin typeface="Times New Roman" panose="02020603050405020304" pitchFamily="18" charset="0"/>
                 <a:cs typeface="Times New Roman" panose="02020603050405020304" pitchFamily="18" charset="0"/>
               </a:rPr>
-              <a:t>	</a:t>
-            </a:r>
-            <a:r>
-              <a:rPr lang="en-US" sz="1400" i="0" dirty="0">
-                <a:solidFill>
-                  <a:srgbClr val="000000"/>
-                </a:solidFill>
-                <a:effectLst/>
-                <a:latin typeface="Times New Roman" panose="02020603050405020304" pitchFamily="18" charset="0"/>
-                <a:cs typeface="Times New Roman" panose="02020603050405020304" pitchFamily="18" charset="0"/>
-              </a:rPr>
-              <a:t>a. Intuitive design for employee self-service and admin dashboards.</a:t>
+              <a:t>Design an intuitive GUI for the Hangman game, ensuring ease of use for players.</a:t>
             </a:r>
           </a:p>
           <a:p>
@@ -33358,7 +33196,7 @@
                 <a:latin typeface="Times New Roman" panose="02020603050405020304" pitchFamily="18" charset="0"/>
                 <a:cs typeface="Times New Roman" panose="02020603050405020304" pitchFamily="18" charset="0"/>
               </a:rPr>
-              <a:t>	b. Responsive and user-friendly interface.</a:t>
+              <a:t>b. Implement a responsive and visually appealing interface that adapts to different screen sizes and devices.</a:t>
             </a:r>
           </a:p>
           <a:p>
@@ -33384,26 +33222,14 @@
               <a:buNone/>
             </a:pPr>
             <a:r>
-              <a:rPr lang="en-US" sz="1400" b="1" i="0" dirty="0">
+              <a:rPr lang="en-US" sz="1400" dirty="0">
                 <a:solidFill>
                   <a:srgbClr val="000000"/>
                 </a:solidFill>
-                <a:effectLst/>
                 <a:latin typeface="Times New Roman" panose="02020603050405020304" pitchFamily="18" charset="0"/>
                 <a:cs typeface="Times New Roman" panose="02020603050405020304" pitchFamily="18" charset="0"/>
               </a:rPr>
-              <a:t>	</a:t>
-            </a:r>
-            <a:r>
-              <a:rPr lang="en-US" sz="1400" i="0" dirty="0">
-                <a:solidFill>
-                  <a:srgbClr val="000000"/>
-                </a:solidFill>
-                <a:effectLst/>
-                <a:latin typeface="Times New Roman" panose="02020603050405020304" pitchFamily="18" charset="0"/>
-                <a:cs typeface="Times New Roman" panose="02020603050405020304" pitchFamily="18" charset="0"/>
-              </a:rPr>
-              <a:t>a. Centralized database for secure storage of employee data.</a:t>
+              <a:t>a. Utilize Firebase as a centralized database to securely store game data, including words and player records.</a:t>
             </a:r>
           </a:p>
           <a:p>
@@ -33412,16 +33238,22 @@
               <a:buNone/>
             </a:pPr>
             <a:r>
-              <a:rPr lang="en-US" sz="1400" i="0" dirty="0">
+              <a:rPr lang="en-US" sz="1400" dirty="0">
                 <a:solidFill>
                   <a:srgbClr val="000000"/>
                 </a:solidFill>
-                <a:effectLst/>
                 <a:latin typeface="Times New Roman" panose="02020603050405020304" pitchFamily="18" charset="0"/>
                 <a:cs typeface="Times New Roman" panose="02020603050405020304" pitchFamily="18" charset="0"/>
               </a:rPr>
-              <a:t>	b. Database management system for efficient data retrieval.</a:t>
+              <a:t>b. Implement efficient data retrieval mechanisms to fetch game information during runtime.</a:t>
             </a:r>
+            <a:endParaRPr lang="en-US" sz="1400" b="1" dirty="0">
+              <a:solidFill>
+                <a:srgbClr val="000000"/>
+              </a:solidFill>
+              <a:latin typeface="Times New Roman" panose="02020603050405020304" pitchFamily="18" charset="0"/>
+              <a:cs typeface="Times New Roman" panose="02020603050405020304" pitchFamily="18" charset="0"/>
+            </a:endParaRPr>
           </a:p>
           <a:p>
             <a:pPr marL="120015" indent="0" algn="just">
@@ -33441,89 +33273,21 @@
             </a:r>
           </a:p>
           <a:p>
-            <a:pPr marL="120015" indent="0" algn="just">
-              <a:buClrTx/>
+            <a:pPr marL="274320" lvl="0" indent="-177800" algn="just" rtl="0">
+              <a:lnSpc>
+                <a:spcPct val="100000"/>
+              </a:lnSpc>
+              <a:spcBef>
+                <a:spcPts val="320"/>
+              </a:spcBef>
+              <a:spcAft>
+                <a:spcPts val="0"/>
+              </a:spcAft>
+              <a:buSzPts val="1520"/>
               <a:buNone/>
             </a:pPr>
             <a:r>
-              <a:rPr lang="en-US" sz="1400" i="0" dirty="0">
-                <a:solidFill>
-                  <a:srgbClr val="000000"/>
-                </a:solidFill>
-                <a:effectLst/>
-                <a:latin typeface="Times New Roman" panose="02020603050405020304" pitchFamily="18" charset="0"/>
-                <a:cs typeface="Times New Roman" panose="02020603050405020304" pitchFamily="18" charset="0"/>
-              </a:rPr>
-              <a:t>	a. Employee Onboarding: Digital forms and document submission.</a:t>
-            </a:r>
-          </a:p>
-          <a:p>
-            <a:pPr marL="120015" indent="0" algn="just">
-              <a:buClrTx/>
-              <a:buNone/>
-            </a:pPr>
-            <a:r>
-              <a:rPr lang="en-US" sz="1400" i="0" dirty="0">
-                <a:solidFill>
-                  <a:srgbClr val="000000"/>
-                </a:solidFill>
-                <a:effectLst/>
-                <a:latin typeface="Times New Roman" panose="02020603050405020304" pitchFamily="18" charset="0"/>
-                <a:cs typeface="Times New Roman" panose="02020603050405020304" pitchFamily="18" charset="0"/>
-              </a:rPr>
-              <a:t>	b. Attendance Tracking &amp; Performance Records</a:t>
-            </a:r>
-          </a:p>
-          <a:p>
-            <a:pPr marL="120015" indent="0" algn="just">
-              <a:buClrTx/>
-              <a:buNone/>
-            </a:pPr>
-            <a:r>
-              <a:rPr lang="en-US" sz="1400" i="0" dirty="0">
-                <a:solidFill>
-                  <a:srgbClr val="000000"/>
-                </a:solidFill>
-                <a:effectLst/>
-                <a:latin typeface="Times New Roman" panose="02020603050405020304" pitchFamily="18" charset="0"/>
-                <a:cs typeface="Times New Roman" panose="02020603050405020304" pitchFamily="18" charset="0"/>
-              </a:rPr>
-              <a:t>	c. Performance Management: Goal setting, feedback mechanisms.</a:t>
-            </a:r>
-          </a:p>
-          <a:p>
-            <a:pPr marL="120015" indent="0" algn="just">
-              <a:buClrTx/>
-              <a:buNone/>
-            </a:pPr>
-            <a:r>
-              <a:rPr lang="en-US" sz="1400" i="0" dirty="0">
-                <a:solidFill>
-                  <a:srgbClr val="000000"/>
-                </a:solidFill>
-                <a:effectLst/>
-                <a:latin typeface="Times New Roman" panose="02020603050405020304" pitchFamily="18" charset="0"/>
-                <a:cs typeface="Times New Roman" panose="02020603050405020304" pitchFamily="18" charset="0"/>
-              </a:rPr>
-              <a:t>	d. Employee Self-Service: Leave requests and personal information.</a:t>
-            </a:r>
-          </a:p>
-          <a:p>
-            <a:pPr marL="274320" lvl="0" indent="-177800" algn="just" rtl="0">
-              <a:lnSpc>
-                <a:spcPct val="100000"/>
-              </a:lnSpc>
-              <a:spcBef>
-                <a:spcPts val="320"/>
-              </a:spcBef>
-              <a:spcAft>
-                <a:spcPts val="0"/>
-              </a:spcAft>
-              <a:buSzPts val="1520"/>
-              <a:buNone/>
-            </a:pPr>
-            <a:r>
-              <a:rPr lang="en-US" sz="1400" b="1" dirty="0">
+              <a:rPr lang="en-US" sz="1400" dirty="0">
                 <a:solidFill>
                   <a:srgbClr val="000000"/>
                 </a:solidFill>
@@ -33532,19 +33296,25 @@
                 <a:cs typeface="Times New Roman" panose="02020603050405020304" pitchFamily="18" charset="0"/>
                 <a:sym typeface="Times New Roman"/>
               </a:rPr>
-              <a:t>4. Technologies Used: -</a:t>
+              <a:t>a. Develop the core game functionalities, including word selection, masking, and player input processing.</a:t>
             </a:r>
           </a:p>
           <a:p>
-            <a:pPr marL="274320" indent="-177800" algn="just">
+            <a:pPr marL="274320" lvl="0" indent="-177800" algn="just" rtl="0">
+              <a:lnSpc>
+                <a:spcPct val="100000"/>
+              </a:lnSpc>
               <a:spcBef>
                 <a:spcPts val="320"/>
               </a:spcBef>
+              <a:spcAft>
+                <a:spcPts val="0"/>
+              </a:spcAft>
               <a:buSzPts val="1520"/>
               <a:buNone/>
             </a:pPr>
             <a:r>
-              <a:rPr lang="en-US" sz="1400" b="1" dirty="0">
+              <a:rPr lang="en-US" sz="1400" dirty="0">
                 <a:solidFill>
                   <a:srgbClr val="000000"/>
                 </a:solidFill>
@@ -33553,36 +33323,9 @@
                 <a:cs typeface="Times New Roman" panose="02020603050405020304" pitchFamily="18" charset="0"/>
                 <a:sym typeface="Times New Roman"/>
               </a:rPr>
-              <a:t>		</a:t>
+              <a:t>b. Implement features such as tracking player progress, managing lives, and determining game outcomes.</a:t>
             </a:r>
-            <a:r>
-              <a:rPr lang="en-US" sz="1400" dirty="0">
-                <a:solidFill>
-                  <a:srgbClr val="000000"/>
-                </a:solidFill>
-                <a:latin typeface="Times New Roman" panose="02020603050405020304" pitchFamily="18" charset="0"/>
-                <a:ea typeface="Times New Roman"/>
-                <a:cs typeface="Times New Roman" panose="02020603050405020304" pitchFamily="18" charset="0"/>
-                <a:sym typeface="Times New Roman"/>
-              </a:rPr>
-              <a:t>a. Frontend: Python  , b. Database: Firebase</a:t>
-            </a:r>
-          </a:p>
-          <a:p>
-            <a:pPr marL="274320" lvl="0" indent="-177800" algn="just" rtl="0">
-              <a:lnSpc>
-                <a:spcPct val="100000"/>
-              </a:lnSpc>
-              <a:spcBef>
-                <a:spcPts val="320"/>
-              </a:spcBef>
-              <a:spcAft>
-                <a:spcPts val="0"/>
-              </a:spcAft>
-              <a:buSzPts val="1520"/>
-              <a:buNone/>
-            </a:pPr>
-            <a:endParaRPr lang="en-US" sz="1400" dirty="0">
+            <a:endParaRPr lang="en-US" sz="1400" b="1" dirty="0">
               <a:solidFill>
                 <a:srgbClr val="000000"/>
               </a:solidFill>
@@ -33607,6 +33350,75 @@
               <a:buNone/>
             </a:pPr>
             <a:r>
+              <a:rPr lang="en-US" sz="1400" b="1" dirty="0">
+                <a:solidFill>
+                  <a:srgbClr val="000000"/>
+                </a:solidFill>
+                <a:latin typeface="Times New Roman" panose="02020603050405020304" pitchFamily="18" charset="0"/>
+                <a:ea typeface="Times New Roman"/>
+                <a:cs typeface="Times New Roman" panose="02020603050405020304" pitchFamily="18" charset="0"/>
+                <a:sym typeface="Times New Roman"/>
+              </a:rPr>
+              <a:t>4. Technologies Used: -</a:t>
+            </a:r>
+          </a:p>
+          <a:p>
+            <a:pPr marL="274320" indent="-177800" algn="just">
+              <a:spcBef>
+                <a:spcPts val="320"/>
+              </a:spcBef>
+              <a:buSzPts val="1520"/>
+              <a:buNone/>
+            </a:pPr>
+            <a:r>
+              <a:rPr lang="en-US" sz="1400" dirty="0">
+                <a:solidFill>
+                  <a:srgbClr val="000000"/>
+                </a:solidFill>
+                <a:latin typeface="Times New Roman" panose="02020603050405020304" pitchFamily="18" charset="0"/>
+                <a:ea typeface="Times New Roman"/>
+                <a:cs typeface="Times New Roman" panose="02020603050405020304" pitchFamily="18" charset="0"/>
+                <a:sym typeface="Times New Roman"/>
+              </a:rPr>
+              <a:t>a. Frontend: PyQt5 for GUI development, providing a robust framework for building interactive applications.</a:t>
+            </a:r>
+          </a:p>
+          <a:p>
+            <a:pPr marL="274320" indent="-177800" algn="just">
+              <a:spcBef>
+                <a:spcPts val="320"/>
+              </a:spcBef>
+              <a:buSzPts val="1520"/>
+              <a:buNone/>
+            </a:pPr>
+            <a:r>
+              <a:rPr lang="en-US" sz="1400" dirty="0">
+                <a:solidFill>
+                  <a:srgbClr val="000000"/>
+                </a:solidFill>
+                <a:latin typeface="Times New Roman" panose="02020603050405020304" pitchFamily="18" charset="0"/>
+                <a:ea typeface="Times New Roman"/>
+                <a:cs typeface="Times New Roman" panose="02020603050405020304" pitchFamily="18" charset="0"/>
+                <a:sym typeface="Times New Roman"/>
+              </a:rPr>
+              <a:t>b. Database: Firebase, offering a scalable and real-time cloud database solution for storing and retrieving game data efficiently.</a:t>
+            </a:r>
+          </a:p>
+          <a:p>
+            <a:pPr marL="274320" lvl="0" indent="-177800" algn="just" rtl="0">
+              <a:lnSpc>
+                <a:spcPct val="100000"/>
+              </a:lnSpc>
+              <a:spcBef>
+                <a:spcPts val="320"/>
+              </a:spcBef>
+              <a:spcAft>
+                <a:spcPts val="0"/>
+              </a:spcAft>
+              <a:buSzPts val="1520"/>
+              <a:buNone/>
+            </a:pPr>
+            <a:r>
               <a:rPr lang="en-US" sz="1400" dirty="0">
                 <a:solidFill>
                   <a:srgbClr val="000000"/>
@@ -33618,7 +33430,7 @@
               </a:rPr>
               <a:t>		</a:t>
             </a:r>
-            <a:endParaRPr sz="1200" b="1" dirty="0">
+            <a:endParaRPr sz="1200" dirty="0">
               <a:solidFill>
                 <a:srgbClr val="000000"/>
               </a:solidFill>
@@ -33733,7 +33545,7 @@
         </p:nvSpPr>
         <p:spPr>
           <a:xfrm>
-            <a:off x="0" y="730115"/>
+            <a:off x="0" y="434915"/>
             <a:ext cx="8229600" cy="3372406"/>
           </a:xfrm>
           <a:prstGeom prst="rect">
@@ -33864,10 +33676,10 @@
       </p:sp>
       <p:pic>
         <p:nvPicPr>
-          <p:cNvPr id="3" name="Picture 2" descr="A screenshot of a computer screen&#10;&#10;Description automatically generated">
+          <p:cNvPr id="4" name="Picture 3">
             <a:extLst>
               <a:ext uri="{FF2B5EF4-FFF2-40B4-BE49-F238E27FC236}">
-                <a16:creationId xmlns:a16="http://schemas.microsoft.com/office/drawing/2014/main" id="{ADE0C68F-F47F-4997-26B1-37CCD38129C0}"/>
+                <a16:creationId xmlns:a16="http://schemas.microsoft.com/office/drawing/2014/main" id="{7D9BCD12-41D1-F8C2-BA58-346C7E235B9C}"/>
               </a:ext>
             </a:extLst>
           </p:cNvPr>
@@ -33884,8 +33696,8 @@
         </p:blipFill>
         <p:spPr>
           <a:xfrm>
-            <a:off x="2705253" y="792305"/>
-            <a:ext cx="5724525" cy="3248025"/>
+            <a:off x="2096812" y="1227413"/>
+            <a:ext cx="4893878" cy="3099788"/>
           </a:xfrm>
           <a:prstGeom prst="rect">
             <a:avLst/>
@@ -33946,7 +33758,7 @@
         </p:nvSpPr>
         <p:spPr>
           <a:xfrm>
-            <a:off x="0" y="730115"/>
+            <a:off x="0" y="413315"/>
             <a:ext cx="8229600" cy="3372406"/>
           </a:xfrm>
           <a:prstGeom prst="rect">
@@ -34077,10 +33889,10 @@
       </p:sp>
       <p:pic>
         <p:nvPicPr>
-          <p:cNvPr id="4" name="Picture 3" descr="A diagram of a computer&#10;&#10;Description automatically generated">
+          <p:cNvPr id="3" name="Picture 2">
             <a:extLst>
               <a:ext uri="{FF2B5EF4-FFF2-40B4-BE49-F238E27FC236}">
-                <a16:creationId xmlns:a16="http://schemas.microsoft.com/office/drawing/2014/main" id="{7E9F1C86-A48B-F5AE-E915-0A2D1DBD2085}"/>
+                <a16:creationId xmlns:a16="http://schemas.microsoft.com/office/drawing/2014/main" id="{1504E78A-A7F1-B71C-6803-EB67C27DD34E}"/>
               </a:ext>
             </a:extLst>
           </p:cNvPr>
@@ -34097,8 +33909,8 @@
         </p:blipFill>
         <p:spPr>
           <a:xfrm>
-            <a:off x="2687894" y="1268555"/>
-            <a:ext cx="5715000" cy="2295525"/>
+            <a:off x="1684799" y="1021486"/>
+            <a:ext cx="4687607" cy="3456914"/>
           </a:xfrm>
           <a:prstGeom prst="rect">
             <a:avLst/>
@@ -34159,7 +33971,7 @@
         </p:nvSpPr>
         <p:spPr>
           <a:xfrm>
-            <a:off x="0" y="730115"/>
+            <a:off x="0" y="622115"/>
             <a:ext cx="8229600" cy="3372406"/>
           </a:xfrm>
           <a:prstGeom prst="rect">
@@ -34289,10 +34101,10 @@
       </p:sp>
       <p:pic>
         <p:nvPicPr>
-          <p:cNvPr id="3" name="Picture 2" descr="A screenshot of a computer screen&#10;&#10;Description automatically generated">
+          <p:cNvPr id="4" name="Picture 3">
             <a:extLst>
               <a:ext uri="{FF2B5EF4-FFF2-40B4-BE49-F238E27FC236}">
-                <a16:creationId xmlns:a16="http://schemas.microsoft.com/office/drawing/2014/main" id="{E3315BD1-0D81-37BD-2BAF-7A68504E81D9}"/>
+                <a16:creationId xmlns:a16="http://schemas.microsoft.com/office/drawing/2014/main" id="{7432CEE1-E5F0-3E2F-68D8-486B57E856BC}"/>
               </a:ext>
             </a:extLst>
           </p:cNvPr>
@@ -34309,8 +34121,8 @@
         </p:blipFill>
         <p:spPr>
           <a:xfrm>
-            <a:off x="2561056" y="563551"/>
-            <a:ext cx="2291163" cy="3961536"/>
+            <a:off x="0" y="1342470"/>
+            <a:ext cx="9144000" cy="2458559"/>
           </a:xfrm>
           <a:prstGeom prst="rect">
             <a:avLst/>
@@ -35261,7 +35073,19 @@
               <a:rPr lang="en-IN" dirty="0">
                 <a:hlinkClick r:id="rId3"/>
               </a:rPr>
-              <a:t>ChampionSamay1644/Sem_4_Mini_Project (github.com)</a:t>
+              <a:t>Armaan4477/Hangman: Python </a:t>
+            </a:r>
+            <a:r>
+              <a:rPr lang="en-IN" dirty="0" err="1">
+                <a:hlinkClick r:id="rId3"/>
+              </a:rPr>
+              <a:t>sem</a:t>
+            </a:r>
+            <a:r>
+              <a:rPr lang="en-IN" dirty="0">
+                <a:hlinkClick r:id="rId3"/>
+              </a:rPr>
+              <a:t> 4 mini project (github.com)</a:t>
             </a:r>
             <a:endParaRPr lang="en-IN" u="sng" dirty="0">
               <a:latin typeface="Times New Roman" panose="02020603050405020304" pitchFamily="18" charset="0"/>

--- a/Documentation and ppt/PPT/Hangman_ppt.pptx
+++ b/Documentation and ppt/PPT/Hangman_ppt.pptx
@@ -6,7 +6,7 @@
     <p:sldMasterId id="2147483686" r:id="rId2"/>
   </p:sldMasterIdLst>
   <p:notesMasterIdLst>
-    <p:notesMasterId r:id="rId21"/>
+    <p:notesMasterId r:id="rId29"/>
   </p:notesMasterIdLst>
   <p:sldIdLst>
     <p:sldId id="256" r:id="rId3"/>
@@ -25,18 +25,31 @@
     <p:sldId id="292" r:id="rId16"/>
     <p:sldId id="293" r:id="rId17"/>
     <p:sldId id="272" r:id="rId18"/>
-    <p:sldId id="273" r:id="rId19"/>
-    <p:sldId id="259" r:id="rId20"/>
+    <p:sldId id="294" r:id="rId19"/>
+    <p:sldId id="295" r:id="rId20"/>
+    <p:sldId id="296" r:id="rId21"/>
+    <p:sldId id="297" r:id="rId22"/>
+    <p:sldId id="298" r:id="rId23"/>
+    <p:sldId id="299" r:id="rId24"/>
+    <p:sldId id="300" r:id="rId25"/>
+    <p:sldId id="301" r:id="rId26"/>
+    <p:sldId id="273" r:id="rId27"/>
+    <p:sldId id="259" r:id="rId28"/>
   </p:sldIdLst>
   <p:sldSz cx="9144000" cy="5143500" type="screen16x9"/>
   <p:notesSz cx="6858000" cy="9144000"/>
   <p:embeddedFontLst>
     <p:embeddedFont>
       <p:font typeface="Constantia" panose="02030602050306030303" pitchFamily="18" charset="0"/>
-      <p:regular r:id="rId22"/>
-      <p:bold r:id="rId23"/>
-      <p:italic r:id="rId24"/>
-      <p:boldItalic r:id="rId25"/>
+      <p:regular r:id="rId30"/>
+      <p:bold r:id="rId31"/>
+      <p:italic r:id="rId32"/>
+      <p:boldItalic r:id="rId33"/>
+    </p:embeddedFont>
+    <p:embeddedFont>
+      <p:font typeface="Noto Sans Symbols" pitchFamily="2" charset="0"/>
+      <p:regular r:id="rId34"/>
+      <p:bold r:id="rId35"/>
     </p:embeddedFont>
   </p:embeddedFontLst>
   <p:defaultTextStyle>
@@ -34269,33 +34282,6 @@
               <a:buNone/>
             </a:pPr>
             <a:r>
-              <a:rPr lang="en-US" sz="1600" dirty="0">
-                <a:solidFill>
-                  <a:srgbClr val="000000"/>
-                </a:solidFill>
-                <a:latin typeface="Times New Roman"/>
-                <a:ea typeface="Times New Roman"/>
-                <a:cs typeface="Times New Roman"/>
-                <a:sym typeface="Times New Roman"/>
-              </a:rPr>
-              <a:t>Main Login:</a:t>
-            </a:r>
-          </a:p>
-          <a:p>
-            <a:pPr marL="274320" lvl="0" indent="-177800" algn="l" rtl="0">
-              <a:lnSpc>
-                <a:spcPct val="100000"/>
-              </a:lnSpc>
-              <a:spcBef>
-                <a:spcPts val="320"/>
-              </a:spcBef>
-              <a:spcAft>
-                <a:spcPts val="0"/>
-              </a:spcAft>
-              <a:buSzPts val="1520"/>
-              <a:buNone/>
-            </a:pPr>
-            <a:r>
               <a:rPr lang="en-US" sz="1600" b="1" dirty="0">
                 <a:latin typeface="Times New Roman"/>
                 <a:ea typeface="Times New Roman"/>
@@ -34402,10 +34388,10 @@
       </p:sp>
       <p:sp>
         <p:nvSpPr>
-          <p:cNvPr id="8" name="TextBox 7">
+          <p:cNvPr id="11" name="TextBox 10">
             <a:extLst>
               <a:ext uri="{FF2B5EF4-FFF2-40B4-BE49-F238E27FC236}">
-                <a16:creationId xmlns:a16="http://schemas.microsoft.com/office/drawing/2014/main" id="{E0EF166D-BB8C-9D40-3FEE-996972012E3A}"/>
+                <a16:creationId xmlns:a16="http://schemas.microsoft.com/office/drawing/2014/main" id="{0B3D2487-7A3C-DA2F-A721-695FB1440B06}"/>
               </a:ext>
             </a:extLst>
           </p:cNvPr>
@@ -34414,67 +34400,8 @@
         </p:nvSpPr>
         <p:spPr>
           <a:xfrm>
-            <a:off x="3950493" y="1538062"/>
-            <a:ext cx="4975622" cy="954107"/>
-          </a:xfrm>
-          <a:prstGeom prst="rect">
-            <a:avLst/>
-          </a:prstGeom>
-          <a:noFill/>
-        </p:spPr>
-        <p:txBody>
-          <a:bodyPr wrap="square">
-            <a:spAutoFit/>
-          </a:bodyPr>
-          <a:lstStyle/>
-          <a:p>
-            <a:pPr marL="382270" lvl="0" indent="-285750" algn="just" rtl="0">
-              <a:lnSpc>
-                <a:spcPct val="100000"/>
-              </a:lnSpc>
-              <a:spcBef>
-                <a:spcPts val="320"/>
-              </a:spcBef>
-              <a:spcAft>
-                <a:spcPts val="0"/>
-              </a:spcAft>
-              <a:buSzPts val="1520"/>
-              <a:buFont typeface="Arial" panose="020B0604020202020204" pitchFamily="34" charset="0"/>
-              <a:buChar char="•"/>
-            </a:pPr>
-            <a:r>
-              <a:rPr lang="en-US" dirty="0">
-                <a:effectLst/>
-                <a:latin typeface="Times New Roman" panose="02020603050405020304" pitchFamily="18" charset="0"/>
-                <a:ea typeface="Calibri" panose="020F0502020204030204" pitchFamily="34" charset="0"/>
-              </a:rPr>
-              <a:t>The first page presented to the user upon opening the application, this page gives the input boxes to enter the username and password along with the login button and the exit and credit buttons.</a:t>
-            </a:r>
-            <a:endParaRPr lang="en-US" b="1" dirty="0">
-              <a:latin typeface="Times New Roman"/>
-              <a:ea typeface="Times New Roman"/>
-              <a:cs typeface="Times New Roman"/>
-              <a:sym typeface="Times New Roman"/>
-            </a:endParaRPr>
-          </a:p>
-        </p:txBody>
-      </p:sp>
-      <p:sp>
-        <p:nvSpPr>
-          <p:cNvPr id="10" name="TextBox 9">
-            <a:extLst>
-              <a:ext uri="{FF2B5EF4-FFF2-40B4-BE49-F238E27FC236}">
-                <a16:creationId xmlns:a16="http://schemas.microsoft.com/office/drawing/2014/main" id="{8E679F7A-F4A4-6AA8-6CB8-06E9305F7044}"/>
-              </a:ext>
-            </a:extLst>
-          </p:cNvPr>
-          <p:cNvSpPr txBox="1"/>
-          <p:nvPr/>
-        </p:nvSpPr>
-        <p:spPr>
-          <a:xfrm>
-            <a:off x="2159579" y="4088982"/>
-            <a:ext cx="940809" cy="307777"/>
+            <a:off x="5814000" y="1225550"/>
+            <a:ext cx="3330000" cy="1384995"/>
           </a:xfrm>
           <a:prstGeom prst="rect">
             <a:avLst/>
@@ -34488,34 +34415,28 @@
           <a:lstStyle/>
           <a:p>
             <a:r>
-              <a:rPr lang="en-US" b="1" dirty="0">
-                <a:latin typeface="Times New Roman"/>
-                <a:ea typeface="Times New Roman"/>
-                <a:cs typeface="Times New Roman"/>
-                <a:sym typeface="Times New Roman"/>
-              </a:rPr>
-              <a:t>Figure 1</a:t>
+              <a:rPr lang="en-US" dirty="0"/>
+              <a:t>Figure 1 :- The main game screen shown to the user, which can be played instantly. The word is completely hidden and no letters are shown. The player starts with 10 lives and the lives reduce as the incorrect letters are clicked. </a:t>
             </a:r>
-            <a:endParaRPr lang="en-IN" dirty="0"/>
           </a:p>
         </p:txBody>
       </p:sp>
       <p:pic>
         <p:nvPicPr>
-          <p:cNvPr id="2" name="Picture 1">
+          <p:cNvPr id="12" name="Picture 11">
             <a:extLst>
               <a:ext uri="{FF2B5EF4-FFF2-40B4-BE49-F238E27FC236}">
-                <a16:creationId xmlns:a16="http://schemas.microsoft.com/office/drawing/2014/main" id="{EE290930-3185-D57C-EC83-8ECF2A62A0DB}"/>
+                <a16:creationId xmlns:a16="http://schemas.microsoft.com/office/drawing/2014/main" id="{9F133B13-35D5-8257-186F-22F6C4627118}"/>
               </a:ext>
             </a:extLst>
           </p:cNvPr>
           <p:cNvPicPr>
-            <a:picLocks noChangeAspect="1"/>
+            <a:picLocks/>
           </p:cNvPicPr>
           <p:nvPr/>
         </p:nvPicPr>
         <p:blipFill>
-          <a:blip r:embed="rId3">
+          <a:blip r:embed="rId3" cstate="print">
             <a:extLst>
               <a:ext uri="{28A0092B-C50C-407E-A947-70E740481C1C}">
                 <a14:useLocalDpi xmlns:a14="http://schemas.microsoft.com/office/drawing/2010/main" val="0"/>
@@ -34529,8 +34450,8 @@
         </p:blipFill>
         <p:spPr bwMode="auto">
           <a:xfrm>
-            <a:off x="1217884" y="1954261"/>
-            <a:ext cx="2896916" cy="2047997"/>
+            <a:off x="82800" y="1225550"/>
+            <a:ext cx="5731200" cy="2806686"/>
           </a:xfrm>
           <a:prstGeom prst="rect">
             <a:avLst/>
@@ -34543,10 +34464,10 @@
       </p:pic>
       <p:sp>
         <p:nvSpPr>
-          <p:cNvPr id="4" name="TextBox 3">
+          <p:cNvPr id="14" name="TextBox 13">
             <a:extLst>
               <a:ext uri="{FF2B5EF4-FFF2-40B4-BE49-F238E27FC236}">
-                <a16:creationId xmlns:a16="http://schemas.microsoft.com/office/drawing/2014/main" id="{B5CA551B-D71B-5B68-D6A9-4FB18036FEB6}"/>
+                <a16:creationId xmlns:a16="http://schemas.microsoft.com/office/drawing/2014/main" id="{F7193DF9-1067-90BD-28F0-0DFE9F24C561}"/>
               </a:ext>
             </a:extLst>
           </p:cNvPr>
@@ -34555,8 +34476,8 @@
         </p:nvSpPr>
         <p:spPr>
           <a:xfrm>
-            <a:off x="4346971" y="2789060"/>
-            <a:ext cx="4579144" cy="1003031"/>
+            <a:off x="2543239" y="4032236"/>
+            <a:ext cx="810322" cy="307777"/>
           </a:xfrm>
           <a:prstGeom prst="rect">
             <a:avLst/>
@@ -34569,29 +34490,15 @@
           </a:bodyPr>
           <a:lstStyle/>
           <a:p>
-            <a:pPr algn="just">
-              <a:lnSpc>
-                <a:spcPct val="107000"/>
-              </a:lnSpc>
-              <a:spcAft>
-                <a:spcPts val="800"/>
-              </a:spcAft>
-            </a:pPr>
             <a:r>
-              <a:rPr lang="en-US" kern="100" dirty="0">
+              <a:rPr lang="en-US" sz="1400" dirty="0">
                 <a:effectLst/>
                 <a:latin typeface="Times New Roman" panose="02020603050405020304" pitchFamily="18" charset="0"/>
                 <a:ea typeface="Calibri" panose="020F0502020204030204" pitchFamily="34" charset="0"/>
-                <a:cs typeface="Arial" panose="020B0604020202020204" pitchFamily="34" charset="0"/>
               </a:rPr>
-              <a:t>There are 4 types of windows which will open following the user’s login depending on what role has been assigned the user in the DB, the 4 types of logins are Admin, HR, Manager and Employee.</a:t>
+              <a:t>Figure 1</a:t>
             </a:r>
-            <a:endParaRPr lang="en-IN" kern="100" dirty="0">
-              <a:effectLst/>
-              <a:latin typeface="Calibri" panose="020F0502020204030204" pitchFamily="34" charset="0"/>
-              <a:ea typeface="Calibri" panose="020F0502020204030204" pitchFamily="34" charset="0"/>
-              <a:cs typeface="Arial" panose="020B0604020202020204" pitchFamily="34" charset="0"/>
-            </a:endParaRPr>
+            <a:endParaRPr lang="en-IN" dirty="0"/>
           </a:p>
         </p:txBody>
       </p:sp>
@@ -34609,6 +34516,2027 @@
 </file>
 
 <file path=ppt/slides/slide17.xml><?xml version="1.0" encoding="utf-8"?>
+<p:sld xmlns:a="http://schemas.openxmlformats.org/drawingml/2006/main" xmlns:r="http://schemas.openxmlformats.org/officeDocument/2006/relationships" xmlns:p="http://schemas.openxmlformats.org/presentationml/2006/main">
+  <p:cSld>
+    <p:spTree>
+      <p:nvGrpSpPr>
+        <p:cNvPr id="1" name=""/>
+        <p:cNvGrpSpPr/>
+        <p:nvPr/>
+      </p:nvGrpSpPr>
+      <p:grpSpPr>
+        <a:xfrm>
+          <a:off x="0" y="0"/>
+          <a:ext cx="0" cy="0"/>
+          <a:chOff x="0" y="0"/>
+          <a:chExt cx="0" cy="0"/>
+        </a:xfrm>
+      </p:grpSpPr>
+      <p:pic>
+        <p:nvPicPr>
+          <p:cNvPr id="2" name="Picture 1">
+            <a:extLst>
+              <a:ext uri="{FF2B5EF4-FFF2-40B4-BE49-F238E27FC236}">
+                <a16:creationId xmlns:a16="http://schemas.microsoft.com/office/drawing/2014/main" id="{6689823B-F723-2EFE-D9E6-2B65DE82B2A1}"/>
+              </a:ext>
+            </a:extLst>
+          </p:cNvPr>
+          <p:cNvPicPr>
+            <a:picLocks/>
+          </p:cNvPicPr>
+          <p:nvPr/>
+        </p:nvPicPr>
+        <p:blipFill>
+          <a:blip r:embed="rId2" cstate="print">
+            <a:extLst>
+              <a:ext uri="{28A0092B-C50C-407E-A947-70E740481C1C}">
+                <a14:useLocalDpi xmlns:a14="http://schemas.microsoft.com/office/drawing/2010/main" val="0"/>
+              </a:ext>
+            </a:extLst>
+          </a:blip>
+          <a:srcRect/>
+          <a:stretch>
+            <a:fillRect/>
+          </a:stretch>
+        </p:blipFill>
+        <p:spPr bwMode="auto">
+          <a:xfrm>
+            <a:off x="82800" y="1223775"/>
+            <a:ext cx="5731200" cy="2808000"/>
+          </a:xfrm>
+          <a:prstGeom prst="rect">
+            <a:avLst/>
+          </a:prstGeom>
+          <a:noFill/>
+          <a:ln>
+            <a:noFill/>
+          </a:ln>
+        </p:spPr>
+      </p:pic>
+      <p:sp>
+        <p:nvSpPr>
+          <p:cNvPr id="4" name="TextBox 3">
+            <a:extLst>
+              <a:ext uri="{FF2B5EF4-FFF2-40B4-BE49-F238E27FC236}">
+                <a16:creationId xmlns:a16="http://schemas.microsoft.com/office/drawing/2014/main" id="{95AC9EBB-2DA8-2B7D-342D-A8E473CDDCBA}"/>
+              </a:ext>
+            </a:extLst>
+          </p:cNvPr>
+          <p:cNvSpPr txBox="1"/>
+          <p:nvPr/>
+        </p:nvSpPr>
+        <p:spPr>
+          <a:xfrm>
+            <a:off x="5814000" y="1223775"/>
+            <a:ext cx="3330000" cy="1003031"/>
+          </a:xfrm>
+          <a:prstGeom prst="rect">
+            <a:avLst/>
+          </a:prstGeom>
+          <a:noFill/>
+        </p:spPr>
+        <p:txBody>
+          <a:bodyPr wrap="square">
+            <a:spAutoFit/>
+          </a:bodyPr>
+          <a:lstStyle/>
+          <a:p>
+            <a:pPr algn="just">
+              <a:lnSpc>
+                <a:spcPct val="107000"/>
+              </a:lnSpc>
+              <a:spcAft>
+                <a:spcPts val="800"/>
+              </a:spcAft>
+            </a:pPr>
+            <a:r>
+              <a:rPr lang="en-US" sz="1400" kern="100" dirty="0">
+                <a:effectLst/>
+                <a:latin typeface="Times New Roman" panose="02020603050405020304" pitchFamily="18" charset="0"/>
+                <a:ea typeface="Calibri" panose="020F0502020204030204" pitchFamily="34" charset="0"/>
+                <a:cs typeface="Arial" panose="020B0604020202020204" pitchFamily="34" charset="0"/>
+              </a:rPr>
+              <a:t>Figure 2 :- As the game is played and the letters are clicked, the buttons get disabled. When the correct letter is clicked the letter unhides itself to reveal part of the word.</a:t>
+            </a:r>
+            <a:endParaRPr lang="en-IN" sz="1100" kern="100" dirty="0">
+              <a:effectLst/>
+              <a:latin typeface="Calibri" panose="020F0502020204030204" pitchFamily="34" charset="0"/>
+              <a:ea typeface="Calibri" panose="020F0502020204030204" pitchFamily="34" charset="0"/>
+              <a:cs typeface="Arial" panose="020B0604020202020204" pitchFamily="34" charset="0"/>
+            </a:endParaRPr>
+          </a:p>
+        </p:txBody>
+      </p:sp>
+      <p:sp>
+        <p:nvSpPr>
+          <p:cNvPr id="5" name="TextBox 4">
+            <a:extLst>
+              <a:ext uri="{FF2B5EF4-FFF2-40B4-BE49-F238E27FC236}">
+                <a16:creationId xmlns:a16="http://schemas.microsoft.com/office/drawing/2014/main" id="{198E6622-8F47-CD2E-8113-0E5E4740AB29}"/>
+              </a:ext>
+            </a:extLst>
+          </p:cNvPr>
+          <p:cNvSpPr txBox="1"/>
+          <p:nvPr/>
+        </p:nvSpPr>
+        <p:spPr>
+          <a:xfrm>
+            <a:off x="2543239" y="4032236"/>
+            <a:ext cx="810322" cy="307777"/>
+          </a:xfrm>
+          <a:prstGeom prst="rect">
+            <a:avLst/>
+          </a:prstGeom>
+          <a:noFill/>
+        </p:spPr>
+        <p:txBody>
+          <a:bodyPr wrap="square">
+            <a:spAutoFit/>
+          </a:bodyPr>
+          <a:lstStyle/>
+          <a:p>
+            <a:r>
+              <a:rPr lang="en-US" sz="1400" dirty="0">
+                <a:effectLst/>
+                <a:latin typeface="Times New Roman" panose="02020603050405020304" pitchFamily="18" charset="0"/>
+                <a:ea typeface="Calibri" panose="020F0502020204030204" pitchFamily="34" charset="0"/>
+              </a:rPr>
+              <a:t>Figure 2</a:t>
+            </a:r>
+            <a:endParaRPr lang="en-IN" dirty="0"/>
+          </a:p>
+        </p:txBody>
+      </p:sp>
+    </p:spTree>
+    <p:extLst>
+      <p:ext uri="{BB962C8B-B14F-4D97-AF65-F5344CB8AC3E}">
+        <p14:creationId xmlns:p14="http://schemas.microsoft.com/office/powerpoint/2010/main" val="4016729033"/>
+      </p:ext>
+    </p:extLst>
+  </p:cSld>
+  <p:clrMapOvr>
+    <a:masterClrMapping/>
+  </p:clrMapOvr>
+</p:sld>
+</file>
+
+<file path=ppt/slides/slide18.xml><?xml version="1.0" encoding="utf-8"?>
+<p:sld xmlns:a="http://schemas.openxmlformats.org/drawingml/2006/main" xmlns:r="http://schemas.openxmlformats.org/officeDocument/2006/relationships" xmlns:p="http://schemas.openxmlformats.org/presentationml/2006/main">
+  <p:cSld>
+    <p:spTree>
+      <p:nvGrpSpPr>
+        <p:cNvPr id="1" name=""/>
+        <p:cNvGrpSpPr/>
+        <p:nvPr/>
+      </p:nvGrpSpPr>
+      <p:grpSpPr>
+        <a:xfrm>
+          <a:off x="0" y="0"/>
+          <a:ext cx="0" cy="0"/>
+          <a:chOff x="0" y="0"/>
+          <a:chExt cx="0" cy="0"/>
+        </a:xfrm>
+      </p:grpSpPr>
+      <p:pic>
+        <p:nvPicPr>
+          <p:cNvPr id="2" name="Picture 1">
+            <a:extLst>
+              <a:ext uri="{FF2B5EF4-FFF2-40B4-BE49-F238E27FC236}">
+                <a16:creationId xmlns:a16="http://schemas.microsoft.com/office/drawing/2014/main" id="{EF38513A-7DA0-1508-461F-66ADB2E1D00B}"/>
+              </a:ext>
+            </a:extLst>
+          </p:cNvPr>
+          <p:cNvPicPr>
+            <a:picLocks noChangeAspect="1"/>
+          </p:cNvPicPr>
+          <p:nvPr/>
+        </p:nvPicPr>
+        <p:blipFill>
+          <a:blip r:embed="rId2">
+            <a:extLst>
+              <a:ext uri="{28A0092B-C50C-407E-A947-70E740481C1C}">
+                <a14:useLocalDpi xmlns:a14="http://schemas.microsoft.com/office/drawing/2010/main" val="0"/>
+              </a:ext>
+            </a:extLst>
+          </a:blip>
+          <a:srcRect/>
+          <a:stretch>
+            <a:fillRect/>
+          </a:stretch>
+        </p:blipFill>
+        <p:spPr bwMode="auto">
+          <a:xfrm>
+            <a:off x="82800" y="1224000"/>
+            <a:ext cx="5731510" cy="2806700"/>
+          </a:xfrm>
+          <a:prstGeom prst="rect">
+            <a:avLst/>
+          </a:prstGeom>
+          <a:noFill/>
+          <a:ln>
+            <a:noFill/>
+          </a:ln>
+        </p:spPr>
+      </p:pic>
+      <p:sp>
+        <p:nvSpPr>
+          <p:cNvPr id="4" name="TextBox 3">
+            <a:extLst>
+              <a:ext uri="{FF2B5EF4-FFF2-40B4-BE49-F238E27FC236}">
+                <a16:creationId xmlns:a16="http://schemas.microsoft.com/office/drawing/2014/main" id="{5BD9BCB2-3C29-FCC4-9578-281F0213600F}"/>
+              </a:ext>
+            </a:extLst>
+          </p:cNvPr>
+          <p:cNvSpPr txBox="1"/>
+          <p:nvPr/>
+        </p:nvSpPr>
+        <p:spPr>
+          <a:xfrm>
+            <a:off x="5814310" y="1224000"/>
+            <a:ext cx="3329690" cy="1003031"/>
+          </a:xfrm>
+          <a:prstGeom prst="rect">
+            <a:avLst/>
+          </a:prstGeom>
+          <a:noFill/>
+        </p:spPr>
+        <p:txBody>
+          <a:bodyPr wrap="square">
+            <a:spAutoFit/>
+          </a:bodyPr>
+          <a:lstStyle/>
+          <a:p>
+            <a:pPr algn="just">
+              <a:lnSpc>
+                <a:spcPct val="107000"/>
+              </a:lnSpc>
+              <a:spcAft>
+                <a:spcPts val="800"/>
+              </a:spcAft>
+            </a:pPr>
+            <a:r>
+              <a:rPr lang="en-US" sz="1400" kern="100" dirty="0">
+                <a:effectLst/>
+                <a:latin typeface="Times New Roman" panose="02020603050405020304" pitchFamily="18" charset="0"/>
+                <a:ea typeface="Calibri" panose="020F0502020204030204" pitchFamily="34" charset="0"/>
+                <a:cs typeface="Arial" panose="020B0604020202020204" pitchFamily="34" charset="0"/>
+              </a:rPr>
+              <a:t>Figure 3 :- When the lives go to 0 for the player, the game ends and the whole word is revealed. The give up button is also disabled as the game is over.</a:t>
+            </a:r>
+            <a:endParaRPr lang="en-IN" sz="1100" kern="100" dirty="0">
+              <a:effectLst/>
+              <a:latin typeface="Calibri" panose="020F0502020204030204" pitchFamily="34" charset="0"/>
+              <a:ea typeface="Calibri" panose="020F0502020204030204" pitchFamily="34" charset="0"/>
+              <a:cs typeface="Arial" panose="020B0604020202020204" pitchFamily="34" charset="0"/>
+            </a:endParaRPr>
+          </a:p>
+        </p:txBody>
+      </p:sp>
+      <p:sp>
+        <p:nvSpPr>
+          <p:cNvPr id="5" name="TextBox 4">
+            <a:extLst>
+              <a:ext uri="{FF2B5EF4-FFF2-40B4-BE49-F238E27FC236}">
+                <a16:creationId xmlns:a16="http://schemas.microsoft.com/office/drawing/2014/main" id="{335C8868-A75D-6429-2CE6-3930CD77415C}"/>
+              </a:ext>
+            </a:extLst>
+          </p:cNvPr>
+          <p:cNvSpPr txBox="1"/>
+          <p:nvPr/>
+        </p:nvSpPr>
+        <p:spPr>
+          <a:xfrm>
+            <a:off x="2543239" y="4032236"/>
+            <a:ext cx="810322" cy="307777"/>
+          </a:xfrm>
+          <a:prstGeom prst="rect">
+            <a:avLst/>
+          </a:prstGeom>
+          <a:noFill/>
+        </p:spPr>
+        <p:txBody>
+          <a:bodyPr wrap="square">
+            <a:spAutoFit/>
+          </a:bodyPr>
+          <a:lstStyle/>
+          <a:p>
+            <a:r>
+              <a:rPr lang="en-US" sz="1400" dirty="0">
+                <a:effectLst/>
+                <a:latin typeface="Times New Roman" panose="02020603050405020304" pitchFamily="18" charset="0"/>
+                <a:ea typeface="Calibri" panose="020F0502020204030204" pitchFamily="34" charset="0"/>
+              </a:rPr>
+              <a:t>Figure 3</a:t>
+            </a:r>
+            <a:endParaRPr lang="en-IN" dirty="0"/>
+          </a:p>
+        </p:txBody>
+      </p:sp>
+    </p:spTree>
+    <p:extLst>
+      <p:ext uri="{BB962C8B-B14F-4D97-AF65-F5344CB8AC3E}">
+        <p14:creationId xmlns:p14="http://schemas.microsoft.com/office/powerpoint/2010/main" val="2774153412"/>
+      </p:ext>
+    </p:extLst>
+  </p:cSld>
+  <p:clrMapOvr>
+    <a:masterClrMapping/>
+  </p:clrMapOvr>
+</p:sld>
+</file>
+
+<file path=ppt/slides/slide19.xml><?xml version="1.0" encoding="utf-8"?>
+<p:sld xmlns:a="http://schemas.openxmlformats.org/drawingml/2006/main" xmlns:r="http://schemas.openxmlformats.org/officeDocument/2006/relationships" xmlns:p="http://schemas.openxmlformats.org/presentationml/2006/main">
+  <p:cSld>
+    <p:spTree>
+      <p:nvGrpSpPr>
+        <p:cNvPr id="1" name=""/>
+        <p:cNvGrpSpPr/>
+        <p:nvPr/>
+      </p:nvGrpSpPr>
+      <p:grpSpPr>
+        <a:xfrm>
+          <a:off x="0" y="0"/>
+          <a:ext cx="0" cy="0"/>
+          <a:chOff x="0" y="0"/>
+          <a:chExt cx="0" cy="0"/>
+        </a:xfrm>
+      </p:grpSpPr>
+      <p:pic>
+        <p:nvPicPr>
+          <p:cNvPr id="2" name="Picture 1">
+            <a:extLst>
+              <a:ext uri="{FF2B5EF4-FFF2-40B4-BE49-F238E27FC236}">
+                <a16:creationId xmlns:a16="http://schemas.microsoft.com/office/drawing/2014/main" id="{C7AF50E6-63E0-C947-CC84-A420174E0B71}"/>
+              </a:ext>
+            </a:extLst>
+          </p:cNvPr>
+          <p:cNvPicPr>
+            <a:picLocks noChangeAspect="1"/>
+          </p:cNvPicPr>
+          <p:nvPr/>
+        </p:nvPicPr>
+        <p:blipFill>
+          <a:blip r:embed="rId2">
+            <a:extLst>
+              <a:ext uri="{28A0092B-C50C-407E-A947-70E740481C1C}">
+                <a14:useLocalDpi xmlns:a14="http://schemas.microsoft.com/office/drawing/2010/main" val="0"/>
+              </a:ext>
+            </a:extLst>
+          </a:blip>
+          <a:srcRect/>
+          <a:stretch>
+            <a:fillRect/>
+          </a:stretch>
+        </p:blipFill>
+        <p:spPr bwMode="auto">
+          <a:xfrm>
+            <a:off x="82800" y="1224000"/>
+            <a:ext cx="5731510" cy="2806700"/>
+          </a:xfrm>
+          <a:prstGeom prst="rect">
+            <a:avLst/>
+          </a:prstGeom>
+          <a:noFill/>
+          <a:ln>
+            <a:noFill/>
+          </a:ln>
+        </p:spPr>
+      </p:pic>
+      <p:sp>
+        <p:nvSpPr>
+          <p:cNvPr id="4" name="TextBox 3">
+            <a:extLst>
+              <a:ext uri="{FF2B5EF4-FFF2-40B4-BE49-F238E27FC236}">
+                <a16:creationId xmlns:a16="http://schemas.microsoft.com/office/drawing/2014/main" id="{7C0D92C5-C9D4-B756-448A-C73883C8DE1E}"/>
+              </a:ext>
+            </a:extLst>
+          </p:cNvPr>
+          <p:cNvSpPr txBox="1"/>
+          <p:nvPr/>
+        </p:nvSpPr>
+        <p:spPr>
+          <a:xfrm>
+            <a:off x="5814310" y="1224000"/>
+            <a:ext cx="3329690" cy="1003031"/>
+          </a:xfrm>
+          <a:prstGeom prst="rect">
+            <a:avLst/>
+          </a:prstGeom>
+          <a:noFill/>
+        </p:spPr>
+        <p:txBody>
+          <a:bodyPr wrap="square">
+            <a:spAutoFit/>
+          </a:bodyPr>
+          <a:lstStyle/>
+          <a:p>
+            <a:pPr algn="just">
+              <a:lnSpc>
+                <a:spcPct val="107000"/>
+              </a:lnSpc>
+              <a:spcAft>
+                <a:spcPts val="800"/>
+              </a:spcAft>
+            </a:pPr>
+            <a:r>
+              <a:rPr lang="en-US" sz="1400" kern="100" dirty="0">
+                <a:effectLst/>
+                <a:latin typeface="Times New Roman" panose="02020603050405020304" pitchFamily="18" charset="0"/>
+                <a:ea typeface="Calibri" panose="020F0502020204030204" pitchFamily="34" charset="0"/>
+                <a:cs typeface="Arial" panose="020B0604020202020204" pitchFamily="34" charset="0"/>
+              </a:rPr>
+              <a:t>Figure 4 :- If the player wins the game the complete word is shown along with the winning toast and the give up button is disabled as the game has ended.</a:t>
+            </a:r>
+            <a:endParaRPr lang="en-IN" sz="1100" kern="100" dirty="0">
+              <a:effectLst/>
+              <a:latin typeface="Calibri" panose="020F0502020204030204" pitchFamily="34" charset="0"/>
+              <a:ea typeface="Calibri" panose="020F0502020204030204" pitchFamily="34" charset="0"/>
+              <a:cs typeface="Arial" panose="020B0604020202020204" pitchFamily="34" charset="0"/>
+            </a:endParaRPr>
+          </a:p>
+        </p:txBody>
+      </p:sp>
+      <p:sp>
+        <p:nvSpPr>
+          <p:cNvPr id="5" name="TextBox 4">
+            <a:extLst>
+              <a:ext uri="{FF2B5EF4-FFF2-40B4-BE49-F238E27FC236}">
+                <a16:creationId xmlns:a16="http://schemas.microsoft.com/office/drawing/2014/main" id="{686203B7-CFB1-69C3-C49B-014855B4770F}"/>
+              </a:ext>
+            </a:extLst>
+          </p:cNvPr>
+          <p:cNvSpPr txBox="1"/>
+          <p:nvPr/>
+        </p:nvSpPr>
+        <p:spPr>
+          <a:xfrm>
+            <a:off x="2543239" y="4032236"/>
+            <a:ext cx="810322" cy="307777"/>
+          </a:xfrm>
+          <a:prstGeom prst="rect">
+            <a:avLst/>
+          </a:prstGeom>
+          <a:noFill/>
+        </p:spPr>
+        <p:txBody>
+          <a:bodyPr wrap="square">
+            <a:spAutoFit/>
+          </a:bodyPr>
+          <a:lstStyle/>
+          <a:p>
+            <a:r>
+              <a:rPr lang="en-US" sz="1400" dirty="0">
+                <a:effectLst/>
+                <a:latin typeface="Times New Roman" panose="02020603050405020304" pitchFamily="18" charset="0"/>
+                <a:ea typeface="Calibri" panose="020F0502020204030204" pitchFamily="34" charset="0"/>
+              </a:rPr>
+              <a:t>Figure 4</a:t>
+            </a:r>
+            <a:endParaRPr lang="en-IN" dirty="0"/>
+          </a:p>
+        </p:txBody>
+      </p:sp>
+    </p:spTree>
+    <p:extLst>
+      <p:ext uri="{BB962C8B-B14F-4D97-AF65-F5344CB8AC3E}">
+        <p14:creationId xmlns:p14="http://schemas.microsoft.com/office/powerpoint/2010/main" val="2240813696"/>
+      </p:ext>
+    </p:extLst>
+  </p:cSld>
+  <p:clrMapOvr>
+    <a:masterClrMapping/>
+  </p:clrMapOvr>
+</p:sld>
+</file>
+
+<file path=ppt/slides/slide2.xml><?xml version="1.0" encoding="utf-8"?>
+<p:sld xmlns:a="http://schemas.openxmlformats.org/drawingml/2006/main" xmlns:r="http://schemas.openxmlformats.org/officeDocument/2006/relationships" xmlns:p="http://schemas.openxmlformats.org/presentationml/2006/main">
+  <p:cSld>
+    <p:spTree>
+      <p:nvGrpSpPr>
+        <p:cNvPr id="1" name="Shape 341"/>
+        <p:cNvGrpSpPr/>
+        <p:nvPr/>
+      </p:nvGrpSpPr>
+      <p:grpSpPr>
+        <a:xfrm>
+          <a:off x="0" y="0"/>
+          <a:ext cx="0" cy="0"/>
+          <a:chOff x="0" y="0"/>
+          <a:chExt cx="0" cy="0"/>
+        </a:xfrm>
+      </p:grpSpPr>
+      <p:sp>
+        <p:nvSpPr>
+          <p:cNvPr id="342" name="Google Shape;342;p2"/>
+          <p:cNvSpPr txBox="1">
+            <a:spLocks noGrp="1"/>
+          </p:cNvSpPr>
+          <p:nvPr>
+            <p:ph type="title"/>
+          </p:nvPr>
+        </p:nvSpPr>
+        <p:spPr>
+          <a:xfrm>
+            <a:off x="428596" y="500048"/>
+            <a:ext cx="8229600" cy="544103"/>
+          </a:xfrm>
+          <a:prstGeom prst="rect">
+            <a:avLst/>
+          </a:prstGeom>
+          <a:noFill/>
+          <a:ln>
+            <a:noFill/>
+          </a:ln>
+        </p:spPr>
+        <p:txBody>
+          <a:bodyPr spcFirstLastPara="1" wrap="square" lIns="0" tIns="45700" rIns="0" bIns="0" anchor="b" anchorCtr="0">
+            <a:noAutofit/>
+          </a:bodyPr>
+          <a:lstStyle/>
+          <a:p>
+            <a:pPr marL="0" lvl="0" indent="0" algn="ctr" rtl="0">
+              <a:lnSpc>
+                <a:spcPct val="100000"/>
+              </a:lnSpc>
+              <a:spcBef>
+                <a:spcPts val="0"/>
+              </a:spcBef>
+              <a:spcAft>
+                <a:spcPts val="0"/>
+              </a:spcAft>
+              <a:buClr>
+                <a:schemeClr val="dk2"/>
+              </a:buClr>
+              <a:buSzPts val="4000"/>
+              <a:buFont typeface="Times New Roman"/>
+              <a:buNone/>
+            </a:pPr>
+            <a:r>
+              <a:rPr lang="en-US" sz="4000" dirty="0">
+                <a:solidFill>
+                  <a:schemeClr val="tx1"/>
+                </a:solidFill>
+                <a:latin typeface="Times New Roman"/>
+                <a:ea typeface="Times New Roman"/>
+                <a:cs typeface="Times New Roman"/>
+                <a:sym typeface="Times New Roman"/>
+              </a:rPr>
+              <a:t>Index</a:t>
+            </a:r>
+            <a:endParaRPr sz="4000" dirty="0">
+              <a:solidFill>
+                <a:schemeClr val="tx1"/>
+              </a:solidFill>
+            </a:endParaRPr>
+          </a:p>
+        </p:txBody>
+      </p:sp>
+      <p:sp>
+        <p:nvSpPr>
+          <p:cNvPr id="343" name="Google Shape;343;p2"/>
+          <p:cNvSpPr txBox="1">
+            <a:spLocks noGrp="1"/>
+          </p:cNvSpPr>
+          <p:nvPr>
+            <p:ph type="body" idx="1"/>
+          </p:nvPr>
+        </p:nvSpPr>
+        <p:spPr>
+          <a:xfrm>
+            <a:off x="428596" y="1071552"/>
+            <a:ext cx="8229600" cy="3372406"/>
+          </a:xfrm>
+          <a:prstGeom prst="rect">
+            <a:avLst/>
+          </a:prstGeom>
+          <a:noFill/>
+          <a:ln>
+            <a:noFill/>
+          </a:ln>
+        </p:spPr>
+        <p:txBody>
+          <a:bodyPr spcFirstLastPara="1" wrap="square" lIns="91425" tIns="45700" rIns="91425" bIns="45700" anchor="t" anchorCtr="0">
+            <a:noAutofit/>
+          </a:bodyPr>
+          <a:lstStyle/>
+          <a:p>
+            <a:pPr marL="274320" lvl="0" indent="-274320" algn="l" rtl="0">
+              <a:lnSpc>
+                <a:spcPct val="100000"/>
+              </a:lnSpc>
+              <a:spcBef>
+                <a:spcPts val="0"/>
+              </a:spcBef>
+              <a:spcAft>
+                <a:spcPts val="0"/>
+              </a:spcAft>
+              <a:buSzPts val="1140"/>
+              <a:buChar char="⚫"/>
+            </a:pPr>
+            <a:r>
+              <a:rPr lang="en-US" sz="1200" b="1" dirty="0">
+                <a:solidFill>
+                  <a:schemeClr val="tx1"/>
+                </a:solidFill>
+                <a:latin typeface="Times New Roman" panose="02020603050405020304" pitchFamily="18" charset="0"/>
+                <a:ea typeface="Times New Roman"/>
+                <a:cs typeface="Times New Roman" panose="02020603050405020304" pitchFamily="18" charset="0"/>
+                <a:sym typeface="Times New Roman"/>
+              </a:rPr>
+              <a:t>Introduction to Topic</a:t>
+            </a:r>
+            <a:endParaRPr sz="1200" dirty="0">
+              <a:solidFill>
+                <a:schemeClr val="tx1"/>
+              </a:solidFill>
+              <a:latin typeface="Times New Roman" panose="02020603050405020304" pitchFamily="18" charset="0"/>
+              <a:cs typeface="Times New Roman" panose="02020603050405020304" pitchFamily="18" charset="0"/>
+            </a:endParaRPr>
+          </a:p>
+          <a:p>
+            <a:pPr marL="274320" lvl="0" indent="-274320" algn="l" rtl="0">
+              <a:lnSpc>
+                <a:spcPct val="100000"/>
+              </a:lnSpc>
+              <a:spcBef>
+                <a:spcPts val="240"/>
+              </a:spcBef>
+              <a:spcAft>
+                <a:spcPts val="0"/>
+              </a:spcAft>
+              <a:buSzPts val="1140"/>
+              <a:buChar char="⚫"/>
+            </a:pPr>
+            <a:r>
+              <a:rPr lang="en-US" sz="1200" b="1" dirty="0">
+                <a:solidFill>
+                  <a:schemeClr val="tx1"/>
+                </a:solidFill>
+                <a:latin typeface="Times New Roman" panose="02020603050405020304" pitchFamily="18" charset="0"/>
+                <a:ea typeface="Times New Roman"/>
+                <a:cs typeface="Times New Roman" panose="02020603050405020304" pitchFamily="18" charset="0"/>
+                <a:sym typeface="Times New Roman"/>
+              </a:rPr>
+              <a:t>Need of Project</a:t>
+            </a:r>
+            <a:endParaRPr sz="1200" dirty="0">
+              <a:solidFill>
+                <a:schemeClr val="tx1"/>
+              </a:solidFill>
+              <a:latin typeface="Times New Roman" panose="02020603050405020304" pitchFamily="18" charset="0"/>
+              <a:cs typeface="Times New Roman" panose="02020603050405020304" pitchFamily="18" charset="0"/>
+            </a:endParaRPr>
+          </a:p>
+          <a:p>
+            <a:pPr marL="274320" lvl="0" indent="-274320" algn="l" rtl="0">
+              <a:lnSpc>
+                <a:spcPct val="100000"/>
+              </a:lnSpc>
+              <a:spcBef>
+                <a:spcPts val="240"/>
+              </a:spcBef>
+              <a:spcAft>
+                <a:spcPts val="0"/>
+              </a:spcAft>
+              <a:buSzPts val="1140"/>
+              <a:buChar char="⚫"/>
+            </a:pPr>
+            <a:r>
+              <a:rPr lang="en-US" sz="1200" b="1" dirty="0">
+                <a:solidFill>
+                  <a:schemeClr val="tx1"/>
+                </a:solidFill>
+                <a:latin typeface="Times New Roman" panose="02020603050405020304" pitchFamily="18" charset="0"/>
+                <a:ea typeface="Times New Roman"/>
+                <a:cs typeface="Times New Roman" panose="02020603050405020304" pitchFamily="18" charset="0"/>
+                <a:sym typeface="Times New Roman"/>
+              </a:rPr>
+              <a:t>Problem Statement</a:t>
+            </a:r>
+            <a:endParaRPr sz="1200" dirty="0">
+              <a:solidFill>
+                <a:schemeClr val="tx1"/>
+              </a:solidFill>
+              <a:latin typeface="Times New Roman" panose="02020603050405020304" pitchFamily="18" charset="0"/>
+              <a:cs typeface="Times New Roman" panose="02020603050405020304" pitchFamily="18" charset="0"/>
+            </a:endParaRPr>
+          </a:p>
+          <a:p>
+            <a:pPr marL="274320" lvl="0" indent="-274320" algn="l" rtl="0">
+              <a:lnSpc>
+                <a:spcPct val="100000"/>
+              </a:lnSpc>
+              <a:spcBef>
+                <a:spcPts val="240"/>
+              </a:spcBef>
+              <a:spcAft>
+                <a:spcPts val="0"/>
+              </a:spcAft>
+              <a:buSzPts val="1140"/>
+              <a:buChar char="⚫"/>
+            </a:pPr>
+            <a:r>
+              <a:rPr lang="en-US" sz="1200" b="1" dirty="0">
+                <a:solidFill>
+                  <a:schemeClr val="tx1"/>
+                </a:solidFill>
+                <a:latin typeface="Times New Roman" panose="02020603050405020304" pitchFamily="18" charset="0"/>
+                <a:ea typeface="Times New Roman"/>
+                <a:cs typeface="Times New Roman" panose="02020603050405020304" pitchFamily="18" charset="0"/>
+                <a:sym typeface="Times New Roman"/>
+              </a:rPr>
+              <a:t>Literature survey In Tabular Format</a:t>
+            </a:r>
+            <a:endParaRPr sz="1200" dirty="0">
+              <a:solidFill>
+                <a:schemeClr val="tx1"/>
+              </a:solidFill>
+              <a:latin typeface="Times New Roman" panose="02020603050405020304" pitchFamily="18" charset="0"/>
+              <a:cs typeface="Times New Roman" panose="02020603050405020304" pitchFamily="18" charset="0"/>
+            </a:endParaRPr>
+          </a:p>
+          <a:p>
+            <a:pPr marL="274320" lvl="0" indent="-274320" algn="l" rtl="0">
+              <a:lnSpc>
+                <a:spcPct val="100000"/>
+              </a:lnSpc>
+              <a:spcBef>
+                <a:spcPts val="240"/>
+              </a:spcBef>
+              <a:spcAft>
+                <a:spcPts val="0"/>
+              </a:spcAft>
+              <a:buSzPts val="1140"/>
+              <a:buChar char="⚫"/>
+            </a:pPr>
+            <a:r>
+              <a:rPr lang="en-US" sz="1200" b="1" dirty="0">
+                <a:solidFill>
+                  <a:schemeClr val="tx1"/>
+                </a:solidFill>
+                <a:latin typeface="Times New Roman" panose="02020603050405020304" pitchFamily="18" charset="0"/>
+                <a:ea typeface="Times New Roman"/>
+                <a:cs typeface="Times New Roman" panose="02020603050405020304" pitchFamily="18" charset="0"/>
+                <a:sym typeface="Times New Roman"/>
+              </a:rPr>
+              <a:t>Algorithm for Project Development</a:t>
+            </a:r>
+            <a:endParaRPr sz="1200" dirty="0">
+              <a:solidFill>
+                <a:schemeClr val="tx1"/>
+              </a:solidFill>
+              <a:latin typeface="Times New Roman" panose="02020603050405020304" pitchFamily="18" charset="0"/>
+              <a:cs typeface="Times New Roman" panose="02020603050405020304" pitchFamily="18" charset="0"/>
+            </a:endParaRPr>
+          </a:p>
+          <a:p>
+            <a:pPr marL="274320" lvl="0" indent="-274320" algn="l" rtl="0">
+              <a:lnSpc>
+                <a:spcPct val="100000"/>
+              </a:lnSpc>
+              <a:spcBef>
+                <a:spcPts val="240"/>
+              </a:spcBef>
+              <a:spcAft>
+                <a:spcPts val="0"/>
+              </a:spcAft>
+              <a:buSzPts val="1140"/>
+              <a:buChar char="⚫"/>
+            </a:pPr>
+            <a:r>
+              <a:rPr lang="en-US" sz="1200" b="1" dirty="0">
+                <a:solidFill>
+                  <a:schemeClr val="tx1"/>
+                </a:solidFill>
+                <a:latin typeface="Times New Roman" panose="02020603050405020304" pitchFamily="18" charset="0"/>
+                <a:ea typeface="Times New Roman"/>
+                <a:cs typeface="Times New Roman" panose="02020603050405020304" pitchFamily="18" charset="0"/>
+                <a:sym typeface="Times New Roman"/>
+              </a:rPr>
+              <a:t>Flow-chart </a:t>
+            </a:r>
+            <a:endParaRPr sz="1200" dirty="0">
+              <a:solidFill>
+                <a:schemeClr val="tx1"/>
+              </a:solidFill>
+              <a:latin typeface="Times New Roman" panose="02020603050405020304" pitchFamily="18" charset="0"/>
+              <a:cs typeface="Times New Roman" panose="02020603050405020304" pitchFamily="18" charset="0"/>
+            </a:endParaRPr>
+          </a:p>
+          <a:p>
+            <a:pPr marL="274320" lvl="0" indent="-274320" algn="l" rtl="0">
+              <a:lnSpc>
+                <a:spcPct val="100000"/>
+              </a:lnSpc>
+              <a:spcBef>
+                <a:spcPts val="240"/>
+              </a:spcBef>
+              <a:spcAft>
+                <a:spcPts val="0"/>
+              </a:spcAft>
+              <a:buSzPts val="1140"/>
+              <a:buChar char="⚫"/>
+            </a:pPr>
+            <a:r>
+              <a:rPr lang="en-US" sz="1200" b="1" dirty="0">
+                <a:solidFill>
+                  <a:schemeClr val="tx1"/>
+                </a:solidFill>
+                <a:latin typeface="Times New Roman" panose="02020603050405020304" pitchFamily="18" charset="0"/>
+                <a:ea typeface="Times New Roman"/>
+                <a:cs typeface="Times New Roman" panose="02020603050405020304" pitchFamily="18" charset="0"/>
+                <a:sym typeface="Times New Roman"/>
+              </a:rPr>
+              <a:t>Requirement Hardware and Software</a:t>
+            </a:r>
+            <a:endParaRPr sz="1200" dirty="0">
+              <a:solidFill>
+                <a:schemeClr val="tx1"/>
+              </a:solidFill>
+              <a:latin typeface="Times New Roman" panose="02020603050405020304" pitchFamily="18" charset="0"/>
+              <a:cs typeface="Times New Roman" panose="02020603050405020304" pitchFamily="18" charset="0"/>
+            </a:endParaRPr>
+          </a:p>
+          <a:p>
+            <a:pPr marL="274320" lvl="0" indent="-274320" algn="l" rtl="0">
+              <a:lnSpc>
+                <a:spcPct val="100000"/>
+              </a:lnSpc>
+              <a:spcBef>
+                <a:spcPts val="240"/>
+              </a:spcBef>
+              <a:spcAft>
+                <a:spcPts val="0"/>
+              </a:spcAft>
+              <a:buSzPts val="1140"/>
+              <a:buChar char="⚫"/>
+            </a:pPr>
+            <a:r>
+              <a:rPr lang="en-US" sz="1200" b="1" dirty="0">
+                <a:solidFill>
+                  <a:schemeClr val="tx1"/>
+                </a:solidFill>
+                <a:latin typeface="Times New Roman" panose="02020603050405020304" pitchFamily="18" charset="0"/>
+                <a:ea typeface="Times New Roman"/>
+                <a:cs typeface="Times New Roman" panose="02020603050405020304" pitchFamily="18" charset="0"/>
+                <a:sym typeface="Times New Roman"/>
+              </a:rPr>
+              <a:t>Feasibility Study</a:t>
+            </a:r>
+            <a:endParaRPr sz="1200" dirty="0">
+              <a:solidFill>
+                <a:schemeClr val="tx1"/>
+              </a:solidFill>
+              <a:latin typeface="Times New Roman" panose="02020603050405020304" pitchFamily="18" charset="0"/>
+              <a:cs typeface="Times New Roman" panose="02020603050405020304" pitchFamily="18" charset="0"/>
+            </a:endParaRPr>
+          </a:p>
+          <a:p>
+            <a:pPr marL="274320" lvl="0" indent="-274320" algn="l" rtl="0">
+              <a:lnSpc>
+                <a:spcPct val="100000"/>
+              </a:lnSpc>
+              <a:spcBef>
+                <a:spcPts val="240"/>
+              </a:spcBef>
+              <a:spcAft>
+                <a:spcPts val="0"/>
+              </a:spcAft>
+              <a:buSzPts val="1140"/>
+              <a:buChar char="⚫"/>
+            </a:pPr>
+            <a:r>
+              <a:rPr lang="en-US" sz="1200" b="1" dirty="0">
+                <a:solidFill>
+                  <a:schemeClr val="tx1"/>
+                </a:solidFill>
+                <a:latin typeface="Times New Roman" panose="02020603050405020304" pitchFamily="18" charset="0"/>
+                <a:ea typeface="Times New Roman"/>
+                <a:cs typeface="Times New Roman" panose="02020603050405020304" pitchFamily="18" charset="0"/>
+                <a:sym typeface="Times New Roman"/>
+              </a:rPr>
+              <a:t>Proposed Methodology</a:t>
+            </a:r>
+          </a:p>
+          <a:p>
+            <a:pPr marL="274320" lvl="0" indent="-274320" algn="l" rtl="0">
+              <a:lnSpc>
+                <a:spcPct val="100000"/>
+              </a:lnSpc>
+              <a:spcBef>
+                <a:spcPts val="240"/>
+              </a:spcBef>
+              <a:spcAft>
+                <a:spcPts val="0"/>
+              </a:spcAft>
+              <a:buSzPts val="1140"/>
+              <a:buChar char="⚫"/>
+            </a:pPr>
+            <a:r>
+              <a:rPr lang="en-US" sz="1200" b="1" dirty="0">
+                <a:solidFill>
+                  <a:schemeClr val="tx1"/>
+                </a:solidFill>
+                <a:latin typeface="Times New Roman" panose="02020603050405020304" pitchFamily="18" charset="0"/>
+                <a:ea typeface="Times New Roman"/>
+                <a:cs typeface="Times New Roman" panose="02020603050405020304" pitchFamily="18" charset="0"/>
+                <a:sym typeface="Times New Roman"/>
+              </a:rPr>
+              <a:t>Detail Design DFD Diagram</a:t>
+            </a:r>
+            <a:endParaRPr lang="en-US" sz="1200" dirty="0">
+              <a:solidFill>
+                <a:schemeClr val="tx1"/>
+              </a:solidFill>
+              <a:latin typeface="Times New Roman" panose="02020603050405020304" pitchFamily="18" charset="0"/>
+              <a:cs typeface="Times New Roman" panose="02020603050405020304" pitchFamily="18" charset="0"/>
+            </a:endParaRPr>
+          </a:p>
+          <a:p>
+            <a:pPr marL="274320" lvl="0" indent="-274320" algn="l" rtl="0">
+              <a:lnSpc>
+                <a:spcPct val="100000"/>
+              </a:lnSpc>
+              <a:spcBef>
+                <a:spcPts val="240"/>
+              </a:spcBef>
+              <a:spcAft>
+                <a:spcPts val="0"/>
+              </a:spcAft>
+              <a:buSzPts val="1140"/>
+              <a:buChar char="⚫"/>
+            </a:pPr>
+            <a:r>
+              <a:rPr lang="en-US" sz="1200" b="1" dirty="0">
+                <a:solidFill>
+                  <a:schemeClr val="tx1"/>
+                </a:solidFill>
+                <a:latin typeface="Times New Roman" panose="02020603050405020304" pitchFamily="18" charset="0"/>
+                <a:ea typeface="Times New Roman"/>
+                <a:cs typeface="Times New Roman" panose="02020603050405020304" pitchFamily="18" charset="0"/>
+                <a:sym typeface="Times New Roman"/>
+              </a:rPr>
+              <a:t>Activity Diagram</a:t>
+            </a:r>
+            <a:endParaRPr sz="1200" dirty="0">
+              <a:solidFill>
+                <a:schemeClr val="tx1"/>
+              </a:solidFill>
+              <a:latin typeface="Times New Roman" panose="02020603050405020304" pitchFamily="18" charset="0"/>
+              <a:cs typeface="Times New Roman" panose="02020603050405020304" pitchFamily="18" charset="0"/>
+            </a:endParaRPr>
+          </a:p>
+          <a:p>
+            <a:pPr marL="274320" lvl="0" indent="-274320" algn="l" rtl="0">
+              <a:lnSpc>
+                <a:spcPct val="100000"/>
+              </a:lnSpc>
+              <a:spcBef>
+                <a:spcPts val="240"/>
+              </a:spcBef>
+              <a:spcAft>
+                <a:spcPts val="0"/>
+              </a:spcAft>
+              <a:buSzPts val="1140"/>
+              <a:buChar char="⚫"/>
+            </a:pPr>
+            <a:r>
+              <a:rPr lang="en-US" sz="1200" b="1" dirty="0">
+                <a:solidFill>
+                  <a:schemeClr val="tx1"/>
+                </a:solidFill>
+                <a:latin typeface="Times New Roman" panose="02020603050405020304" pitchFamily="18" charset="0"/>
+                <a:ea typeface="Times New Roman"/>
+                <a:cs typeface="Times New Roman" panose="02020603050405020304" pitchFamily="18" charset="0"/>
+                <a:sym typeface="Times New Roman"/>
+              </a:rPr>
+              <a:t>Screenshots of GUI</a:t>
+            </a:r>
+            <a:endParaRPr sz="1200" dirty="0">
+              <a:solidFill>
+                <a:schemeClr val="tx1"/>
+              </a:solidFill>
+              <a:latin typeface="Times New Roman" panose="02020603050405020304" pitchFamily="18" charset="0"/>
+              <a:cs typeface="Times New Roman" panose="02020603050405020304" pitchFamily="18" charset="0"/>
+            </a:endParaRPr>
+          </a:p>
+          <a:p>
+            <a:pPr marL="274320" lvl="0" indent="-274320" algn="l" rtl="0">
+              <a:lnSpc>
+                <a:spcPct val="100000"/>
+              </a:lnSpc>
+              <a:spcBef>
+                <a:spcPts val="240"/>
+              </a:spcBef>
+              <a:spcAft>
+                <a:spcPts val="0"/>
+              </a:spcAft>
+              <a:buSzPts val="1140"/>
+              <a:buChar char="⚫"/>
+            </a:pPr>
+            <a:r>
+              <a:rPr lang="en-US" sz="1200" b="1" dirty="0">
+                <a:solidFill>
+                  <a:schemeClr val="tx1"/>
+                </a:solidFill>
+                <a:latin typeface="Times New Roman" panose="02020603050405020304" pitchFamily="18" charset="0"/>
+                <a:ea typeface="Times New Roman"/>
+                <a:cs typeface="Times New Roman" panose="02020603050405020304" pitchFamily="18" charset="0"/>
+                <a:sym typeface="Times New Roman"/>
+              </a:rPr>
+              <a:t>References</a:t>
+            </a:r>
+            <a:endParaRPr sz="1200" dirty="0">
+              <a:solidFill>
+                <a:schemeClr val="tx1"/>
+              </a:solidFill>
+              <a:latin typeface="Times New Roman" panose="02020603050405020304" pitchFamily="18" charset="0"/>
+              <a:cs typeface="Times New Roman" panose="02020603050405020304" pitchFamily="18" charset="0"/>
+            </a:endParaRPr>
+          </a:p>
+          <a:p>
+            <a:pPr marL="274320" lvl="0" indent="-201930" algn="l" rtl="0">
+              <a:lnSpc>
+                <a:spcPct val="100000"/>
+              </a:lnSpc>
+              <a:spcBef>
+                <a:spcPts val="240"/>
+              </a:spcBef>
+              <a:spcAft>
+                <a:spcPts val="0"/>
+              </a:spcAft>
+              <a:buSzPts val="1140"/>
+              <a:buNone/>
+            </a:pPr>
+            <a:endParaRPr sz="1200" b="1" dirty="0">
+              <a:solidFill>
+                <a:schemeClr val="tx1"/>
+              </a:solidFill>
+              <a:latin typeface="Times New Roman" panose="02020603050405020304" pitchFamily="18" charset="0"/>
+              <a:ea typeface="Times New Roman"/>
+              <a:cs typeface="Times New Roman" panose="02020603050405020304" pitchFamily="18" charset="0"/>
+              <a:sym typeface="Times New Roman"/>
+            </a:endParaRPr>
+          </a:p>
+          <a:p>
+            <a:pPr marL="274320" lvl="0" indent="-201930" algn="l" rtl="0">
+              <a:lnSpc>
+                <a:spcPct val="100000"/>
+              </a:lnSpc>
+              <a:spcBef>
+                <a:spcPts val="240"/>
+              </a:spcBef>
+              <a:spcAft>
+                <a:spcPts val="0"/>
+              </a:spcAft>
+              <a:buSzPts val="1140"/>
+              <a:buNone/>
+            </a:pPr>
+            <a:endParaRPr sz="1200" b="1" dirty="0">
+              <a:solidFill>
+                <a:schemeClr val="tx1"/>
+              </a:solidFill>
+              <a:latin typeface="Times New Roman" panose="02020603050405020304" pitchFamily="18" charset="0"/>
+              <a:ea typeface="Times New Roman"/>
+              <a:cs typeface="Times New Roman" panose="02020603050405020304" pitchFamily="18" charset="0"/>
+              <a:sym typeface="Times New Roman"/>
+            </a:endParaRPr>
+          </a:p>
+          <a:p>
+            <a:pPr marL="274320" lvl="0" indent="-177800" algn="l" rtl="0">
+              <a:lnSpc>
+                <a:spcPct val="100000"/>
+              </a:lnSpc>
+              <a:spcBef>
+                <a:spcPts val="320"/>
+              </a:spcBef>
+              <a:spcAft>
+                <a:spcPts val="0"/>
+              </a:spcAft>
+              <a:buSzPts val="1520"/>
+              <a:buNone/>
+            </a:pPr>
+            <a:endParaRPr sz="1200" b="1" dirty="0">
+              <a:solidFill>
+                <a:schemeClr val="tx1"/>
+              </a:solidFill>
+              <a:latin typeface="Times New Roman" panose="02020603050405020304" pitchFamily="18" charset="0"/>
+              <a:ea typeface="Times New Roman"/>
+              <a:cs typeface="Times New Roman" panose="02020603050405020304" pitchFamily="18" charset="0"/>
+              <a:sym typeface="Times New Roman"/>
+            </a:endParaRPr>
+          </a:p>
+          <a:p>
+            <a:pPr marL="274320" lvl="0" indent="-177800" algn="l" rtl="0">
+              <a:lnSpc>
+                <a:spcPct val="100000"/>
+              </a:lnSpc>
+              <a:spcBef>
+                <a:spcPts val="320"/>
+              </a:spcBef>
+              <a:spcAft>
+                <a:spcPts val="0"/>
+              </a:spcAft>
+              <a:buSzPts val="1520"/>
+              <a:buNone/>
+            </a:pPr>
+            <a:endParaRPr sz="1200" b="1" dirty="0">
+              <a:solidFill>
+                <a:schemeClr val="tx1"/>
+              </a:solidFill>
+              <a:latin typeface="Times New Roman" panose="02020603050405020304" pitchFamily="18" charset="0"/>
+              <a:ea typeface="Times New Roman"/>
+              <a:cs typeface="Times New Roman" panose="02020603050405020304" pitchFamily="18" charset="0"/>
+              <a:sym typeface="Times New Roman"/>
+            </a:endParaRPr>
+          </a:p>
+          <a:p>
+            <a:pPr marL="274320" lvl="0" indent="-177800" algn="l" rtl="0">
+              <a:lnSpc>
+                <a:spcPct val="100000"/>
+              </a:lnSpc>
+              <a:spcBef>
+                <a:spcPts val="320"/>
+              </a:spcBef>
+              <a:spcAft>
+                <a:spcPts val="0"/>
+              </a:spcAft>
+              <a:buSzPts val="1520"/>
+              <a:buFont typeface="Arial"/>
+              <a:buNone/>
+            </a:pPr>
+            <a:endParaRPr sz="1200" b="1" dirty="0">
+              <a:solidFill>
+                <a:schemeClr val="tx1"/>
+              </a:solidFill>
+              <a:latin typeface="Times New Roman" panose="02020603050405020304" pitchFamily="18" charset="0"/>
+              <a:ea typeface="Times New Roman"/>
+              <a:cs typeface="Times New Roman" panose="02020603050405020304" pitchFamily="18" charset="0"/>
+              <a:sym typeface="Times New Roman"/>
+            </a:endParaRPr>
+          </a:p>
+        </p:txBody>
+      </p:sp>
+    </p:spTree>
+  </p:cSld>
+  <p:clrMapOvr>
+    <a:masterClrMapping/>
+  </p:clrMapOvr>
+</p:sld>
+</file>
+
+<file path=ppt/slides/slide20.xml><?xml version="1.0" encoding="utf-8"?>
+<p:sld xmlns:a="http://schemas.openxmlformats.org/drawingml/2006/main" xmlns:r="http://schemas.openxmlformats.org/officeDocument/2006/relationships" xmlns:p="http://schemas.openxmlformats.org/presentationml/2006/main">
+  <p:cSld>
+    <p:spTree>
+      <p:nvGrpSpPr>
+        <p:cNvPr id="1" name=""/>
+        <p:cNvGrpSpPr/>
+        <p:nvPr/>
+      </p:nvGrpSpPr>
+      <p:grpSpPr>
+        <a:xfrm>
+          <a:off x="0" y="0"/>
+          <a:ext cx="0" cy="0"/>
+          <a:chOff x="0" y="0"/>
+          <a:chExt cx="0" cy="0"/>
+        </a:xfrm>
+      </p:grpSpPr>
+      <p:pic>
+        <p:nvPicPr>
+          <p:cNvPr id="2" name="Picture 1">
+            <a:extLst>
+              <a:ext uri="{FF2B5EF4-FFF2-40B4-BE49-F238E27FC236}">
+                <a16:creationId xmlns:a16="http://schemas.microsoft.com/office/drawing/2014/main" id="{106F5992-6679-2B3B-60A9-83DE9589E7C6}"/>
+              </a:ext>
+            </a:extLst>
+          </p:cNvPr>
+          <p:cNvPicPr>
+            <a:picLocks noChangeAspect="1"/>
+          </p:cNvPicPr>
+          <p:nvPr/>
+        </p:nvPicPr>
+        <p:blipFill>
+          <a:blip r:embed="rId2">
+            <a:extLst>
+              <a:ext uri="{28A0092B-C50C-407E-A947-70E740481C1C}">
+                <a14:useLocalDpi xmlns:a14="http://schemas.microsoft.com/office/drawing/2010/main" val="0"/>
+              </a:ext>
+            </a:extLst>
+          </a:blip>
+          <a:srcRect/>
+          <a:stretch>
+            <a:fillRect/>
+          </a:stretch>
+        </p:blipFill>
+        <p:spPr bwMode="auto">
+          <a:xfrm>
+            <a:off x="82800" y="1224000"/>
+            <a:ext cx="5731510" cy="2806700"/>
+          </a:xfrm>
+          <a:prstGeom prst="rect">
+            <a:avLst/>
+          </a:prstGeom>
+          <a:noFill/>
+          <a:ln>
+            <a:noFill/>
+          </a:ln>
+        </p:spPr>
+      </p:pic>
+      <p:sp>
+        <p:nvSpPr>
+          <p:cNvPr id="4" name="TextBox 3">
+            <a:extLst>
+              <a:ext uri="{FF2B5EF4-FFF2-40B4-BE49-F238E27FC236}">
+                <a16:creationId xmlns:a16="http://schemas.microsoft.com/office/drawing/2014/main" id="{2DB64EA8-0913-C903-2C9F-C5117232F303}"/>
+              </a:ext>
+            </a:extLst>
+          </p:cNvPr>
+          <p:cNvSpPr txBox="1"/>
+          <p:nvPr/>
+        </p:nvSpPr>
+        <p:spPr>
+          <a:xfrm>
+            <a:off x="5814310" y="1224000"/>
+            <a:ext cx="3329690" cy="772519"/>
+          </a:xfrm>
+          <a:prstGeom prst="rect">
+            <a:avLst/>
+          </a:prstGeom>
+          <a:noFill/>
+        </p:spPr>
+        <p:txBody>
+          <a:bodyPr wrap="square">
+            <a:spAutoFit/>
+          </a:bodyPr>
+          <a:lstStyle/>
+          <a:p>
+            <a:pPr algn="just">
+              <a:lnSpc>
+                <a:spcPct val="107000"/>
+              </a:lnSpc>
+              <a:spcAft>
+                <a:spcPts val="800"/>
+              </a:spcAft>
+            </a:pPr>
+            <a:r>
+              <a:rPr lang="en-US" sz="1400" kern="100" dirty="0">
+                <a:effectLst/>
+                <a:latin typeface="Times New Roman" panose="02020603050405020304" pitchFamily="18" charset="0"/>
+                <a:ea typeface="Calibri" panose="020F0502020204030204" pitchFamily="34" charset="0"/>
+                <a:cs typeface="Arial" panose="020B0604020202020204" pitchFamily="34" charset="0"/>
+              </a:rPr>
+              <a:t>Figure 5 :- When the give up button is used, the losing toast is shown and the word is revealed to the player.</a:t>
+            </a:r>
+            <a:endParaRPr lang="en-IN" sz="1100" kern="100" dirty="0">
+              <a:effectLst/>
+              <a:latin typeface="Calibri" panose="020F0502020204030204" pitchFamily="34" charset="0"/>
+              <a:ea typeface="Calibri" panose="020F0502020204030204" pitchFamily="34" charset="0"/>
+              <a:cs typeface="Arial" panose="020B0604020202020204" pitchFamily="34" charset="0"/>
+            </a:endParaRPr>
+          </a:p>
+        </p:txBody>
+      </p:sp>
+      <p:sp>
+        <p:nvSpPr>
+          <p:cNvPr id="3" name="TextBox 2">
+            <a:extLst>
+              <a:ext uri="{FF2B5EF4-FFF2-40B4-BE49-F238E27FC236}">
+                <a16:creationId xmlns:a16="http://schemas.microsoft.com/office/drawing/2014/main" id="{1127F7B3-147D-7E29-F237-2B50C5E2BE8D}"/>
+              </a:ext>
+            </a:extLst>
+          </p:cNvPr>
+          <p:cNvSpPr txBox="1"/>
+          <p:nvPr/>
+        </p:nvSpPr>
+        <p:spPr>
+          <a:xfrm>
+            <a:off x="2543239" y="4032236"/>
+            <a:ext cx="810322" cy="307777"/>
+          </a:xfrm>
+          <a:prstGeom prst="rect">
+            <a:avLst/>
+          </a:prstGeom>
+          <a:noFill/>
+        </p:spPr>
+        <p:txBody>
+          <a:bodyPr wrap="square">
+            <a:spAutoFit/>
+          </a:bodyPr>
+          <a:lstStyle/>
+          <a:p>
+            <a:r>
+              <a:rPr lang="en-US" sz="1400" dirty="0">
+                <a:effectLst/>
+                <a:latin typeface="Times New Roman" panose="02020603050405020304" pitchFamily="18" charset="0"/>
+                <a:ea typeface="Calibri" panose="020F0502020204030204" pitchFamily="34" charset="0"/>
+              </a:rPr>
+              <a:t>Figure 5</a:t>
+            </a:r>
+            <a:endParaRPr lang="en-IN" dirty="0"/>
+          </a:p>
+        </p:txBody>
+      </p:sp>
+    </p:spTree>
+    <p:extLst>
+      <p:ext uri="{BB962C8B-B14F-4D97-AF65-F5344CB8AC3E}">
+        <p14:creationId xmlns:p14="http://schemas.microsoft.com/office/powerpoint/2010/main" val="2700682460"/>
+      </p:ext>
+    </p:extLst>
+  </p:cSld>
+  <p:clrMapOvr>
+    <a:masterClrMapping/>
+  </p:clrMapOvr>
+</p:sld>
+</file>
+
+<file path=ppt/slides/slide21.xml><?xml version="1.0" encoding="utf-8"?>
+<p:sld xmlns:a="http://schemas.openxmlformats.org/drawingml/2006/main" xmlns:r="http://schemas.openxmlformats.org/officeDocument/2006/relationships" xmlns:p="http://schemas.openxmlformats.org/presentationml/2006/main">
+  <p:cSld>
+    <p:spTree>
+      <p:nvGrpSpPr>
+        <p:cNvPr id="1" name=""/>
+        <p:cNvGrpSpPr/>
+        <p:nvPr/>
+      </p:nvGrpSpPr>
+      <p:grpSpPr>
+        <a:xfrm>
+          <a:off x="0" y="0"/>
+          <a:ext cx="0" cy="0"/>
+          <a:chOff x="0" y="0"/>
+          <a:chExt cx="0" cy="0"/>
+        </a:xfrm>
+      </p:grpSpPr>
+      <p:pic>
+        <p:nvPicPr>
+          <p:cNvPr id="2" name="Picture 1">
+            <a:extLst>
+              <a:ext uri="{FF2B5EF4-FFF2-40B4-BE49-F238E27FC236}">
+                <a16:creationId xmlns:a16="http://schemas.microsoft.com/office/drawing/2014/main" id="{3C8B4991-D10D-D7A3-F0D7-C5261B2107EB}"/>
+              </a:ext>
+            </a:extLst>
+          </p:cNvPr>
+          <p:cNvPicPr>
+            <a:picLocks noChangeAspect="1"/>
+          </p:cNvPicPr>
+          <p:nvPr/>
+        </p:nvPicPr>
+        <p:blipFill>
+          <a:blip r:embed="rId2">
+            <a:extLst>
+              <a:ext uri="{28A0092B-C50C-407E-A947-70E740481C1C}">
+                <a14:useLocalDpi xmlns:a14="http://schemas.microsoft.com/office/drawing/2010/main" val="0"/>
+              </a:ext>
+            </a:extLst>
+          </a:blip>
+          <a:srcRect/>
+          <a:stretch>
+            <a:fillRect/>
+          </a:stretch>
+        </p:blipFill>
+        <p:spPr bwMode="auto">
+          <a:xfrm>
+            <a:off x="82800" y="1224000"/>
+            <a:ext cx="5731510" cy="2840990"/>
+          </a:xfrm>
+          <a:prstGeom prst="rect">
+            <a:avLst/>
+          </a:prstGeom>
+          <a:noFill/>
+          <a:ln>
+            <a:noFill/>
+          </a:ln>
+        </p:spPr>
+      </p:pic>
+      <p:sp>
+        <p:nvSpPr>
+          <p:cNvPr id="4" name="TextBox 3">
+            <a:extLst>
+              <a:ext uri="{FF2B5EF4-FFF2-40B4-BE49-F238E27FC236}">
+                <a16:creationId xmlns:a16="http://schemas.microsoft.com/office/drawing/2014/main" id="{CD0D16A4-7BC3-A58B-EBB7-6DD1F42C614D}"/>
+              </a:ext>
+            </a:extLst>
+          </p:cNvPr>
+          <p:cNvSpPr txBox="1"/>
+          <p:nvPr/>
+        </p:nvSpPr>
+        <p:spPr>
+          <a:xfrm>
+            <a:off x="5814310" y="1224000"/>
+            <a:ext cx="3329690" cy="1003031"/>
+          </a:xfrm>
+          <a:prstGeom prst="rect">
+            <a:avLst/>
+          </a:prstGeom>
+          <a:noFill/>
+        </p:spPr>
+        <p:txBody>
+          <a:bodyPr wrap="square">
+            <a:spAutoFit/>
+          </a:bodyPr>
+          <a:lstStyle/>
+          <a:p>
+            <a:pPr algn="just">
+              <a:lnSpc>
+                <a:spcPct val="107000"/>
+              </a:lnSpc>
+              <a:spcAft>
+                <a:spcPts val="800"/>
+              </a:spcAft>
+            </a:pPr>
+            <a:r>
+              <a:rPr lang="en-US" sz="1400" kern="100" dirty="0">
+                <a:effectLst/>
+                <a:latin typeface="Times New Roman" panose="02020603050405020304" pitchFamily="18" charset="0"/>
+                <a:ea typeface="Calibri" panose="020F0502020204030204" pitchFamily="34" charset="0"/>
+                <a:cs typeface="Arial" panose="020B0604020202020204" pitchFamily="34" charset="0"/>
+              </a:rPr>
+              <a:t>Figure 6 :- Using the remove current word button, completely removes the word from the database so that it wont be used in any client in a new instance.</a:t>
+            </a:r>
+            <a:endParaRPr lang="en-IN" sz="1100" kern="100" dirty="0">
+              <a:effectLst/>
+              <a:latin typeface="Calibri" panose="020F0502020204030204" pitchFamily="34" charset="0"/>
+              <a:ea typeface="Calibri" panose="020F0502020204030204" pitchFamily="34" charset="0"/>
+              <a:cs typeface="Arial" panose="020B0604020202020204" pitchFamily="34" charset="0"/>
+            </a:endParaRPr>
+          </a:p>
+        </p:txBody>
+      </p:sp>
+      <p:sp>
+        <p:nvSpPr>
+          <p:cNvPr id="3" name="TextBox 2">
+            <a:extLst>
+              <a:ext uri="{FF2B5EF4-FFF2-40B4-BE49-F238E27FC236}">
+                <a16:creationId xmlns:a16="http://schemas.microsoft.com/office/drawing/2014/main" id="{F1A42783-67B1-8BA2-935E-4029262793E9}"/>
+              </a:ext>
+            </a:extLst>
+          </p:cNvPr>
+          <p:cNvSpPr txBox="1"/>
+          <p:nvPr/>
+        </p:nvSpPr>
+        <p:spPr>
+          <a:xfrm>
+            <a:off x="2543239" y="4032236"/>
+            <a:ext cx="810322" cy="307777"/>
+          </a:xfrm>
+          <a:prstGeom prst="rect">
+            <a:avLst/>
+          </a:prstGeom>
+          <a:noFill/>
+        </p:spPr>
+        <p:txBody>
+          <a:bodyPr wrap="square">
+            <a:spAutoFit/>
+          </a:bodyPr>
+          <a:lstStyle/>
+          <a:p>
+            <a:r>
+              <a:rPr lang="en-US" sz="1400" dirty="0">
+                <a:effectLst/>
+                <a:latin typeface="Times New Roman" panose="02020603050405020304" pitchFamily="18" charset="0"/>
+                <a:ea typeface="Calibri" panose="020F0502020204030204" pitchFamily="34" charset="0"/>
+              </a:rPr>
+              <a:t>Figure 6</a:t>
+            </a:r>
+            <a:endParaRPr lang="en-IN" dirty="0"/>
+          </a:p>
+        </p:txBody>
+      </p:sp>
+    </p:spTree>
+    <p:extLst>
+      <p:ext uri="{BB962C8B-B14F-4D97-AF65-F5344CB8AC3E}">
+        <p14:creationId xmlns:p14="http://schemas.microsoft.com/office/powerpoint/2010/main" val="2320233820"/>
+      </p:ext>
+    </p:extLst>
+  </p:cSld>
+  <p:clrMapOvr>
+    <a:masterClrMapping/>
+  </p:clrMapOvr>
+</p:sld>
+</file>
+
+<file path=ppt/slides/slide22.xml><?xml version="1.0" encoding="utf-8"?>
+<p:sld xmlns:a="http://schemas.openxmlformats.org/drawingml/2006/main" xmlns:r="http://schemas.openxmlformats.org/officeDocument/2006/relationships" xmlns:p="http://schemas.openxmlformats.org/presentationml/2006/main">
+  <p:cSld>
+    <p:spTree>
+      <p:nvGrpSpPr>
+        <p:cNvPr id="1" name=""/>
+        <p:cNvGrpSpPr/>
+        <p:nvPr/>
+      </p:nvGrpSpPr>
+      <p:grpSpPr>
+        <a:xfrm>
+          <a:off x="0" y="0"/>
+          <a:ext cx="0" cy="0"/>
+          <a:chOff x="0" y="0"/>
+          <a:chExt cx="0" cy="0"/>
+        </a:xfrm>
+      </p:grpSpPr>
+      <p:pic>
+        <p:nvPicPr>
+          <p:cNvPr id="2" name="Picture 1">
+            <a:extLst>
+              <a:ext uri="{FF2B5EF4-FFF2-40B4-BE49-F238E27FC236}">
+                <a16:creationId xmlns:a16="http://schemas.microsoft.com/office/drawing/2014/main" id="{D4F8FCC9-743C-CEB9-C96D-24783E7EAB91}"/>
+              </a:ext>
+            </a:extLst>
+          </p:cNvPr>
+          <p:cNvPicPr>
+            <a:picLocks noChangeAspect="1"/>
+          </p:cNvPicPr>
+          <p:nvPr/>
+        </p:nvPicPr>
+        <p:blipFill>
+          <a:blip r:embed="rId2">
+            <a:extLst>
+              <a:ext uri="{28A0092B-C50C-407E-A947-70E740481C1C}">
+                <a14:useLocalDpi xmlns:a14="http://schemas.microsoft.com/office/drawing/2010/main" val="0"/>
+              </a:ext>
+            </a:extLst>
+          </a:blip>
+          <a:srcRect/>
+          <a:stretch>
+            <a:fillRect/>
+          </a:stretch>
+        </p:blipFill>
+        <p:spPr bwMode="auto">
+          <a:xfrm>
+            <a:off x="82800" y="1224000"/>
+            <a:ext cx="5731510" cy="2828925"/>
+          </a:xfrm>
+          <a:prstGeom prst="rect">
+            <a:avLst/>
+          </a:prstGeom>
+          <a:noFill/>
+          <a:ln>
+            <a:noFill/>
+          </a:ln>
+        </p:spPr>
+      </p:pic>
+      <p:sp>
+        <p:nvSpPr>
+          <p:cNvPr id="4" name="TextBox 3">
+            <a:extLst>
+              <a:ext uri="{FF2B5EF4-FFF2-40B4-BE49-F238E27FC236}">
+                <a16:creationId xmlns:a16="http://schemas.microsoft.com/office/drawing/2014/main" id="{53651311-1FA4-EEA1-0B4B-96D591B87ECD}"/>
+              </a:ext>
+            </a:extLst>
+          </p:cNvPr>
+          <p:cNvSpPr txBox="1"/>
+          <p:nvPr/>
+        </p:nvSpPr>
+        <p:spPr>
+          <a:xfrm>
+            <a:off x="5814310" y="1224000"/>
+            <a:ext cx="3329690" cy="1233543"/>
+          </a:xfrm>
+          <a:prstGeom prst="rect">
+            <a:avLst/>
+          </a:prstGeom>
+          <a:noFill/>
+        </p:spPr>
+        <p:txBody>
+          <a:bodyPr wrap="square">
+            <a:spAutoFit/>
+          </a:bodyPr>
+          <a:lstStyle/>
+          <a:p>
+            <a:pPr algn="just">
+              <a:lnSpc>
+                <a:spcPct val="107000"/>
+              </a:lnSpc>
+              <a:spcAft>
+                <a:spcPts val="800"/>
+              </a:spcAft>
+            </a:pPr>
+            <a:r>
+              <a:rPr lang="en-US" sz="1400" kern="100" dirty="0">
+                <a:effectLst/>
+                <a:latin typeface="Times New Roman" panose="02020603050405020304" pitchFamily="18" charset="0"/>
+                <a:ea typeface="Calibri" panose="020F0502020204030204" pitchFamily="34" charset="0"/>
+                <a:cs typeface="Arial" panose="020B0604020202020204" pitchFamily="34" charset="0"/>
+              </a:rPr>
+              <a:t>Figure </a:t>
+            </a:r>
+            <a:r>
+              <a:rPr lang="en-US" kern="100" dirty="0">
+                <a:latin typeface="Times New Roman" panose="02020603050405020304" pitchFamily="18" charset="0"/>
+                <a:ea typeface="Calibri" panose="020F0502020204030204" pitchFamily="34" charset="0"/>
+                <a:cs typeface="Arial" panose="020B0604020202020204" pitchFamily="34" charset="0"/>
+              </a:rPr>
+              <a:t>7</a:t>
+            </a:r>
+            <a:r>
+              <a:rPr lang="en-US" sz="1400" kern="100" dirty="0">
+                <a:effectLst/>
+                <a:latin typeface="Times New Roman" panose="02020603050405020304" pitchFamily="18" charset="0"/>
+                <a:ea typeface="Calibri" panose="020F0502020204030204" pitchFamily="34" charset="0"/>
+                <a:cs typeface="Arial" panose="020B0604020202020204" pitchFamily="34" charset="0"/>
+              </a:rPr>
+              <a:t> :- When the user clicks on the add word button a new pop up is shown which asks the word to be entered in the dialog box along with the option to finalize the word or to cancel the process.</a:t>
+            </a:r>
+            <a:endParaRPr lang="en-IN" sz="1100" kern="100" dirty="0">
+              <a:effectLst/>
+              <a:latin typeface="Calibri" panose="020F0502020204030204" pitchFamily="34" charset="0"/>
+              <a:ea typeface="Calibri" panose="020F0502020204030204" pitchFamily="34" charset="0"/>
+              <a:cs typeface="Arial" panose="020B0604020202020204" pitchFamily="34" charset="0"/>
+            </a:endParaRPr>
+          </a:p>
+        </p:txBody>
+      </p:sp>
+      <p:sp>
+        <p:nvSpPr>
+          <p:cNvPr id="3" name="TextBox 2">
+            <a:extLst>
+              <a:ext uri="{FF2B5EF4-FFF2-40B4-BE49-F238E27FC236}">
+                <a16:creationId xmlns:a16="http://schemas.microsoft.com/office/drawing/2014/main" id="{7D7FAFFE-CD97-5CBF-084A-E1020095DF84}"/>
+              </a:ext>
+            </a:extLst>
+          </p:cNvPr>
+          <p:cNvSpPr txBox="1"/>
+          <p:nvPr/>
+        </p:nvSpPr>
+        <p:spPr>
+          <a:xfrm>
+            <a:off x="2543239" y="4032236"/>
+            <a:ext cx="810322" cy="307777"/>
+          </a:xfrm>
+          <a:prstGeom prst="rect">
+            <a:avLst/>
+          </a:prstGeom>
+          <a:noFill/>
+        </p:spPr>
+        <p:txBody>
+          <a:bodyPr wrap="square">
+            <a:spAutoFit/>
+          </a:bodyPr>
+          <a:lstStyle/>
+          <a:p>
+            <a:r>
+              <a:rPr lang="en-US" sz="1400" dirty="0">
+                <a:effectLst/>
+                <a:latin typeface="Times New Roman" panose="02020603050405020304" pitchFamily="18" charset="0"/>
+                <a:ea typeface="Calibri" panose="020F0502020204030204" pitchFamily="34" charset="0"/>
+              </a:rPr>
+              <a:t>Figure 7</a:t>
+            </a:r>
+            <a:endParaRPr lang="en-IN" dirty="0"/>
+          </a:p>
+        </p:txBody>
+      </p:sp>
+    </p:spTree>
+    <p:extLst>
+      <p:ext uri="{BB962C8B-B14F-4D97-AF65-F5344CB8AC3E}">
+        <p14:creationId xmlns:p14="http://schemas.microsoft.com/office/powerpoint/2010/main" val="2670023326"/>
+      </p:ext>
+    </p:extLst>
+  </p:cSld>
+  <p:clrMapOvr>
+    <a:masterClrMapping/>
+  </p:clrMapOvr>
+</p:sld>
+</file>
+
+<file path=ppt/slides/slide23.xml><?xml version="1.0" encoding="utf-8"?>
+<p:sld xmlns:a="http://schemas.openxmlformats.org/drawingml/2006/main" xmlns:r="http://schemas.openxmlformats.org/officeDocument/2006/relationships" xmlns:p="http://schemas.openxmlformats.org/presentationml/2006/main">
+  <p:cSld>
+    <p:spTree>
+      <p:nvGrpSpPr>
+        <p:cNvPr id="1" name=""/>
+        <p:cNvGrpSpPr/>
+        <p:nvPr/>
+      </p:nvGrpSpPr>
+      <p:grpSpPr>
+        <a:xfrm>
+          <a:off x="0" y="0"/>
+          <a:ext cx="0" cy="0"/>
+          <a:chOff x="0" y="0"/>
+          <a:chExt cx="0" cy="0"/>
+        </a:xfrm>
+      </p:grpSpPr>
+      <p:pic>
+        <p:nvPicPr>
+          <p:cNvPr id="2" name="Picture 1">
+            <a:extLst>
+              <a:ext uri="{FF2B5EF4-FFF2-40B4-BE49-F238E27FC236}">
+                <a16:creationId xmlns:a16="http://schemas.microsoft.com/office/drawing/2014/main" id="{5E609094-38C3-9565-1919-6D50DC9FA5BB}"/>
+              </a:ext>
+            </a:extLst>
+          </p:cNvPr>
+          <p:cNvPicPr>
+            <a:picLocks noChangeAspect="1"/>
+          </p:cNvPicPr>
+          <p:nvPr/>
+        </p:nvPicPr>
+        <p:blipFill>
+          <a:blip r:embed="rId2">
+            <a:extLst>
+              <a:ext uri="{28A0092B-C50C-407E-A947-70E740481C1C}">
+                <a14:useLocalDpi xmlns:a14="http://schemas.microsoft.com/office/drawing/2010/main" val="0"/>
+              </a:ext>
+            </a:extLst>
+          </a:blip>
+          <a:srcRect/>
+          <a:stretch>
+            <a:fillRect/>
+          </a:stretch>
+        </p:blipFill>
+        <p:spPr bwMode="auto">
+          <a:xfrm>
+            <a:off x="82800" y="1224000"/>
+            <a:ext cx="5731510" cy="2818765"/>
+          </a:xfrm>
+          <a:prstGeom prst="rect">
+            <a:avLst/>
+          </a:prstGeom>
+          <a:noFill/>
+          <a:ln>
+            <a:noFill/>
+          </a:ln>
+        </p:spPr>
+      </p:pic>
+      <p:sp>
+        <p:nvSpPr>
+          <p:cNvPr id="4" name="TextBox 3">
+            <a:extLst>
+              <a:ext uri="{FF2B5EF4-FFF2-40B4-BE49-F238E27FC236}">
+                <a16:creationId xmlns:a16="http://schemas.microsoft.com/office/drawing/2014/main" id="{A129B4B3-D4AC-1287-B592-69193C8C1053}"/>
+              </a:ext>
+            </a:extLst>
+          </p:cNvPr>
+          <p:cNvSpPr txBox="1"/>
+          <p:nvPr/>
+        </p:nvSpPr>
+        <p:spPr>
+          <a:xfrm>
+            <a:off x="5814310" y="1224000"/>
+            <a:ext cx="3329690" cy="1003031"/>
+          </a:xfrm>
+          <a:prstGeom prst="rect">
+            <a:avLst/>
+          </a:prstGeom>
+          <a:noFill/>
+        </p:spPr>
+        <p:txBody>
+          <a:bodyPr wrap="square">
+            <a:spAutoFit/>
+          </a:bodyPr>
+          <a:lstStyle/>
+          <a:p>
+            <a:pPr algn="just">
+              <a:lnSpc>
+                <a:spcPct val="107000"/>
+              </a:lnSpc>
+              <a:spcAft>
+                <a:spcPts val="800"/>
+              </a:spcAft>
+            </a:pPr>
+            <a:r>
+              <a:rPr lang="en-US" sz="1400" kern="100" dirty="0">
+                <a:effectLst/>
+                <a:latin typeface="Times New Roman" panose="02020603050405020304" pitchFamily="18" charset="0"/>
+                <a:ea typeface="Calibri" panose="020F0502020204030204" pitchFamily="34" charset="0"/>
+                <a:cs typeface="Arial" panose="020B0604020202020204" pitchFamily="34" charset="0"/>
+              </a:rPr>
+              <a:t>Figure 8 :- The Word which needs to be added is checked against the database to check if it’s a repeated word or not. If the word is repeated then this error is shown.</a:t>
+            </a:r>
+            <a:endParaRPr lang="en-IN" sz="1100" kern="100" dirty="0">
+              <a:effectLst/>
+              <a:latin typeface="Calibri" panose="020F0502020204030204" pitchFamily="34" charset="0"/>
+              <a:ea typeface="Calibri" panose="020F0502020204030204" pitchFamily="34" charset="0"/>
+              <a:cs typeface="Arial" panose="020B0604020202020204" pitchFamily="34" charset="0"/>
+            </a:endParaRPr>
+          </a:p>
+        </p:txBody>
+      </p:sp>
+      <p:sp>
+        <p:nvSpPr>
+          <p:cNvPr id="3" name="TextBox 2">
+            <a:extLst>
+              <a:ext uri="{FF2B5EF4-FFF2-40B4-BE49-F238E27FC236}">
+                <a16:creationId xmlns:a16="http://schemas.microsoft.com/office/drawing/2014/main" id="{8D2A3E37-D04C-0A32-0FA9-FE9151EC72EC}"/>
+              </a:ext>
+            </a:extLst>
+          </p:cNvPr>
+          <p:cNvSpPr txBox="1"/>
+          <p:nvPr/>
+        </p:nvSpPr>
+        <p:spPr>
+          <a:xfrm>
+            <a:off x="2543239" y="4032236"/>
+            <a:ext cx="810322" cy="307777"/>
+          </a:xfrm>
+          <a:prstGeom prst="rect">
+            <a:avLst/>
+          </a:prstGeom>
+          <a:noFill/>
+        </p:spPr>
+        <p:txBody>
+          <a:bodyPr wrap="square">
+            <a:spAutoFit/>
+          </a:bodyPr>
+          <a:lstStyle/>
+          <a:p>
+            <a:r>
+              <a:rPr lang="en-US" sz="1400" dirty="0">
+                <a:effectLst/>
+                <a:latin typeface="Times New Roman" panose="02020603050405020304" pitchFamily="18" charset="0"/>
+                <a:ea typeface="Calibri" panose="020F0502020204030204" pitchFamily="34" charset="0"/>
+              </a:rPr>
+              <a:t>Figure </a:t>
+            </a:r>
+            <a:r>
+              <a:rPr lang="en-US" dirty="0">
+                <a:latin typeface="Times New Roman" panose="02020603050405020304" pitchFamily="18" charset="0"/>
+                <a:ea typeface="Calibri" panose="020F0502020204030204" pitchFamily="34" charset="0"/>
+              </a:rPr>
+              <a:t>8</a:t>
+            </a:r>
+            <a:endParaRPr lang="en-IN" dirty="0"/>
+          </a:p>
+        </p:txBody>
+      </p:sp>
+    </p:spTree>
+    <p:extLst>
+      <p:ext uri="{BB962C8B-B14F-4D97-AF65-F5344CB8AC3E}">
+        <p14:creationId xmlns:p14="http://schemas.microsoft.com/office/powerpoint/2010/main" val="4169240034"/>
+      </p:ext>
+    </p:extLst>
+  </p:cSld>
+  <p:clrMapOvr>
+    <a:masterClrMapping/>
+  </p:clrMapOvr>
+</p:sld>
+</file>
+
+<file path=ppt/slides/slide24.xml><?xml version="1.0" encoding="utf-8"?>
+<p:sld xmlns:a="http://schemas.openxmlformats.org/drawingml/2006/main" xmlns:r="http://schemas.openxmlformats.org/officeDocument/2006/relationships" xmlns:p="http://schemas.openxmlformats.org/presentationml/2006/main">
+  <p:cSld>
+    <p:spTree>
+      <p:nvGrpSpPr>
+        <p:cNvPr id="1" name=""/>
+        <p:cNvGrpSpPr/>
+        <p:nvPr/>
+      </p:nvGrpSpPr>
+      <p:grpSpPr>
+        <a:xfrm>
+          <a:off x="0" y="0"/>
+          <a:ext cx="0" cy="0"/>
+          <a:chOff x="0" y="0"/>
+          <a:chExt cx="0" cy="0"/>
+        </a:xfrm>
+      </p:grpSpPr>
+      <p:pic>
+        <p:nvPicPr>
+          <p:cNvPr id="2" name="Picture 1">
+            <a:extLst>
+              <a:ext uri="{FF2B5EF4-FFF2-40B4-BE49-F238E27FC236}">
+                <a16:creationId xmlns:a16="http://schemas.microsoft.com/office/drawing/2014/main" id="{932989D3-30D3-4C76-77A2-A994FED09843}"/>
+              </a:ext>
+            </a:extLst>
+          </p:cNvPr>
+          <p:cNvPicPr>
+            <a:picLocks noChangeAspect="1"/>
+          </p:cNvPicPr>
+          <p:nvPr/>
+        </p:nvPicPr>
+        <p:blipFill>
+          <a:blip r:embed="rId2">
+            <a:extLst>
+              <a:ext uri="{28A0092B-C50C-407E-A947-70E740481C1C}">
+                <a14:useLocalDpi xmlns:a14="http://schemas.microsoft.com/office/drawing/2010/main" val="0"/>
+              </a:ext>
+            </a:extLst>
+          </a:blip>
+          <a:srcRect/>
+          <a:stretch>
+            <a:fillRect/>
+          </a:stretch>
+        </p:blipFill>
+        <p:spPr bwMode="auto">
+          <a:xfrm>
+            <a:off x="82800" y="1224000"/>
+            <a:ext cx="5731510" cy="2811780"/>
+          </a:xfrm>
+          <a:prstGeom prst="rect">
+            <a:avLst/>
+          </a:prstGeom>
+          <a:noFill/>
+          <a:ln>
+            <a:noFill/>
+          </a:ln>
+        </p:spPr>
+      </p:pic>
+      <p:sp>
+        <p:nvSpPr>
+          <p:cNvPr id="4" name="TextBox 3">
+            <a:extLst>
+              <a:ext uri="{FF2B5EF4-FFF2-40B4-BE49-F238E27FC236}">
+                <a16:creationId xmlns:a16="http://schemas.microsoft.com/office/drawing/2014/main" id="{7C6F1D02-F5F8-F80A-DA56-41C5DE1E9586}"/>
+              </a:ext>
+            </a:extLst>
+          </p:cNvPr>
+          <p:cNvSpPr txBox="1"/>
+          <p:nvPr/>
+        </p:nvSpPr>
+        <p:spPr>
+          <a:xfrm>
+            <a:off x="5814310" y="1224000"/>
+            <a:ext cx="3329690" cy="1003031"/>
+          </a:xfrm>
+          <a:prstGeom prst="rect">
+            <a:avLst/>
+          </a:prstGeom>
+          <a:noFill/>
+        </p:spPr>
+        <p:txBody>
+          <a:bodyPr wrap="square">
+            <a:spAutoFit/>
+          </a:bodyPr>
+          <a:lstStyle/>
+          <a:p>
+            <a:pPr algn="just">
+              <a:lnSpc>
+                <a:spcPct val="107000"/>
+              </a:lnSpc>
+              <a:spcAft>
+                <a:spcPts val="800"/>
+              </a:spcAft>
+            </a:pPr>
+            <a:r>
+              <a:rPr lang="en-US" sz="1400" kern="100" dirty="0">
+                <a:effectLst/>
+                <a:latin typeface="Times New Roman" panose="02020603050405020304" pitchFamily="18" charset="0"/>
+                <a:ea typeface="Calibri" panose="020F0502020204030204" pitchFamily="34" charset="0"/>
+                <a:cs typeface="Arial" panose="020B0604020202020204" pitchFamily="34" charset="0"/>
+              </a:rPr>
+              <a:t>Figure 9 :- If the new word which needs to be added into the database is not found then it is added in the first empty spot found in the database.</a:t>
+            </a:r>
+            <a:endParaRPr lang="en-IN" sz="1100" kern="100" dirty="0">
+              <a:effectLst/>
+              <a:latin typeface="Calibri" panose="020F0502020204030204" pitchFamily="34" charset="0"/>
+              <a:ea typeface="Calibri" panose="020F0502020204030204" pitchFamily="34" charset="0"/>
+              <a:cs typeface="Arial" panose="020B0604020202020204" pitchFamily="34" charset="0"/>
+            </a:endParaRPr>
+          </a:p>
+        </p:txBody>
+      </p:sp>
+      <p:sp>
+        <p:nvSpPr>
+          <p:cNvPr id="3" name="TextBox 2">
+            <a:extLst>
+              <a:ext uri="{FF2B5EF4-FFF2-40B4-BE49-F238E27FC236}">
+                <a16:creationId xmlns:a16="http://schemas.microsoft.com/office/drawing/2014/main" id="{2D312CF5-65FA-BA66-2529-2220D856261D}"/>
+              </a:ext>
+            </a:extLst>
+          </p:cNvPr>
+          <p:cNvSpPr txBox="1"/>
+          <p:nvPr/>
+        </p:nvSpPr>
+        <p:spPr>
+          <a:xfrm>
+            <a:off x="2543239" y="4032236"/>
+            <a:ext cx="810322" cy="307777"/>
+          </a:xfrm>
+          <a:prstGeom prst="rect">
+            <a:avLst/>
+          </a:prstGeom>
+          <a:noFill/>
+        </p:spPr>
+        <p:txBody>
+          <a:bodyPr wrap="square">
+            <a:spAutoFit/>
+          </a:bodyPr>
+          <a:lstStyle/>
+          <a:p>
+            <a:r>
+              <a:rPr lang="en-US" sz="1400" dirty="0">
+                <a:effectLst/>
+                <a:latin typeface="Times New Roman" panose="02020603050405020304" pitchFamily="18" charset="0"/>
+                <a:ea typeface="Calibri" panose="020F0502020204030204" pitchFamily="34" charset="0"/>
+              </a:rPr>
+              <a:t>Figure 9</a:t>
+            </a:r>
+            <a:endParaRPr lang="en-IN" dirty="0"/>
+          </a:p>
+        </p:txBody>
+      </p:sp>
+    </p:spTree>
+    <p:extLst>
+      <p:ext uri="{BB962C8B-B14F-4D97-AF65-F5344CB8AC3E}">
+        <p14:creationId xmlns:p14="http://schemas.microsoft.com/office/powerpoint/2010/main" val="3552009239"/>
+      </p:ext>
+    </p:extLst>
+  </p:cSld>
+  <p:clrMapOvr>
+    <a:masterClrMapping/>
+  </p:clrMapOvr>
+</p:sld>
+</file>
+
+<file path=ppt/slides/slide25.xml><?xml version="1.0" encoding="utf-8"?>
 <p:sld xmlns:a="http://schemas.openxmlformats.org/drawingml/2006/main" xmlns:r="http://schemas.openxmlformats.org/officeDocument/2006/relationships" xmlns:p="http://schemas.openxmlformats.org/presentationml/2006/main">
   <p:cSld>
     <p:spTree>
@@ -35107,7 +37035,7 @@
 </p:sld>
 </file>
 
-<file path=ppt/slides/slide18.xml><?xml version="1.0" encoding="utf-8"?>
+<file path=ppt/slides/slide26.xml><?xml version="1.0" encoding="utf-8"?>
 <p:sld xmlns:a="http://schemas.openxmlformats.org/drawingml/2006/main" xmlns:r="http://schemas.openxmlformats.org/officeDocument/2006/relationships" xmlns:p="http://schemas.openxmlformats.org/presentationml/2006/main">
   <p:cSld>
     <p:spTree>
@@ -35175,683 +37103,6 @@
               <a:t>Thank You!!!</a:t>
             </a:r>
             <a:endParaRPr/>
-          </a:p>
-        </p:txBody>
-      </p:sp>
-    </p:spTree>
-  </p:cSld>
-  <p:clrMapOvr>
-    <a:masterClrMapping/>
-  </p:clrMapOvr>
-</p:sld>
-</file>
-
-<file path=ppt/slides/slide2.xml><?xml version="1.0" encoding="utf-8"?>
-<p:sld xmlns:a="http://schemas.openxmlformats.org/drawingml/2006/main" xmlns:r="http://schemas.openxmlformats.org/officeDocument/2006/relationships" xmlns:p="http://schemas.openxmlformats.org/presentationml/2006/main">
-  <p:cSld>
-    <p:spTree>
-      <p:nvGrpSpPr>
-        <p:cNvPr id="1" name="Shape 341"/>
-        <p:cNvGrpSpPr/>
-        <p:nvPr/>
-      </p:nvGrpSpPr>
-      <p:grpSpPr>
-        <a:xfrm>
-          <a:off x="0" y="0"/>
-          <a:ext cx="0" cy="0"/>
-          <a:chOff x="0" y="0"/>
-          <a:chExt cx="0" cy="0"/>
-        </a:xfrm>
-      </p:grpSpPr>
-      <p:sp>
-        <p:nvSpPr>
-          <p:cNvPr id="342" name="Google Shape;342;p2"/>
-          <p:cNvSpPr txBox="1">
-            <a:spLocks noGrp="1"/>
-          </p:cNvSpPr>
-          <p:nvPr>
-            <p:ph type="title"/>
-          </p:nvPr>
-        </p:nvSpPr>
-        <p:spPr>
-          <a:xfrm>
-            <a:off x="428596" y="500048"/>
-            <a:ext cx="8229600" cy="544103"/>
-          </a:xfrm>
-          <a:prstGeom prst="rect">
-            <a:avLst/>
-          </a:prstGeom>
-          <a:noFill/>
-          <a:ln>
-            <a:noFill/>
-          </a:ln>
-        </p:spPr>
-        <p:txBody>
-          <a:bodyPr spcFirstLastPara="1" wrap="square" lIns="0" tIns="45700" rIns="0" bIns="0" anchor="b" anchorCtr="0">
-            <a:noAutofit/>
-          </a:bodyPr>
-          <a:lstStyle/>
-          <a:p>
-            <a:pPr marL="0" lvl="0" indent="0" algn="ctr" rtl="0">
-              <a:lnSpc>
-                <a:spcPct val="100000"/>
-              </a:lnSpc>
-              <a:spcBef>
-                <a:spcPts val="0"/>
-              </a:spcBef>
-              <a:spcAft>
-                <a:spcPts val="0"/>
-              </a:spcAft>
-              <a:buClr>
-                <a:schemeClr val="dk2"/>
-              </a:buClr>
-              <a:buSzPts val="4000"/>
-              <a:buFont typeface="Times New Roman"/>
-              <a:buNone/>
-            </a:pPr>
-            <a:r>
-              <a:rPr lang="en-US" sz="4000" dirty="0">
-                <a:solidFill>
-                  <a:schemeClr val="tx1"/>
-                </a:solidFill>
-                <a:latin typeface="Times New Roman"/>
-                <a:ea typeface="Times New Roman"/>
-                <a:cs typeface="Times New Roman"/>
-                <a:sym typeface="Times New Roman"/>
-              </a:rPr>
-              <a:t>Index</a:t>
-            </a:r>
-            <a:endParaRPr sz="4000" dirty="0">
-              <a:solidFill>
-                <a:schemeClr val="tx1"/>
-              </a:solidFill>
-            </a:endParaRPr>
-          </a:p>
-        </p:txBody>
-      </p:sp>
-      <p:sp>
-        <p:nvSpPr>
-          <p:cNvPr id="343" name="Google Shape;343;p2"/>
-          <p:cNvSpPr txBox="1">
-            <a:spLocks noGrp="1"/>
-          </p:cNvSpPr>
-          <p:nvPr>
-            <p:ph type="body" idx="1"/>
-          </p:nvPr>
-        </p:nvSpPr>
-        <p:spPr>
-          <a:xfrm>
-            <a:off x="428596" y="1071552"/>
-            <a:ext cx="8229600" cy="3372406"/>
-          </a:xfrm>
-          <a:prstGeom prst="rect">
-            <a:avLst/>
-          </a:prstGeom>
-          <a:noFill/>
-          <a:ln>
-            <a:noFill/>
-          </a:ln>
-        </p:spPr>
-        <p:txBody>
-          <a:bodyPr spcFirstLastPara="1" wrap="square" lIns="91425" tIns="45700" rIns="91425" bIns="45700" anchor="t" anchorCtr="0">
-            <a:noAutofit/>
-          </a:bodyPr>
-          <a:lstStyle/>
-          <a:p>
-            <a:pPr marL="274320" lvl="0" indent="-274320" algn="l" rtl="0">
-              <a:lnSpc>
-                <a:spcPct val="100000"/>
-              </a:lnSpc>
-              <a:spcBef>
-                <a:spcPts val="0"/>
-              </a:spcBef>
-              <a:spcAft>
-                <a:spcPts val="0"/>
-              </a:spcAft>
-              <a:buSzPts val="1140"/>
-              <a:buChar char="⚫"/>
-            </a:pPr>
-            <a:r>
-              <a:rPr lang="en-US" sz="1200" b="1" dirty="0">
-                <a:solidFill>
-                  <a:schemeClr val="tx1"/>
-                </a:solidFill>
-                <a:latin typeface="Times New Roman" panose="02020603050405020304" pitchFamily="18" charset="0"/>
-                <a:ea typeface="Times New Roman"/>
-                <a:cs typeface="Times New Roman" panose="02020603050405020304" pitchFamily="18" charset="0"/>
-                <a:sym typeface="Times New Roman"/>
-              </a:rPr>
-              <a:t>Introduction to Topic</a:t>
-            </a:r>
-            <a:endParaRPr sz="1200" dirty="0">
-              <a:solidFill>
-                <a:schemeClr val="tx1"/>
-              </a:solidFill>
-              <a:latin typeface="Times New Roman" panose="02020603050405020304" pitchFamily="18" charset="0"/>
-              <a:cs typeface="Times New Roman" panose="02020603050405020304" pitchFamily="18" charset="0"/>
-            </a:endParaRPr>
-          </a:p>
-          <a:p>
-            <a:pPr marL="274320" lvl="0" indent="-274320" algn="l" rtl="0">
-              <a:lnSpc>
-                <a:spcPct val="100000"/>
-              </a:lnSpc>
-              <a:spcBef>
-                <a:spcPts val="240"/>
-              </a:spcBef>
-              <a:spcAft>
-                <a:spcPts val="0"/>
-              </a:spcAft>
-              <a:buSzPts val="1140"/>
-              <a:buChar char="⚫"/>
-            </a:pPr>
-            <a:r>
-              <a:rPr lang="en-US" sz="1200" b="1" dirty="0">
-                <a:solidFill>
-                  <a:schemeClr val="tx1"/>
-                </a:solidFill>
-                <a:latin typeface="Times New Roman" panose="02020603050405020304" pitchFamily="18" charset="0"/>
-                <a:ea typeface="Times New Roman"/>
-                <a:cs typeface="Times New Roman" panose="02020603050405020304" pitchFamily="18" charset="0"/>
-                <a:sym typeface="Times New Roman"/>
-              </a:rPr>
-              <a:t>Need of Project</a:t>
-            </a:r>
-            <a:endParaRPr sz="1200" dirty="0">
-              <a:solidFill>
-                <a:schemeClr val="tx1"/>
-              </a:solidFill>
-              <a:latin typeface="Times New Roman" panose="02020603050405020304" pitchFamily="18" charset="0"/>
-              <a:cs typeface="Times New Roman" panose="02020603050405020304" pitchFamily="18" charset="0"/>
-            </a:endParaRPr>
-          </a:p>
-          <a:p>
-            <a:pPr marL="274320" lvl="0" indent="-274320" algn="l" rtl="0">
-              <a:lnSpc>
-                <a:spcPct val="100000"/>
-              </a:lnSpc>
-              <a:spcBef>
-                <a:spcPts val="240"/>
-              </a:spcBef>
-              <a:spcAft>
-                <a:spcPts val="0"/>
-              </a:spcAft>
-              <a:buSzPts val="1140"/>
-              <a:buChar char="⚫"/>
-            </a:pPr>
-            <a:r>
-              <a:rPr lang="en-US" sz="1200" b="1" dirty="0">
-                <a:solidFill>
-                  <a:schemeClr val="tx1"/>
-                </a:solidFill>
-                <a:latin typeface="Times New Roman" panose="02020603050405020304" pitchFamily="18" charset="0"/>
-                <a:ea typeface="Times New Roman"/>
-                <a:cs typeface="Times New Roman" panose="02020603050405020304" pitchFamily="18" charset="0"/>
-                <a:sym typeface="Times New Roman"/>
-              </a:rPr>
-              <a:t>Problem Statement</a:t>
-            </a:r>
-            <a:endParaRPr sz="1200" dirty="0">
-              <a:solidFill>
-                <a:schemeClr val="tx1"/>
-              </a:solidFill>
-              <a:latin typeface="Times New Roman" panose="02020603050405020304" pitchFamily="18" charset="0"/>
-              <a:cs typeface="Times New Roman" panose="02020603050405020304" pitchFamily="18" charset="0"/>
-            </a:endParaRPr>
-          </a:p>
-          <a:p>
-            <a:pPr marL="274320" lvl="0" indent="-274320" algn="l" rtl="0">
-              <a:lnSpc>
-                <a:spcPct val="100000"/>
-              </a:lnSpc>
-              <a:spcBef>
-                <a:spcPts val="240"/>
-              </a:spcBef>
-              <a:spcAft>
-                <a:spcPts val="0"/>
-              </a:spcAft>
-              <a:buSzPts val="1140"/>
-              <a:buChar char="⚫"/>
-            </a:pPr>
-            <a:r>
-              <a:rPr lang="en-US" sz="1200" b="1" dirty="0">
-                <a:solidFill>
-                  <a:schemeClr val="tx1"/>
-                </a:solidFill>
-                <a:latin typeface="Times New Roman" panose="02020603050405020304" pitchFamily="18" charset="0"/>
-                <a:ea typeface="Times New Roman"/>
-                <a:cs typeface="Times New Roman" panose="02020603050405020304" pitchFamily="18" charset="0"/>
-                <a:sym typeface="Times New Roman"/>
-              </a:rPr>
-              <a:t>Literature survey In Tabular Format</a:t>
-            </a:r>
-            <a:endParaRPr sz="1200" dirty="0">
-              <a:solidFill>
-                <a:schemeClr val="tx1"/>
-              </a:solidFill>
-              <a:latin typeface="Times New Roman" panose="02020603050405020304" pitchFamily="18" charset="0"/>
-              <a:cs typeface="Times New Roman" panose="02020603050405020304" pitchFamily="18" charset="0"/>
-            </a:endParaRPr>
-          </a:p>
-          <a:p>
-            <a:pPr marL="274320" lvl="0" indent="-274320" algn="l" rtl="0">
-              <a:lnSpc>
-                <a:spcPct val="100000"/>
-              </a:lnSpc>
-              <a:spcBef>
-                <a:spcPts val="240"/>
-              </a:spcBef>
-              <a:spcAft>
-                <a:spcPts val="0"/>
-              </a:spcAft>
-              <a:buSzPts val="1140"/>
-              <a:buChar char="⚫"/>
-            </a:pPr>
-            <a:r>
-              <a:rPr lang="en-US" sz="1200" b="1" dirty="0">
-                <a:solidFill>
-                  <a:schemeClr val="tx1"/>
-                </a:solidFill>
-                <a:latin typeface="Times New Roman" panose="02020603050405020304" pitchFamily="18" charset="0"/>
-                <a:ea typeface="Times New Roman"/>
-                <a:cs typeface="Times New Roman" panose="02020603050405020304" pitchFamily="18" charset="0"/>
-                <a:sym typeface="Times New Roman"/>
-              </a:rPr>
-              <a:t>Algorithm for Project Development</a:t>
-            </a:r>
-            <a:endParaRPr sz="1200" dirty="0">
-              <a:solidFill>
-                <a:schemeClr val="tx1"/>
-              </a:solidFill>
-              <a:latin typeface="Times New Roman" panose="02020603050405020304" pitchFamily="18" charset="0"/>
-              <a:cs typeface="Times New Roman" panose="02020603050405020304" pitchFamily="18" charset="0"/>
-            </a:endParaRPr>
-          </a:p>
-          <a:p>
-            <a:pPr marL="274320" lvl="0" indent="-274320" algn="l" rtl="0">
-              <a:lnSpc>
-                <a:spcPct val="100000"/>
-              </a:lnSpc>
-              <a:spcBef>
-                <a:spcPts val="240"/>
-              </a:spcBef>
-              <a:spcAft>
-                <a:spcPts val="0"/>
-              </a:spcAft>
-              <a:buSzPts val="1140"/>
-              <a:buChar char="⚫"/>
-            </a:pPr>
-            <a:r>
-              <a:rPr lang="en-US" sz="1200" b="1" dirty="0">
-                <a:solidFill>
-                  <a:schemeClr val="tx1"/>
-                </a:solidFill>
-                <a:latin typeface="Times New Roman" panose="02020603050405020304" pitchFamily="18" charset="0"/>
-                <a:ea typeface="Times New Roman"/>
-                <a:cs typeface="Times New Roman" panose="02020603050405020304" pitchFamily="18" charset="0"/>
-                <a:sym typeface="Times New Roman"/>
-              </a:rPr>
-              <a:t>Flow-chart </a:t>
-            </a:r>
-            <a:endParaRPr sz="1200" dirty="0">
-              <a:solidFill>
-                <a:schemeClr val="tx1"/>
-              </a:solidFill>
-              <a:latin typeface="Times New Roman" panose="02020603050405020304" pitchFamily="18" charset="0"/>
-              <a:cs typeface="Times New Roman" panose="02020603050405020304" pitchFamily="18" charset="0"/>
-            </a:endParaRPr>
-          </a:p>
-          <a:p>
-            <a:pPr marL="274320" lvl="0" indent="-274320" algn="l" rtl="0">
-              <a:lnSpc>
-                <a:spcPct val="100000"/>
-              </a:lnSpc>
-              <a:spcBef>
-                <a:spcPts val="240"/>
-              </a:spcBef>
-              <a:spcAft>
-                <a:spcPts val="0"/>
-              </a:spcAft>
-              <a:buSzPts val="1140"/>
-              <a:buChar char="⚫"/>
-            </a:pPr>
-            <a:r>
-              <a:rPr lang="en-US" sz="1200" b="1" dirty="0">
-                <a:solidFill>
-                  <a:schemeClr val="tx1"/>
-                </a:solidFill>
-                <a:latin typeface="Times New Roman" panose="02020603050405020304" pitchFamily="18" charset="0"/>
-                <a:ea typeface="Times New Roman"/>
-                <a:cs typeface="Times New Roman" panose="02020603050405020304" pitchFamily="18" charset="0"/>
-                <a:sym typeface="Times New Roman"/>
-              </a:rPr>
-              <a:t>Requirement Hardware and Software</a:t>
-            </a:r>
-            <a:endParaRPr sz="1200" dirty="0">
-              <a:solidFill>
-                <a:schemeClr val="tx1"/>
-              </a:solidFill>
-              <a:latin typeface="Times New Roman" panose="02020603050405020304" pitchFamily="18" charset="0"/>
-              <a:cs typeface="Times New Roman" panose="02020603050405020304" pitchFamily="18" charset="0"/>
-            </a:endParaRPr>
-          </a:p>
-          <a:p>
-            <a:pPr marL="274320" lvl="0" indent="-274320" algn="l" rtl="0">
-              <a:lnSpc>
-                <a:spcPct val="100000"/>
-              </a:lnSpc>
-              <a:spcBef>
-                <a:spcPts val="240"/>
-              </a:spcBef>
-              <a:spcAft>
-                <a:spcPts val="0"/>
-              </a:spcAft>
-              <a:buSzPts val="1140"/>
-              <a:buChar char="⚫"/>
-            </a:pPr>
-            <a:r>
-              <a:rPr lang="en-US" sz="1200" b="1" dirty="0">
-                <a:solidFill>
-                  <a:schemeClr val="tx1"/>
-                </a:solidFill>
-                <a:latin typeface="Times New Roman" panose="02020603050405020304" pitchFamily="18" charset="0"/>
-                <a:ea typeface="Times New Roman"/>
-                <a:cs typeface="Times New Roman" panose="02020603050405020304" pitchFamily="18" charset="0"/>
-                <a:sym typeface="Times New Roman"/>
-              </a:rPr>
-              <a:t>Feasibility Study</a:t>
-            </a:r>
-            <a:endParaRPr sz="1200" dirty="0">
-              <a:solidFill>
-                <a:schemeClr val="tx1"/>
-              </a:solidFill>
-              <a:latin typeface="Times New Roman" panose="02020603050405020304" pitchFamily="18" charset="0"/>
-              <a:cs typeface="Times New Roman" panose="02020603050405020304" pitchFamily="18" charset="0"/>
-            </a:endParaRPr>
-          </a:p>
-          <a:p>
-            <a:pPr marL="274320" lvl="0" indent="-274320" algn="l" rtl="0">
-              <a:lnSpc>
-                <a:spcPct val="100000"/>
-              </a:lnSpc>
-              <a:spcBef>
-                <a:spcPts val="240"/>
-              </a:spcBef>
-              <a:spcAft>
-                <a:spcPts val="0"/>
-              </a:spcAft>
-              <a:buSzPts val="1140"/>
-              <a:buChar char="⚫"/>
-            </a:pPr>
-            <a:r>
-              <a:rPr lang="en-US" sz="1200" b="1" dirty="0">
-                <a:solidFill>
-                  <a:schemeClr val="tx1"/>
-                </a:solidFill>
-                <a:latin typeface="Times New Roman" panose="02020603050405020304" pitchFamily="18" charset="0"/>
-                <a:ea typeface="Times New Roman"/>
-                <a:cs typeface="Times New Roman" panose="02020603050405020304" pitchFamily="18" charset="0"/>
-                <a:sym typeface="Times New Roman"/>
-              </a:rPr>
-              <a:t>Proposed Methodology</a:t>
-            </a:r>
-          </a:p>
-          <a:p>
-            <a:pPr marL="274320" lvl="0" indent="-274320" algn="l" rtl="0">
-              <a:lnSpc>
-                <a:spcPct val="100000"/>
-              </a:lnSpc>
-              <a:spcBef>
-                <a:spcPts val="240"/>
-              </a:spcBef>
-              <a:spcAft>
-                <a:spcPts val="0"/>
-              </a:spcAft>
-              <a:buSzPts val="1140"/>
-              <a:buChar char="⚫"/>
-            </a:pPr>
-            <a:r>
-              <a:rPr lang="en-US" sz="1200" b="1" dirty="0">
-                <a:solidFill>
-                  <a:schemeClr val="tx1"/>
-                </a:solidFill>
-                <a:latin typeface="Times New Roman" panose="02020603050405020304" pitchFamily="18" charset="0"/>
-                <a:ea typeface="Times New Roman"/>
-                <a:cs typeface="Times New Roman" panose="02020603050405020304" pitchFamily="18" charset="0"/>
-                <a:sym typeface="Times New Roman"/>
-              </a:rPr>
-              <a:t>Detail Design DFD Diagram</a:t>
-            </a:r>
-            <a:endParaRPr lang="en-US" sz="1200" dirty="0">
-              <a:solidFill>
-                <a:schemeClr val="tx1"/>
-              </a:solidFill>
-              <a:latin typeface="Times New Roman" panose="02020603050405020304" pitchFamily="18" charset="0"/>
-              <a:cs typeface="Times New Roman" panose="02020603050405020304" pitchFamily="18" charset="0"/>
-            </a:endParaRPr>
-          </a:p>
-          <a:p>
-            <a:pPr marL="274320" lvl="0" indent="-274320" algn="l" rtl="0">
-              <a:lnSpc>
-                <a:spcPct val="100000"/>
-              </a:lnSpc>
-              <a:spcBef>
-                <a:spcPts val="240"/>
-              </a:spcBef>
-              <a:spcAft>
-                <a:spcPts val="0"/>
-              </a:spcAft>
-              <a:buSzPts val="1140"/>
-              <a:buChar char="⚫"/>
-            </a:pPr>
-            <a:r>
-              <a:rPr lang="en-US" sz="1200" b="1" dirty="0">
-                <a:solidFill>
-                  <a:schemeClr val="tx1"/>
-                </a:solidFill>
-                <a:latin typeface="Times New Roman" panose="02020603050405020304" pitchFamily="18" charset="0"/>
-                <a:ea typeface="Times New Roman"/>
-                <a:cs typeface="Times New Roman" panose="02020603050405020304" pitchFamily="18" charset="0"/>
-                <a:sym typeface="Times New Roman"/>
-              </a:rPr>
-              <a:t>Activity Diagram</a:t>
-            </a:r>
-            <a:endParaRPr sz="1200" dirty="0">
-              <a:solidFill>
-                <a:schemeClr val="tx1"/>
-              </a:solidFill>
-              <a:latin typeface="Times New Roman" panose="02020603050405020304" pitchFamily="18" charset="0"/>
-              <a:cs typeface="Times New Roman" panose="02020603050405020304" pitchFamily="18" charset="0"/>
-            </a:endParaRPr>
-          </a:p>
-          <a:p>
-            <a:pPr marL="274320" lvl="0" indent="-274320" algn="l" rtl="0">
-              <a:lnSpc>
-                <a:spcPct val="100000"/>
-              </a:lnSpc>
-              <a:spcBef>
-                <a:spcPts val="240"/>
-              </a:spcBef>
-              <a:spcAft>
-                <a:spcPts val="0"/>
-              </a:spcAft>
-              <a:buSzPts val="1140"/>
-              <a:buChar char="⚫"/>
-            </a:pPr>
-            <a:r>
-              <a:rPr lang="en-US" sz="1200" b="1" dirty="0">
-                <a:solidFill>
-                  <a:schemeClr val="tx1"/>
-                </a:solidFill>
-                <a:latin typeface="Times New Roman" panose="02020603050405020304" pitchFamily="18" charset="0"/>
-                <a:ea typeface="Times New Roman"/>
-                <a:cs typeface="Times New Roman" panose="02020603050405020304" pitchFamily="18" charset="0"/>
-                <a:sym typeface="Times New Roman"/>
-              </a:rPr>
-              <a:t>Screenshots of GUI</a:t>
-            </a:r>
-            <a:endParaRPr sz="1200" dirty="0">
-              <a:solidFill>
-                <a:schemeClr val="tx1"/>
-              </a:solidFill>
-              <a:latin typeface="Times New Roman" panose="02020603050405020304" pitchFamily="18" charset="0"/>
-              <a:cs typeface="Times New Roman" panose="02020603050405020304" pitchFamily="18" charset="0"/>
-            </a:endParaRPr>
-          </a:p>
-          <a:p>
-            <a:pPr marL="274320" lvl="0" indent="-274320" algn="l" rtl="0">
-              <a:lnSpc>
-                <a:spcPct val="100000"/>
-              </a:lnSpc>
-              <a:spcBef>
-                <a:spcPts val="240"/>
-              </a:spcBef>
-              <a:spcAft>
-                <a:spcPts val="0"/>
-              </a:spcAft>
-              <a:buSzPts val="1140"/>
-              <a:buChar char="⚫"/>
-            </a:pPr>
-            <a:r>
-              <a:rPr lang="en-US" sz="1200" b="1" dirty="0">
-                <a:solidFill>
-                  <a:schemeClr val="tx1"/>
-                </a:solidFill>
-                <a:latin typeface="Times New Roman" panose="02020603050405020304" pitchFamily="18" charset="0"/>
-                <a:ea typeface="Times New Roman"/>
-                <a:cs typeface="Times New Roman" panose="02020603050405020304" pitchFamily="18" charset="0"/>
-                <a:sym typeface="Times New Roman"/>
-              </a:rPr>
-              <a:t>References</a:t>
-            </a:r>
-            <a:endParaRPr sz="1200" dirty="0">
-              <a:solidFill>
-                <a:schemeClr val="tx1"/>
-              </a:solidFill>
-              <a:latin typeface="Times New Roman" panose="02020603050405020304" pitchFamily="18" charset="0"/>
-              <a:cs typeface="Times New Roman" panose="02020603050405020304" pitchFamily="18" charset="0"/>
-            </a:endParaRPr>
-          </a:p>
-          <a:p>
-            <a:pPr marL="274320" lvl="0" indent="-201930" algn="l" rtl="0">
-              <a:lnSpc>
-                <a:spcPct val="100000"/>
-              </a:lnSpc>
-              <a:spcBef>
-                <a:spcPts val="240"/>
-              </a:spcBef>
-              <a:spcAft>
-                <a:spcPts val="0"/>
-              </a:spcAft>
-              <a:buSzPts val="1140"/>
-              <a:buNone/>
-            </a:pPr>
-            <a:endParaRPr sz="1200" b="1" dirty="0">
-              <a:solidFill>
-                <a:schemeClr val="tx1"/>
-              </a:solidFill>
-              <a:latin typeface="Times New Roman" panose="02020603050405020304" pitchFamily="18" charset="0"/>
-              <a:ea typeface="Times New Roman"/>
-              <a:cs typeface="Times New Roman" panose="02020603050405020304" pitchFamily="18" charset="0"/>
-              <a:sym typeface="Times New Roman"/>
-            </a:endParaRPr>
-          </a:p>
-          <a:p>
-            <a:pPr marL="274320" lvl="0" indent="-201930" algn="l" rtl="0">
-              <a:lnSpc>
-                <a:spcPct val="100000"/>
-              </a:lnSpc>
-              <a:spcBef>
-                <a:spcPts val="240"/>
-              </a:spcBef>
-              <a:spcAft>
-                <a:spcPts val="0"/>
-              </a:spcAft>
-              <a:buSzPts val="1140"/>
-              <a:buNone/>
-            </a:pPr>
-            <a:endParaRPr sz="1200" b="1" dirty="0">
-              <a:solidFill>
-                <a:schemeClr val="tx1"/>
-              </a:solidFill>
-              <a:latin typeface="Times New Roman" panose="02020603050405020304" pitchFamily="18" charset="0"/>
-              <a:ea typeface="Times New Roman"/>
-              <a:cs typeface="Times New Roman" panose="02020603050405020304" pitchFamily="18" charset="0"/>
-              <a:sym typeface="Times New Roman"/>
-            </a:endParaRPr>
-          </a:p>
-          <a:p>
-            <a:pPr marL="274320" lvl="0" indent="-177800" algn="l" rtl="0">
-              <a:lnSpc>
-                <a:spcPct val="100000"/>
-              </a:lnSpc>
-              <a:spcBef>
-                <a:spcPts val="320"/>
-              </a:spcBef>
-              <a:spcAft>
-                <a:spcPts val="0"/>
-              </a:spcAft>
-              <a:buSzPts val="1520"/>
-              <a:buNone/>
-            </a:pPr>
-            <a:endParaRPr sz="1200" b="1" dirty="0">
-              <a:solidFill>
-                <a:schemeClr val="tx1"/>
-              </a:solidFill>
-              <a:latin typeface="Times New Roman" panose="02020603050405020304" pitchFamily="18" charset="0"/>
-              <a:ea typeface="Times New Roman"/>
-              <a:cs typeface="Times New Roman" panose="02020603050405020304" pitchFamily="18" charset="0"/>
-              <a:sym typeface="Times New Roman"/>
-            </a:endParaRPr>
-          </a:p>
-          <a:p>
-            <a:pPr marL="274320" lvl="0" indent="-177800" algn="l" rtl="0">
-              <a:lnSpc>
-                <a:spcPct val="100000"/>
-              </a:lnSpc>
-              <a:spcBef>
-                <a:spcPts val="320"/>
-              </a:spcBef>
-              <a:spcAft>
-                <a:spcPts val="0"/>
-              </a:spcAft>
-              <a:buSzPts val="1520"/>
-              <a:buNone/>
-            </a:pPr>
-            <a:endParaRPr sz="1200" b="1" dirty="0">
-              <a:solidFill>
-                <a:schemeClr val="tx1"/>
-              </a:solidFill>
-              <a:latin typeface="Times New Roman" panose="02020603050405020304" pitchFamily="18" charset="0"/>
-              <a:ea typeface="Times New Roman"/>
-              <a:cs typeface="Times New Roman" panose="02020603050405020304" pitchFamily="18" charset="0"/>
-              <a:sym typeface="Times New Roman"/>
-            </a:endParaRPr>
-          </a:p>
-          <a:p>
-            <a:pPr marL="274320" lvl="0" indent="-177800" algn="l" rtl="0">
-              <a:lnSpc>
-                <a:spcPct val="100000"/>
-              </a:lnSpc>
-              <a:spcBef>
-                <a:spcPts val="320"/>
-              </a:spcBef>
-              <a:spcAft>
-                <a:spcPts val="0"/>
-              </a:spcAft>
-              <a:buSzPts val="1520"/>
-              <a:buFont typeface="Arial"/>
-              <a:buNone/>
-            </a:pPr>
-            <a:endParaRPr sz="1200" b="1" dirty="0">
-              <a:solidFill>
-                <a:schemeClr val="tx1"/>
-              </a:solidFill>
-              <a:latin typeface="Times New Roman" panose="02020603050405020304" pitchFamily="18" charset="0"/>
-              <a:ea typeface="Times New Roman"/>
-              <a:cs typeface="Times New Roman" panose="02020603050405020304" pitchFamily="18" charset="0"/>
-              <a:sym typeface="Times New Roman"/>
-            </a:endParaRPr>
           </a:p>
         </p:txBody>
       </p:sp>

--- a/Documentation and ppt/PPT/Hangman_ppt.pptx
+++ b/Documentation and ppt/PPT/Hangman_ppt.pptx
@@ -14,7 +14,7 @@
     <p:sldId id="260" r:id="rId5"/>
     <p:sldId id="261" r:id="rId6"/>
     <p:sldId id="262" r:id="rId7"/>
-    <p:sldId id="263" r:id="rId8"/>
+    <p:sldId id="302" r:id="rId8"/>
     <p:sldId id="264" r:id="rId9"/>
     <p:sldId id="274" r:id="rId10"/>
     <p:sldId id="266" r:id="rId11"/>
@@ -1958,165 +1958,6 @@
             </a:pPr>
             <a:r>
               <a:rPr lang="en-IN" dirty="0"/>
-              <a:t>Need as follows:</a:t>
-            </a:r>
-            <a:br>
-              <a:rPr lang="en-IN" dirty="0"/>
-            </a:br>
-            <a:r>
-              <a:rPr lang="en-IN" dirty="0"/>
-              <a:t>1. All Modules of Python should be installed</a:t>
-            </a:r>
-            <a:br>
-              <a:rPr lang="en-IN" dirty="0"/>
-            </a:br>
-            <a:r>
-              <a:rPr lang="en-IN" dirty="0"/>
-              <a:t>2. Path of python should be specified</a:t>
-            </a:r>
-            <a:br>
-              <a:rPr lang="en-IN" dirty="0"/>
-            </a:br>
-            <a:r>
-              <a:rPr lang="en-IN" dirty="0"/>
-              <a:t>3. OS 10 is required</a:t>
-            </a:r>
-            <a:br>
-              <a:rPr lang="en-IN" dirty="0"/>
-            </a:br>
-            <a:r>
-              <a:rPr lang="en-IN" dirty="0"/>
-              <a:t>4. Internet access required</a:t>
-            </a:r>
-            <a:endParaRPr dirty="0"/>
-          </a:p>
-        </p:txBody>
-      </p:sp>
-      <p:sp>
-        <p:nvSpPr>
-          <p:cNvPr id="340" name="Google Shape;340;p2:notes"/>
-          <p:cNvSpPr>
-            <a:spLocks noGrp="1" noRot="1" noChangeAspect="1"/>
-          </p:cNvSpPr>
-          <p:nvPr>
-            <p:ph type="sldImg" idx="2"/>
-          </p:nvPr>
-        </p:nvSpPr>
-        <p:spPr>
-          <a:xfrm>
-            <a:off x="381000" y="685800"/>
-            <a:ext cx="6096000" cy="3429000"/>
-          </a:xfrm>
-          <a:custGeom>
-            <a:avLst/>
-            <a:gdLst/>
-            <a:ahLst/>
-            <a:cxnLst/>
-            <a:rect l="l" t="t" r="r" b="b"/>
-            <a:pathLst>
-              <a:path w="120000" h="120000" extrusionOk="0">
-                <a:moveTo>
-                  <a:pt x="0" y="0"/>
-                </a:moveTo>
-                <a:lnTo>
-                  <a:pt x="120000" y="0"/>
-                </a:lnTo>
-                <a:lnTo>
-                  <a:pt x="120000" y="120000"/>
-                </a:lnTo>
-                <a:lnTo>
-                  <a:pt x="0" y="120000"/>
-                </a:lnTo>
-                <a:close/>
-              </a:path>
-            </a:pathLst>
-          </a:custGeom>
-          <a:noFill/>
-          <a:ln w="12700" cap="flat" cmpd="sng">
-            <a:solidFill>
-              <a:srgbClr val="000000"/>
-            </a:solidFill>
-            <a:prstDash val="solid"/>
-            <a:round/>
-            <a:headEnd type="none" w="sm" len="sm"/>
-            <a:tailEnd type="none" w="sm" len="sm"/>
-          </a:ln>
-        </p:spPr>
-      </p:sp>
-    </p:spTree>
-    <p:extLst>
-      <p:ext uri="{BB962C8B-B14F-4D97-AF65-F5344CB8AC3E}">
-        <p14:creationId xmlns:p14="http://schemas.microsoft.com/office/powerpoint/2010/main" val="4117521224"/>
-      </p:ext>
-    </p:extLst>
-  </p:cSld>
-  <p:clrMapOvr>
-    <a:masterClrMapping/>
-  </p:clrMapOvr>
-</p:notes>
-</file>
-
-<file path=ppt/notesSlides/notesSlide11.xml><?xml version="1.0" encoding="utf-8"?>
-<p:notes xmlns:a="http://schemas.openxmlformats.org/drawingml/2006/main" xmlns:r="http://schemas.openxmlformats.org/officeDocument/2006/relationships" xmlns:p="http://schemas.openxmlformats.org/presentationml/2006/main" showMasterSp="0" showMasterPhAnim="0">
-  <p:cSld>
-    <p:spTree>
-      <p:nvGrpSpPr>
-        <p:cNvPr id="1" name="Shape 338"/>
-        <p:cNvGrpSpPr/>
-        <p:nvPr/>
-      </p:nvGrpSpPr>
-      <p:grpSpPr>
-        <a:xfrm>
-          <a:off x="0" y="0"/>
-          <a:ext cx="0" cy="0"/>
-          <a:chOff x="0" y="0"/>
-          <a:chExt cx="0" cy="0"/>
-        </a:xfrm>
-      </p:grpSpPr>
-      <p:sp>
-        <p:nvSpPr>
-          <p:cNvPr id="339" name="Google Shape;339;p2:notes"/>
-          <p:cNvSpPr txBox="1">
-            <a:spLocks noGrp="1"/>
-          </p:cNvSpPr>
-          <p:nvPr>
-            <p:ph type="body" idx="1"/>
-          </p:nvPr>
-        </p:nvSpPr>
-        <p:spPr>
-          <a:xfrm>
-            <a:off x="685800" y="4343400"/>
-            <a:ext cx="5486400" cy="4114800"/>
-          </a:xfrm>
-          <a:prstGeom prst="rect">
-            <a:avLst/>
-          </a:prstGeom>
-          <a:noFill/>
-          <a:ln>
-            <a:noFill/>
-          </a:ln>
-        </p:spPr>
-        <p:txBody>
-          <a:bodyPr spcFirstLastPara="1" wrap="square" lIns="91425" tIns="45700" rIns="91425" bIns="45700" anchor="t" anchorCtr="0">
-            <a:noAutofit/>
-          </a:bodyPr>
-          <a:lstStyle/>
-          <a:p>
-            <a:pPr marL="0" lvl="0" indent="0" algn="l" rtl="0">
-              <a:lnSpc>
-                <a:spcPct val="100000"/>
-              </a:lnSpc>
-              <a:spcBef>
-                <a:spcPts val="0"/>
-              </a:spcBef>
-              <a:spcAft>
-                <a:spcPts val="0"/>
-              </a:spcAft>
-              <a:buSzPts val="1400"/>
-              <a:buNone/>
-            </a:pPr>
-            <a:r>
-              <a:rPr lang="en-IN" dirty="0"/>
               <a:t>a. Python latest module required </a:t>
             </a:r>
             <a:br>
@@ -2197,7 +2038,7 @@
 </p:notes>
 </file>
 
-<file path=ppt/notesSlides/notesSlide12.xml><?xml version="1.0" encoding="utf-8"?>
+<file path=ppt/notesSlides/notesSlide11.xml><?xml version="1.0" encoding="utf-8"?>
 <p:notes xmlns:a="http://schemas.openxmlformats.org/drawingml/2006/main" xmlns:r="http://schemas.openxmlformats.org/officeDocument/2006/relationships" xmlns:p="http://schemas.openxmlformats.org/presentationml/2006/main" showMasterSp="0" showMasterPhAnim="0">
   <p:cSld>
     <p:spTree>
@@ -2324,7 +2165,7 @@
 </p:notes>
 </file>
 
-<file path=ppt/notesSlides/notesSlide13.xml><?xml version="1.0" encoding="utf-8"?>
+<file path=ppt/notesSlides/notesSlide12.xml><?xml version="1.0" encoding="utf-8"?>
 <p:notes xmlns:a="http://schemas.openxmlformats.org/drawingml/2006/main" xmlns:r="http://schemas.openxmlformats.org/officeDocument/2006/relationships" xmlns:p="http://schemas.openxmlformats.org/presentationml/2006/main" showMasterSp="0" showMasterPhAnim="0">
   <p:cSld>
     <p:spTree>
@@ -2469,7 +2310,7 @@
 </p:notes>
 </file>
 
-<file path=ppt/notesSlides/notesSlide14.xml><?xml version="1.0" encoding="utf-8"?>
+<file path=ppt/notesSlides/notesSlide13.xml><?xml version="1.0" encoding="utf-8"?>
 <p:notes xmlns:a="http://schemas.openxmlformats.org/drawingml/2006/main" xmlns:r="http://schemas.openxmlformats.org/officeDocument/2006/relationships" xmlns:p="http://schemas.openxmlformats.org/presentationml/2006/main" showMasterSp="0" showMasterPhAnim="0">
   <p:cSld>
     <p:spTree>
@@ -2614,7 +2455,7 @@
 </p:notes>
 </file>
 
-<file path=ppt/notesSlides/notesSlide15.xml><?xml version="1.0" encoding="utf-8"?>
+<file path=ppt/notesSlides/notesSlide14.xml><?xml version="1.0" encoding="utf-8"?>
 <p:notes xmlns:a="http://schemas.openxmlformats.org/drawingml/2006/main" xmlns:r="http://schemas.openxmlformats.org/officeDocument/2006/relationships" xmlns:p="http://schemas.openxmlformats.org/presentationml/2006/main" showMasterSp="0" showMasterPhAnim="0">
   <p:cSld>
     <p:spTree>
@@ -2759,7 +2600,7 @@
 </p:notes>
 </file>
 
-<file path=ppt/notesSlides/notesSlide16.xml><?xml version="1.0" encoding="utf-8"?>
+<file path=ppt/notesSlides/notesSlide15.xml><?xml version="1.0" encoding="utf-8"?>
 <p:notes xmlns:a="http://schemas.openxmlformats.org/drawingml/2006/main" xmlns:r="http://schemas.openxmlformats.org/officeDocument/2006/relationships" xmlns:p="http://schemas.openxmlformats.org/presentationml/2006/main" showMasterSp="0" showMasterPhAnim="0">
   <p:cSld>
     <p:spTree>
@@ -2886,7 +2727,7 @@
 </p:notes>
 </file>
 
-<file path=ppt/notesSlides/notesSlide17.xml><?xml version="1.0" encoding="utf-8"?>
+<file path=ppt/notesSlides/notesSlide16.xml><?xml version="1.0" encoding="utf-8"?>
 <p:notes xmlns:a="http://schemas.openxmlformats.org/drawingml/2006/main" xmlns:r="http://schemas.openxmlformats.org/officeDocument/2006/relationships" xmlns:p="http://schemas.openxmlformats.org/presentationml/2006/main" showMasterSp="0" showMasterPhAnim="0">
   <p:cSld>
     <p:spTree>
@@ -3013,7 +2854,7 @@
 </p:notes>
 </file>
 
-<file path=ppt/notesSlides/notesSlide18.xml><?xml version="1.0" encoding="utf-8"?>
+<file path=ppt/notesSlides/notesSlide17.xml><?xml version="1.0" encoding="utf-8"?>
 <p:notes xmlns:a="http://schemas.openxmlformats.org/drawingml/2006/main" xmlns:r="http://schemas.openxmlformats.org/officeDocument/2006/relationships" xmlns:p="http://schemas.openxmlformats.org/presentationml/2006/main" showMasterSp="0" showMasterPhAnim="0">
   <p:cSld>
     <p:spTree>
@@ -3755,7 +3596,7 @@
     </p:spTree>
     <p:extLst>
       <p:ext uri="{BB962C8B-B14F-4D97-AF65-F5344CB8AC3E}">
-        <p14:creationId xmlns:p14="http://schemas.microsoft.com/office/powerpoint/2010/main" val="357821179"/>
+        <p14:creationId xmlns:p14="http://schemas.microsoft.com/office/powerpoint/2010/main" val="1546711292"/>
       </p:ext>
     </p:extLst>
   </p:cSld>
@@ -3766,133 +3607,6 @@
 </file>
 
 <file path=ppt/notesSlides/notesSlide7.xml><?xml version="1.0" encoding="utf-8"?>
-<p:notes xmlns:a="http://schemas.openxmlformats.org/drawingml/2006/main" xmlns:r="http://schemas.openxmlformats.org/officeDocument/2006/relationships" xmlns:p="http://schemas.openxmlformats.org/presentationml/2006/main" showMasterSp="0" showMasterPhAnim="0">
-  <p:cSld>
-    <p:spTree>
-      <p:nvGrpSpPr>
-        <p:cNvPr id="1" name="Shape 338"/>
-        <p:cNvGrpSpPr/>
-        <p:nvPr/>
-      </p:nvGrpSpPr>
-      <p:grpSpPr>
-        <a:xfrm>
-          <a:off x="0" y="0"/>
-          <a:ext cx="0" cy="0"/>
-          <a:chOff x="0" y="0"/>
-          <a:chExt cx="0" cy="0"/>
-        </a:xfrm>
-      </p:grpSpPr>
-      <p:sp>
-        <p:nvSpPr>
-          <p:cNvPr id="339" name="Google Shape;339;p2:notes"/>
-          <p:cNvSpPr txBox="1">
-            <a:spLocks noGrp="1"/>
-          </p:cNvSpPr>
-          <p:nvPr>
-            <p:ph type="body" idx="1"/>
-          </p:nvPr>
-        </p:nvSpPr>
-        <p:spPr>
-          <a:xfrm>
-            <a:off x="685800" y="4343400"/>
-            <a:ext cx="5486400" cy="4114800"/>
-          </a:xfrm>
-          <a:prstGeom prst="rect">
-            <a:avLst/>
-          </a:prstGeom>
-          <a:noFill/>
-          <a:ln>
-            <a:noFill/>
-          </a:ln>
-        </p:spPr>
-        <p:txBody>
-          <a:bodyPr spcFirstLastPara="1" wrap="square" lIns="91425" tIns="45700" rIns="91425" bIns="45700" anchor="t" anchorCtr="0">
-            <a:noAutofit/>
-          </a:bodyPr>
-          <a:lstStyle/>
-          <a:p>
-            <a:pPr marL="0" lvl="0" indent="0" algn="l" rtl="0">
-              <a:lnSpc>
-                <a:spcPct val="100000"/>
-              </a:lnSpc>
-              <a:spcBef>
-                <a:spcPts val="0"/>
-              </a:spcBef>
-              <a:spcAft>
-                <a:spcPts val="0"/>
-              </a:spcAft>
-              <a:buSzPts val="1400"/>
-              <a:buNone/>
-            </a:pPr>
-            <a:endParaRPr dirty="0"/>
-          </a:p>
-        </p:txBody>
-      </p:sp>
-      <p:sp>
-        <p:nvSpPr>
-          <p:cNvPr id="340" name="Google Shape;340;p2:notes"/>
-          <p:cNvSpPr>
-            <a:spLocks noGrp="1" noRot="1" noChangeAspect="1"/>
-          </p:cNvSpPr>
-          <p:nvPr>
-            <p:ph type="sldImg" idx="2"/>
-          </p:nvPr>
-        </p:nvSpPr>
-        <p:spPr>
-          <a:xfrm>
-            <a:off x="381000" y="685800"/>
-            <a:ext cx="6096000" cy="3429000"/>
-          </a:xfrm>
-          <a:custGeom>
-            <a:avLst/>
-            <a:gdLst/>
-            <a:ahLst/>
-            <a:cxnLst/>
-            <a:rect l="l" t="t" r="r" b="b"/>
-            <a:pathLst>
-              <a:path w="120000" h="120000" extrusionOk="0">
-                <a:moveTo>
-                  <a:pt x="0" y="0"/>
-                </a:moveTo>
-                <a:lnTo>
-                  <a:pt x="120000" y="0"/>
-                </a:lnTo>
-                <a:lnTo>
-                  <a:pt x="120000" y="120000"/>
-                </a:lnTo>
-                <a:lnTo>
-                  <a:pt x="0" y="120000"/>
-                </a:lnTo>
-                <a:close/>
-              </a:path>
-            </a:pathLst>
-          </a:custGeom>
-          <a:noFill/>
-          <a:ln w="12700" cap="flat" cmpd="sng">
-            <a:solidFill>
-              <a:srgbClr val="000000"/>
-            </a:solidFill>
-            <a:prstDash val="solid"/>
-            <a:round/>
-            <a:headEnd type="none" w="sm" len="sm"/>
-            <a:tailEnd type="none" w="sm" len="sm"/>
-          </a:ln>
-        </p:spPr>
-      </p:sp>
-    </p:spTree>
-    <p:extLst>
-      <p:ext uri="{BB962C8B-B14F-4D97-AF65-F5344CB8AC3E}">
-        <p14:creationId xmlns:p14="http://schemas.microsoft.com/office/powerpoint/2010/main" val="1546711292"/>
-      </p:ext>
-    </p:extLst>
-  </p:cSld>
-  <p:clrMapOvr>
-    <a:masterClrMapping/>
-  </p:clrMapOvr>
-</p:notes>
-</file>
-
-<file path=ppt/notesSlides/notesSlide8.xml><?xml version="1.0" encoding="utf-8"?>
 <p:notes xmlns:a="http://schemas.openxmlformats.org/drawingml/2006/main" xmlns:r="http://schemas.openxmlformats.org/officeDocument/2006/relationships" xmlns:p="http://schemas.openxmlformats.org/presentationml/2006/main">
   <p:cSld>
     <p:spTree>
@@ -4009,7 +3723,7 @@
 </p:notes>
 </file>
 
-<file path=ppt/notesSlides/notesSlide9.xml><?xml version="1.0" encoding="utf-8"?>
+<file path=ppt/notesSlides/notesSlide8.xml><?xml version="1.0" encoding="utf-8"?>
 <p:notes xmlns:a="http://schemas.openxmlformats.org/drawingml/2006/main" xmlns:r="http://schemas.openxmlformats.org/officeDocument/2006/relationships" xmlns:p="http://schemas.openxmlformats.org/presentationml/2006/main" showMasterSp="0" showMasterPhAnim="0">
   <p:cSld>
     <p:spTree>
@@ -4127,6 +3841,165 @@
     <p:extLst>
       <p:ext uri="{BB962C8B-B14F-4D97-AF65-F5344CB8AC3E}">
         <p14:creationId xmlns:p14="http://schemas.microsoft.com/office/powerpoint/2010/main" val="1533306468"/>
+      </p:ext>
+    </p:extLst>
+  </p:cSld>
+  <p:clrMapOvr>
+    <a:masterClrMapping/>
+  </p:clrMapOvr>
+</p:notes>
+</file>
+
+<file path=ppt/notesSlides/notesSlide9.xml><?xml version="1.0" encoding="utf-8"?>
+<p:notes xmlns:a="http://schemas.openxmlformats.org/drawingml/2006/main" xmlns:r="http://schemas.openxmlformats.org/officeDocument/2006/relationships" xmlns:p="http://schemas.openxmlformats.org/presentationml/2006/main" showMasterSp="0" showMasterPhAnim="0">
+  <p:cSld>
+    <p:spTree>
+      <p:nvGrpSpPr>
+        <p:cNvPr id="1" name="Shape 338"/>
+        <p:cNvGrpSpPr/>
+        <p:nvPr/>
+      </p:nvGrpSpPr>
+      <p:grpSpPr>
+        <a:xfrm>
+          <a:off x="0" y="0"/>
+          <a:ext cx="0" cy="0"/>
+          <a:chOff x="0" y="0"/>
+          <a:chExt cx="0" cy="0"/>
+        </a:xfrm>
+      </p:grpSpPr>
+      <p:sp>
+        <p:nvSpPr>
+          <p:cNvPr id="339" name="Google Shape;339;p2:notes"/>
+          <p:cNvSpPr txBox="1">
+            <a:spLocks noGrp="1"/>
+          </p:cNvSpPr>
+          <p:nvPr>
+            <p:ph type="body" idx="1"/>
+          </p:nvPr>
+        </p:nvSpPr>
+        <p:spPr>
+          <a:xfrm>
+            <a:off x="685800" y="4343400"/>
+            <a:ext cx="5486400" cy="4114800"/>
+          </a:xfrm>
+          <a:prstGeom prst="rect">
+            <a:avLst/>
+          </a:prstGeom>
+          <a:noFill/>
+          <a:ln>
+            <a:noFill/>
+          </a:ln>
+        </p:spPr>
+        <p:txBody>
+          <a:bodyPr spcFirstLastPara="1" wrap="square" lIns="91425" tIns="45700" rIns="91425" bIns="45700" anchor="t" anchorCtr="0">
+            <a:noAutofit/>
+          </a:bodyPr>
+          <a:lstStyle/>
+          <a:p>
+            <a:pPr marL="0" lvl="0" indent="0" algn="l" rtl="0">
+              <a:lnSpc>
+                <a:spcPct val="100000"/>
+              </a:lnSpc>
+              <a:spcBef>
+                <a:spcPts val="0"/>
+              </a:spcBef>
+              <a:spcAft>
+                <a:spcPts val="0"/>
+              </a:spcAft>
+              <a:buSzPts val="1400"/>
+              <a:buNone/>
+            </a:pPr>
+            <a:r>
+              <a:rPr lang="en-IN" dirty="0"/>
+              <a:t>Need as follows:</a:t>
+            </a:r>
+            <a:br>
+              <a:rPr lang="en-IN" dirty="0"/>
+            </a:br>
+            <a:r>
+              <a:rPr lang="en-IN" dirty="0"/>
+              <a:t>1. All Modules of Python should be installed</a:t>
+            </a:r>
+            <a:br>
+              <a:rPr lang="en-IN" dirty="0"/>
+            </a:br>
+            <a:r>
+              <a:rPr lang="en-IN" dirty="0"/>
+              <a:t>2. Path of python should be specified</a:t>
+            </a:r>
+            <a:br>
+              <a:rPr lang="en-IN" dirty="0"/>
+            </a:br>
+            <a:r>
+              <a:rPr lang="en-IN" dirty="0"/>
+              <a:t>3. OS 10 is required</a:t>
+            </a:r>
+            <a:br>
+              <a:rPr lang="en-IN" dirty="0"/>
+            </a:br>
+            <a:r>
+              <a:rPr lang="en-IN" dirty="0"/>
+              <a:t>4. Internet access required</a:t>
+            </a:r>
+            <a:endParaRPr dirty="0"/>
+          </a:p>
+        </p:txBody>
+      </p:sp>
+      <p:sp>
+        <p:nvSpPr>
+          <p:cNvPr id="340" name="Google Shape;340;p2:notes"/>
+          <p:cNvSpPr>
+            <a:spLocks noGrp="1" noRot="1" noChangeAspect="1"/>
+          </p:cNvSpPr>
+          <p:nvPr>
+            <p:ph type="sldImg" idx="2"/>
+          </p:nvPr>
+        </p:nvSpPr>
+        <p:spPr>
+          <a:xfrm>
+            <a:off x="381000" y="685800"/>
+            <a:ext cx="6096000" cy="3429000"/>
+          </a:xfrm>
+          <a:custGeom>
+            <a:avLst/>
+            <a:gdLst/>
+            <a:ahLst/>
+            <a:cxnLst/>
+            <a:rect l="l" t="t" r="r" b="b"/>
+            <a:pathLst>
+              <a:path w="120000" h="120000" extrusionOk="0">
+                <a:moveTo>
+                  <a:pt x="0" y="0"/>
+                </a:moveTo>
+                <a:lnTo>
+                  <a:pt x="120000" y="0"/>
+                </a:lnTo>
+                <a:lnTo>
+                  <a:pt x="120000" y="120000"/>
+                </a:lnTo>
+                <a:lnTo>
+                  <a:pt x="0" y="120000"/>
+                </a:lnTo>
+                <a:close/>
+              </a:path>
+            </a:pathLst>
+          </a:custGeom>
+          <a:noFill/>
+          <a:ln w="12700" cap="flat" cmpd="sng">
+            <a:solidFill>
+              <a:srgbClr val="000000"/>
+            </a:solidFill>
+            <a:prstDash val="solid"/>
+            <a:round/>
+            <a:headEnd type="none" w="sm" len="sm"/>
+            <a:tailEnd type="none" w="sm" len="sm"/>
+          </a:ln>
+        </p:spPr>
+      </p:sp>
+    </p:spTree>
+    <p:extLst>
+      <p:ext uri="{BB962C8B-B14F-4D97-AF65-F5344CB8AC3E}">
+        <p14:creationId xmlns:p14="http://schemas.microsoft.com/office/powerpoint/2010/main" val="4117521224"/>
       </p:ext>
     </p:extLst>
   </p:cSld>
@@ -31936,7 +31809,31 @@
                 <a:cs typeface="Times New Roman"/>
                 <a:sym typeface="Times New Roman"/>
               </a:rPr>
-              <a:t>(Odd Semester)</a:t>
+              <a:t>(</a:t>
+            </a:r>
+            <a:r>
+              <a:rPr lang="en-US" sz="2800" b="1" dirty="0">
+                <a:solidFill>
+                  <a:schemeClr val="dk1"/>
+                </a:solidFill>
+                <a:latin typeface="Times New Roman"/>
+                <a:ea typeface="Times New Roman"/>
+                <a:cs typeface="Times New Roman"/>
+                <a:sym typeface="Times New Roman"/>
+              </a:rPr>
+              <a:t>Even</a:t>
+            </a:r>
+            <a:r>
+              <a:rPr lang="en-US" sz="2800" b="1" i="0" u="none" strike="noStrike" cap="none" dirty="0">
+                <a:solidFill>
+                  <a:schemeClr val="dk1"/>
+                </a:solidFill>
+                <a:latin typeface="Times New Roman"/>
+                <a:ea typeface="Times New Roman"/>
+                <a:cs typeface="Times New Roman"/>
+                <a:sym typeface="Times New Roman"/>
+              </a:rPr>
+              <a:t> Semester)</a:t>
             </a:r>
             <a:endParaRPr sz="1400" b="0" i="0" u="none" strike="noStrike" cap="none" dirty="0">
               <a:solidFill>
@@ -38032,7 +37929,7 @@
   <p:cSld>
     <p:spTree>
       <p:nvGrpSpPr>
-        <p:cNvPr id="1" name="Shape 341"/>
+        <p:cNvPr id="1" name=""/>
         <p:cNvGrpSpPr/>
         <p:nvPr/>
       </p:nvGrpSpPr>
@@ -38044,340 +37941,12 @@
           <a:chExt cx="0" cy="0"/>
         </a:xfrm>
       </p:grpSpPr>
-      <p:sp>
-        <p:nvSpPr>
-          <p:cNvPr id="343" name="Google Shape;343;p2"/>
-          <p:cNvSpPr txBox="1">
-            <a:spLocks noGrp="1"/>
-          </p:cNvSpPr>
-          <p:nvPr>
-            <p:ph type="body" idx="1"/>
-          </p:nvPr>
-        </p:nvSpPr>
-        <p:spPr>
-          <a:xfrm>
-            <a:off x="0" y="593745"/>
-            <a:ext cx="8229600" cy="3372406"/>
-          </a:xfrm>
-          <a:prstGeom prst="rect">
-            <a:avLst/>
-          </a:prstGeom>
-          <a:noFill/>
-          <a:ln>
-            <a:noFill/>
-          </a:ln>
-        </p:spPr>
-        <p:txBody>
-          <a:bodyPr spcFirstLastPara="1" wrap="square" lIns="91425" tIns="45700" rIns="91425" bIns="45700" anchor="t" anchorCtr="0">
-            <a:noAutofit/>
-          </a:bodyPr>
-          <a:lstStyle/>
-          <a:p>
-            <a:pPr marL="274320" lvl="0" indent="-274320" algn="l" rtl="0">
-              <a:lnSpc>
-                <a:spcPct val="100000"/>
-              </a:lnSpc>
-              <a:spcBef>
-                <a:spcPts val="240"/>
-              </a:spcBef>
-              <a:spcAft>
-                <a:spcPts val="0"/>
-              </a:spcAft>
-              <a:buSzPts val="1140"/>
-              <a:buChar char="⚫"/>
-            </a:pPr>
-            <a:r>
-              <a:rPr lang="en-US" sz="1600" b="1" dirty="0">
-                <a:latin typeface="Times New Roman" panose="02020603050405020304" pitchFamily="18" charset="0"/>
-                <a:ea typeface="Times New Roman"/>
-                <a:cs typeface="Times New Roman" panose="02020603050405020304" pitchFamily="18" charset="0"/>
-                <a:sym typeface="Times New Roman"/>
-              </a:rPr>
-              <a:t>Literature survey In Tabular Format</a:t>
-            </a:r>
-            <a:endParaRPr sz="1600" dirty="0">
-              <a:latin typeface="Times New Roman" panose="02020603050405020304" pitchFamily="18" charset="0"/>
-              <a:cs typeface="Times New Roman" panose="02020603050405020304" pitchFamily="18" charset="0"/>
-            </a:endParaRPr>
-          </a:p>
-          <a:p>
-            <a:pPr marL="274320" lvl="0" indent="-177800" algn="l" rtl="0">
-              <a:lnSpc>
-                <a:spcPct val="100000"/>
-              </a:lnSpc>
-              <a:spcBef>
-                <a:spcPts val="320"/>
-              </a:spcBef>
-              <a:spcAft>
-                <a:spcPts val="0"/>
-              </a:spcAft>
-              <a:buSzPts val="1520"/>
-              <a:buNone/>
-            </a:pPr>
-            <a:endParaRPr sz="1600" b="1" dirty="0">
-              <a:latin typeface="Times New Roman"/>
-              <a:ea typeface="Times New Roman"/>
-              <a:cs typeface="Times New Roman"/>
-              <a:sym typeface="Times New Roman"/>
-            </a:endParaRPr>
-          </a:p>
-          <a:p>
-            <a:pPr marL="274320" lvl="0" indent="-177800" algn="l" rtl="0">
-              <a:lnSpc>
-                <a:spcPct val="100000"/>
-              </a:lnSpc>
-              <a:spcBef>
-                <a:spcPts val="320"/>
-              </a:spcBef>
-              <a:spcAft>
-                <a:spcPts val="0"/>
-              </a:spcAft>
-              <a:buSzPts val="1520"/>
-              <a:buNone/>
-            </a:pPr>
-            <a:endParaRPr sz="1600" b="1" dirty="0">
-              <a:latin typeface="Times New Roman"/>
-              <a:ea typeface="Times New Roman"/>
-              <a:cs typeface="Times New Roman"/>
-              <a:sym typeface="Times New Roman"/>
-            </a:endParaRPr>
-          </a:p>
-          <a:p>
-            <a:pPr marL="274320" lvl="0" indent="-177800" algn="l" rtl="0">
-              <a:lnSpc>
-                <a:spcPct val="100000"/>
-              </a:lnSpc>
-              <a:spcBef>
-                <a:spcPts val="320"/>
-              </a:spcBef>
-              <a:spcAft>
-                <a:spcPts val="0"/>
-              </a:spcAft>
-              <a:buSzPts val="1520"/>
-              <a:buFont typeface="Arial"/>
-              <a:buNone/>
-            </a:pPr>
-            <a:endParaRPr sz="1600" b="1" dirty="0">
-              <a:latin typeface="Times New Roman"/>
-              <a:ea typeface="Times New Roman"/>
-              <a:cs typeface="Times New Roman"/>
-              <a:sym typeface="Times New Roman"/>
-            </a:endParaRPr>
-          </a:p>
-        </p:txBody>
-      </p:sp>
-      <p:sp>
-        <p:nvSpPr>
-          <p:cNvPr id="9" name="Rectangle 2">
-            <a:extLst>
-              <a:ext uri="{FF2B5EF4-FFF2-40B4-BE49-F238E27FC236}">
-                <a16:creationId xmlns:a16="http://schemas.microsoft.com/office/drawing/2014/main" id="{9C8882B3-D71E-1572-0941-C529B7ECDDA7}"/>
-              </a:ext>
-            </a:extLst>
-          </p:cNvPr>
-          <p:cNvSpPr>
-            <a:spLocks noChangeArrowheads="1"/>
-          </p:cNvSpPr>
-          <p:nvPr/>
-        </p:nvSpPr>
-        <p:spPr bwMode="auto">
-          <a:xfrm>
-            <a:off x="140393" y="1056949"/>
-            <a:ext cx="7709900" cy="646331"/>
-          </a:xfrm>
-          <a:prstGeom prst="rect">
-            <a:avLst/>
-          </a:prstGeom>
-          <a:noFill/>
-          <a:ln>
-            <a:noFill/>
-          </a:ln>
-          <a:effectLst/>
-          <a:extLst>
-            <a:ext uri="{909E8E84-426E-40DD-AFC4-6F175D3DCCD1}">
-              <a14:hiddenFill xmlns:a14="http://schemas.microsoft.com/office/drawing/2010/main">
-                <a:solidFill>
-                  <a:schemeClr val="accent1"/>
-                </a:solidFill>
-              </a14:hiddenFill>
-            </a:ext>
-            <a:ext uri="{91240B29-F687-4F45-9708-019B960494DF}">
-              <a14:hiddenLine xmlns:a14="http://schemas.microsoft.com/office/drawing/2010/main" w="9525">
-                <a:solidFill>
-                  <a:schemeClr val="tx1"/>
-                </a:solidFill>
-                <a:miter lim="800000"/>
-                <a:headEnd/>
-                <a:tailEnd/>
-              </a14:hiddenLine>
-            </a:ext>
-            <a:ext uri="{AF507438-7753-43E0-B8FC-AC1667EBCBE1}">
-              <a14:hiddenEffects xmlns:a14="http://schemas.microsoft.com/office/drawing/2010/main">
-                <a:effectLst>
-                  <a:outerShdw dist="35921" dir="2700000" algn="ctr" rotWithShape="0">
-                    <a:schemeClr val="bg2"/>
-                  </a:outerShdw>
-                </a:effectLst>
-              </a14:hiddenEffects>
-            </a:ext>
-          </a:extLst>
-        </p:spPr>
-        <p:txBody>
-          <a:bodyPr vert="horz" wrap="square" lIns="91440" tIns="45720" rIns="91440" bIns="45720" numCol="1" anchor="ctr" anchorCtr="0" compatLnSpc="1">
-            <a:prstTxWarp prst="textNoShape">
-              <a:avLst/>
-            </a:prstTxWarp>
-            <a:spAutoFit/>
-          </a:bodyPr>
-          <a:lstStyle/>
-          <a:p>
-            <a:pPr marL="0" marR="0" lvl="0" indent="0" algn="l" defTabSz="914400" rtl="0" eaLnBrk="0" fontAlgn="base" latinLnBrk="0" hangingPunct="0">
-              <a:lnSpc>
-                <a:spcPct val="100000"/>
-              </a:lnSpc>
-              <a:spcBef>
-                <a:spcPct val="0"/>
-              </a:spcBef>
-              <a:spcAft>
-                <a:spcPct val="0"/>
-              </a:spcAft>
-              <a:buClrTx/>
-              <a:buSzTx/>
-              <a:buFontTx/>
-              <a:buNone/>
-              <a:tabLst/>
-            </a:pPr>
-            <a:br>
-              <a:rPr kumimoji="0" lang="en-US" altLang="en-US" sz="1800" b="0" i="0" u="none" strike="noStrike" cap="none" normalizeH="0" baseline="0">
-                <a:ln>
-                  <a:noFill/>
-                </a:ln>
-                <a:effectLst/>
-                <a:latin typeface="Arial" panose="020B0604020202020204" pitchFamily="34" charset="0"/>
-              </a:rPr>
-            </a:br>
-            <a:endParaRPr kumimoji="0" lang="en-US" altLang="en-US" sz="1800" b="0" i="0" u="none" strike="noStrike" cap="none" normalizeH="0" baseline="0">
-              <a:ln>
-                <a:noFill/>
-              </a:ln>
-              <a:effectLst/>
-              <a:latin typeface="Arial" panose="020B0604020202020204" pitchFamily="34" charset="0"/>
-            </a:endParaRPr>
-          </a:p>
-        </p:txBody>
-      </p:sp>
-      <p:sp>
-        <p:nvSpPr>
-          <p:cNvPr id="11" name="Rectangle 3">
-            <a:extLst>
-              <a:ext uri="{FF2B5EF4-FFF2-40B4-BE49-F238E27FC236}">
-                <a16:creationId xmlns:a16="http://schemas.microsoft.com/office/drawing/2014/main" id="{E48D397C-D9E6-2B34-D82A-7E92401EBCE5}"/>
-              </a:ext>
-            </a:extLst>
-          </p:cNvPr>
-          <p:cNvSpPr>
-            <a:spLocks noChangeArrowheads="1"/>
-          </p:cNvSpPr>
-          <p:nvPr/>
-        </p:nvSpPr>
-        <p:spPr bwMode="auto">
-          <a:xfrm>
-            <a:off x="4135581" y="1450975"/>
-            <a:ext cx="9144000" cy="0"/>
-          </a:xfrm>
-          <a:prstGeom prst="rect">
-            <a:avLst/>
-          </a:prstGeom>
-          <a:noFill/>
-          <a:ln>
-            <a:noFill/>
-          </a:ln>
-          <a:effectLst/>
-          <a:extLst>
-            <a:ext uri="{909E8E84-426E-40DD-AFC4-6F175D3DCCD1}">
-              <a14:hiddenFill xmlns:a14="http://schemas.microsoft.com/office/drawing/2010/main">
-                <a:solidFill>
-                  <a:schemeClr val="accent1"/>
-                </a:solidFill>
-              </a14:hiddenFill>
-            </a:ext>
-            <a:ext uri="{91240B29-F687-4F45-9708-019B960494DF}">
-              <a14:hiddenLine xmlns:a14="http://schemas.microsoft.com/office/drawing/2010/main" w="9525">
-                <a:solidFill>
-                  <a:schemeClr val="tx1"/>
-                </a:solidFill>
-                <a:miter lim="800000"/>
-                <a:headEnd/>
-                <a:tailEnd/>
-              </a14:hiddenLine>
-            </a:ext>
-            <a:ext uri="{AF507438-7753-43E0-B8FC-AC1667EBCBE1}">
-              <a14:hiddenEffects xmlns:a14="http://schemas.microsoft.com/office/drawing/2010/main">
-                <a:effectLst>
-                  <a:outerShdw dist="35921" dir="2700000" algn="ctr" rotWithShape="0">
-                    <a:schemeClr val="bg2"/>
-                  </a:outerShdw>
-                </a:effectLst>
-              </a14:hiddenEffects>
-            </a:ext>
-          </a:extLst>
-        </p:spPr>
-        <p:txBody>
-          <a:bodyPr vert="horz" wrap="none" lIns="91440" tIns="45720" rIns="91440" bIns="45720" numCol="1" anchor="ctr" anchorCtr="0" compatLnSpc="1">
-            <a:prstTxWarp prst="textNoShape">
-              <a:avLst/>
-            </a:prstTxWarp>
-            <a:spAutoFit/>
-          </a:bodyPr>
-          <a:lstStyle/>
-          <a:p>
-            <a:pPr marL="0" marR="0" lvl="0" indent="0" algn="l" defTabSz="914400" rtl="0" eaLnBrk="0" fontAlgn="base" latinLnBrk="0" hangingPunct="0">
-              <a:lnSpc>
-                <a:spcPct val="100000"/>
-              </a:lnSpc>
-              <a:spcBef>
-                <a:spcPct val="0"/>
-              </a:spcBef>
-              <a:spcAft>
-                <a:spcPct val="0"/>
-              </a:spcAft>
-              <a:buClrTx/>
-              <a:buSzTx/>
-              <a:buFontTx/>
-              <a:buNone/>
-              <a:tabLst/>
-            </a:pPr>
-            <a:br>
-              <a:rPr kumimoji="0" lang="en-US" altLang="en-US" sz="1800" b="0" i="0" u="none" strike="noStrike" cap="none" normalizeH="0" baseline="0">
-                <a:ln>
-                  <a:noFill/>
-                </a:ln>
-                <a:solidFill>
-                  <a:schemeClr val="tx1"/>
-                </a:solidFill>
-                <a:effectLst/>
-                <a:latin typeface="Arial" panose="020B0604020202020204" pitchFamily="34" charset="0"/>
-              </a:rPr>
-            </a:br>
-            <a:endParaRPr kumimoji="0" lang="en-US" altLang="en-US" sz="1800" b="0" i="0" u="none" strike="noStrike" cap="none" normalizeH="0" baseline="0">
-              <a:ln>
-                <a:noFill/>
-              </a:ln>
-              <a:solidFill>
-                <a:schemeClr val="tx1"/>
-              </a:solidFill>
-              <a:effectLst/>
-              <a:latin typeface="Arial" panose="020B0604020202020204" pitchFamily="34" charset="0"/>
-            </a:endParaRPr>
-          </a:p>
-        </p:txBody>
-      </p:sp>
       <p:graphicFrame>
         <p:nvGraphicFramePr>
           <p:cNvPr id="2" name="Table 1">
             <a:extLst>
               <a:ext uri="{FF2B5EF4-FFF2-40B4-BE49-F238E27FC236}">
-                <a16:creationId xmlns:a16="http://schemas.microsoft.com/office/drawing/2014/main" id="{8CA797F8-312C-67B9-6D51-E78647BEAC60}"/>
+                <a16:creationId xmlns:a16="http://schemas.microsoft.com/office/drawing/2014/main" id="{0E08C34F-558F-685D-1D99-430D78655A0F}"/>
               </a:ext>
             </a:extLst>
           </p:cNvPr>
@@ -38387,340 +37956,2019 @@
           <p:nvPr>
             <p:extLst>
               <p:ext uri="{D42A27DB-BD31-4B8C-83A1-F6EECF244321}">
-                <p14:modId xmlns:p14="http://schemas.microsoft.com/office/powerpoint/2010/main" val="2349931278"/>
+                <p14:modId xmlns:p14="http://schemas.microsoft.com/office/powerpoint/2010/main" val="2305597327"/>
               </p:ext>
             </p:extLst>
           </p:nvPr>
         </p:nvGraphicFramePr>
         <p:xfrm>
-          <a:off x="0" y="1177349"/>
-          <a:ext cx="9144000" cy="2255520"/>
+          <a:off x="0" y="1028690"/>
+          <a:ext cx="9144000" cy="3479046"/>
         </p:xfrm>
         <a:graphic>
           <a:graphicData uri="http://schemas.openxmlformats.org/drawingml/2006/table">
             <a:tbl>
-              <a:tblPr firstRow="1" bandRow="1">
-                <a:tableStyleId>{5C22544A-7EE6-4342-B048-85BDC9FD1C3A}</a:tableStyleId>
+              <a:tblPr>
+                <a:tableStyleId>{2D5ABB26-0587-4C30-8999-92F81FD0307C}</a:tableStyleId>
               </a:tblPr>
               <a:tblGrid>
-                <a:gridCol w="1472493">
+                <a:gridCol w="1339200">
                   <a:extLst>
                     <a:ext uri="{9D8B030D-6E8A-4147-A177-3AD203B41FA5}">
-                      <a16:colId xmlns:a16="http://schemas.microsoft.com/office/drawing/2014/main" val="3798498374"/>
+                      <a16:colId xmlns:a16="http://schemas.microsoft.com/office/drawing/2014/main" val="225140826"/>
                     </a:ext>
                   </a:extLst>
                 </a:gridCol>
-                <a:gridCol w="2815027">
+                <a:gridCol w="2239200">
                   <a:extLst>
                     <a:ext uri="{9D8B030D-6E8A-4147-A177-3AD203B41FA5}">
-                      <a16:colId xmlns:a16="http://schemas.microsoft.com/office/drawing/2014/main" val="3241602768"/>
+                      <a16:colId xmlns:a16="http://schemas.microsoft.com/office/drawing/2014/main" val="3898222287"/>
                     </a:ext>
                   </a:extLst>
                 </a:gridCol>
-                <a:gridCol w="4856480">
+                <a:gridCol w="2440800">
                   <a:extLst>
                     <a:ext uri="{9D8B030D-6E8A-4147-A177-3AD203B41FA5}">
-                      <a16:colId xmlns:a16="http://schemas.microsoft.com/office/drawing/2014/main" val="1132994098"/>
+                      <a16:colId xmlns:a16="http://schemas.microsoft.com/office/drawing/2014/main" val="1274896602"/>
+                    </a:ext>
+                  </a:extLst>
+                </a:gridCol>
+                <a:gridCol w="3124800">
+                  <a:extLst>
+                    <a:ext uri="{9D8B030D-6E8A-4147-A177-3AD203B41FA5}">
+                      <a16:colId xmlns:a16="http://schemas.microsoft.com/office/drawing/2014/main" val="3136109874"/>
                     </a:ext>
                   </a:extLst>
                 </a:gridCol>
               </a:tblGrid>
-              <a:tr h="243532">
+              <a:tr h="194336">
                 <a:tc>
                   <a:txBody>
                     <a:bodyPr/>
                     <a:lstStyle/>
                     <a:p>
-                      <a:pPr algn="ctr"/>
+                      <a:pPr algn="ctr" fontAlgn="b"/>
                       <a:r>
-                        <a:rPr lang="en-IN" dirty="0"/>
+                        <a:rPr lang="en-IN" sz="1000" b="1">
+                          <a:effectLst/>
+                        </a:rPr>
                         <a:t>Year</a:t>
                       </a:r>
                     </a:p>
                   </a:txBody>
-                  <a:tcPr/>
+                  <a:tcPr marL="26200" marR="26200" marT="13100" marB="13100" anchor="b">
+                    <a:lnL w="12700" cap="flat" cmpd="sng" algn="ctr">
+                      <a:solidFill>
+                        <a:schemeClr val="tx1"/>
+                      </a:solidFill>
+                      <a:prstDash val="solid"/>
+                      <a:round/>
+                      <a:headEnd type="none" w="med" len="med"/>
+                      <a:tailEnd type="none" w="med" len="med"/>
+                    </a:lnL>
+                    <a:lnR w="12700" cap="flat" cmpd="sng" algn="ctr">
+                      <a:solidFill>
+                        <a:schemeClr val="tx1"/>
+                      </a:solidFill>
+                      <a:prstDash val="solid"/>
+                      <a:round/>
+                      <a:headEnd type="none" w="med" len="med"/>
+                      <a:tailEnd type="none" w="med" len="med"/>
+                    </a:lnR>
+                    <a:lnT w="12700" cap="flat" cmpd="sng" algn="ctr">
+                      <a:solidFill>
+                        <a:schemeClr val="tx1"/>
+                      </a:solidFill>
+                      <a:prstDash val="solid"/>
+                      <a:round/>
+                      <a:headEnd type="none" w="med" len="med"/>
+                      <a:tailEnd type="none" w="med" len="med"/>
+                    </a:lnT>
+                    <a:lnB w="12700" cap="flat" cmpd="sng" algn="ctr">
+                      <a:solidFill>
+                        <a:schemeClr val="tx1"/>
+                      </a:solidFill>
+                      <a:prstDash val="solid"/>
+                      <a:round/>
+                      <a:headEnd type="none" w="med" len="med"/>
+                      <a:tailEnd type="none" w="med" len="med"/>
+                    </a:lnB>
+                  </a:tcPr>
                 </a:tc>
                 <a:tc>
                   <a:txBody>
                     <a:bodyPr/>
                     <a:lstStyle/>
                     <a:p>
-                      <a:pPr algn="ctr"/>
+                      <a:pPr algn="ctr" fontAlgn="b"/>
                       <a:r>
-                        <a:rPr lang="en-IN" dirty="0"/>
-                        <a:t>Associated Person/People</a:t>
+                        <a:rPr lang="en-IN" sz="1000" b="1">
+                          <a:effectLst/>
+                        </a:rPr>
+                        <a:t>Author(s)</a:t>
                       </a:r>
                     </a:p>
                   </a:txBody>
-                  <a:tcPr/>
+                  <a:tcPr marL="26200" marR="26200" marT="13100" marB="13100" anchor="b">
+                    <a:lnL w="12700" cap="flat" cmpd="sng" algn="ctr">
+                      <a:solidFill>
+                        <a:schemeClr val="tx1"/>
+                      </a:solidFill>
+                      <a:prstDash val="solid"/>
+                      <a:round/>
+                      <a:headEnd type="none" w="med" len="med"/>
+                      <a:tailEnd type="none" w="med" len="med"/>
+                    </a:lnL>
+                    <a:lnR w="12700" cap="flat" cmpd="sng" algn="ctr">
+                      <a:solidFill>
+                        <a:schemeClr val="tx1"/>
+                      </a:solidFill>
+                      <a:prstDash val="solid"/>
+                      <a:round/>
+                      <a:headEnd type="none" w="med" len="med"/>
+                      <a:tailEnd type="none" w="med" len="med"/>
+                    </a:lnR>
+                    <a:lnT w="12700" cap="flat" cmpd="sng" algn="ctr">
+                      <a:solidFill>
+                        <a:schemeClr val="tx1"/>
+                      </a:solidFill>
+                      <a:prstDash val="solid"/>
+                      <a:round/>
+                      <a:headEnd type="none" w="med" len="med"/>
+                      <a:tailEnd type="none" w="med" len="med"/>
+                    </a:lnT>
+                    <a:lnB w="12700" cap="flat" cmpd="sng" algn="ctr">
+                      <a:solidFill>
+                        <a:schemeClr val="tx1"/>
+                      </a:solidFill>
+                      <a:prstDash val="solid"/>
+                      <a:round/>
+                      <a:headEnd type="none" w="med" len="med"/>
+                      <a:tailEnd type="none" w="med" len="med"/>
+                    </a:lnB>
+                  </a:tcPr>
                 </a:tc>
                 <a:tc>
                   <a:txBody>
                     <a:bodyPr/>
                     <a:lstStyle/>
                     <a:p>
-                      <a:pPr algn="ctr"/>
+                      <a:pPr algn="ctr" fontAlgn="b"/>
                       <a:r>
-                        <a:rPr lang="en-IN" dirty="0"/>
-                        <a:t>State of the System</a:t>
+                        <a:rPr lang="en-IN" sz="1000" b="1" dirty="0">
+                          <a:effectLst/>
+                        </a:rPr>
+                        <a:t>Title</a:t>
                       </a:r>
                     </a:p>
                   </a:txBody>
-                  <a:tcPr/>
-                </a:tc>
-                <a:extLst>
-                  <a:ext uri="{0D108BD9-81ED-4DB2-BD59-A6C34878D82A}">
-                    <a16:rowId xmlns:a16="http://schemas.microsoft.com/office/drawing/2014/main" val="1030773626"/>
-                  </a:ext>
-                </a:extLst>
-              </a:tr>
-              <a:tr h="226599">
-                <a:tc>
-                  <a:txBody>
-                    <a:bodyPr/>
-                    <a:lstStyle/>
-                    <a:p>
-                      <a:pPr algn="ctr"/>
-                      <a:r>
-                        <a:rPr lang="en-IN" dirty="0"/>
-                        <a:t>1982</a:t>
-                      </a:r>
-                    </a:p>
-                  </a:txBody>
-                  <a:tcPr/>
+                  <a:tcPr marL="26200" marR="26200" marT="13100" marB="13100" anchor="b">
+                    <a:lnL w="12700" cap="flat" cmpd="sng" algn="ctr">
+                      <a:solidFill>
+                        <a:schemeClr val="tx1"/>
+                      </a:solidFill>
+                      <a:prstDash val="solid"/>
+                      <a:round/>
+                      <a:headEnd type="none" w="med" len="med"/>
+                      <a:tailEnd type="none" w="med" len="med"/>
+                    </a:lnL>
+                    <a:lnR w="12700" cap="flat" cmpd="sng" algn="ctr">
+                      <a:solidFill>
+                        <a:schemeClr val="tx1"/>
+                      </a:solidFill>
+                      <a:prstDash val="solid"/>
+                      <a:round/>
+                      <a:headEnd type="none" w="med" len="med"/>
+                      <a:tailEnd type="none" w="med" len="med"/>
+                    </a:lnR>
+                    <a:lnT w="12700" cap="flat" cmpd="sng" algn="ctr">
+                      <a:solidFill>
+                        <a:schemeClr val="tx1"/>
+                      </a:solidFill>
+                      <a:prstDash val="solid"/>
+                      <a:round/>
+                      <a:headEnd type="none" w="med" len="med"/>
+                      <a:tailEnd type="none" w="med" len="med"/>
+                    </a:lnT>
+                    <a:lnB w="12700" cap="flat" cmpd="sng" algn="ctr">
+                      <a:solidFill>
+                        <a:schemeClr val="tx1"/>
+                      </a:solidFill>
+                      <a:prstDash val="solid"/>
+                      <a:round/>
+                      <a:headEnd type="none" w="med" len="med"/>
+                      <a:tailEnd type="none" w="med" len="med"/>
+                    </a:lnB>
+                  </a:tcPr>
                 </a:tc>
                 <a:tc>
                   <a:txBody>
                     <a:bodyPr/>
                     <a:lstStyle/>
                     <a:p>
-                      <a:pPr algn="ctr"/>
+                      <a:pPr algn="ctr" fontAlgn="b"/>
                       <a:r>
-                        <a:rPr lang="en-IN" dirty="0"/>
-                        <a:t>Walker A.J.</a:t>
+                        <a:rPr lang="en-IN" sz="1000" b="1">
+                          <a:effectLst/>
+                        </a:rPr>
+                        <a:t>State of the System</a:t>
                       </a:r>
                     </a:p>
                   </a:txBody>
-                  <a:tcPr/>
+                  <a:tcPr marL="26200" marR="26200" marT="13100" marB="13100" anchor="b">
+                    <a:lnL w="12700" cap="flat" cmpd="sng" algn="ctr">
+                      <a:solidFill>
+                        <a:schemeClr val="tx1"/>
+                      </a:solidFill>
+                      <a:prstDash val="solid"/>
+                      <a:round/>
+                      <a:headEnd type="none" w="med" len="med"/>
+                      <a:tailEnd type="none" w="med" len="med"/>
+                    </a:lnL>
+                    <a:lnR w="12700" cap="flat" cmpd="sng" algn="ctr">
+                      <a:solidFill>
+                        <a:schemeClr val="tx1"/>
+                      </a:solidFill>
+                      <a:prstDash val="solid"/>
+                      <a:round/>
+                      <a:headEnd type="none" w="med" len="med"/>
+                      <a:tailEnd type="none" w="med" len="med"/>
+                    </a:lnR>
+                    <a:lnT w="12700" cap="flat" cmpd="sng" algn="ctr">
+                      <a:solidFill>
+                        <a:schemeClr val="tx1"/>
+                      </a:solidFill>
+                      <a:prstDash val="solid"/>
+                      <a:round/>
+                      <a:headEnd type="none" w="med" len="med"/>
+                      <a:tailEnd type="none" w="med" len="med"/>
+                    </a:lnT>
+                    <a:lnB w="12700" cap="flat" cmpd="sng" algn="ctr">
+                      <a:solidFill>
+                        <a:schemeClr val="tx1"/>
+                      </a:solidFill>
+                      <a:prstDash val="solid"/>
+                      <a:round/>
+                      <a:headEnd type="none" w="med" len="med"/>
+                      <a:tailEnd type="none" w="med" len="med"/>
+                    </a:lnB>
+                  </a:tcPr>
+                </a:tc>
+                <a:extLst>
+                  <a:ext uri="{0D108BD9-81ED-4DB2-BD59-A6C34878D82A}">
+                    <a16:rowId xmlns:a16="http://schemas.microsoft.com/office/drawing/2014/main" val="971920552"/>
+                  </a:ext>
+                </a:extLst>
+              </a:tr>
+              <a:tr h="432991">
+                <a:tc>
+                  <a:txBody>
+                    <a:bodyPr/>
+                    <a:lstStyle/>
+                    <a:p>
+                      <a:pPr algn="ctr" fontAlgn="base"/>
+                      <a:r>
+                        <a:rPr lang="en-IN" sz="1000">
+                          <a:effectLst/>
+                        </a:rPr>
+                        <a:t>1894</a:t>
+                      </a:r>
+                    </a:p>
+                  </a:txBody>
+                  <a:tcPr marL="26200" marR="26200" marT="13100" marB="13100" anchor="ctr">
+                    <a:lnL w="12700" cap="flat" cmpd="sng" algn="ctr">
+                      <a:solidFill>
+                        <a:schemeClr val="tx1"/>
+                      </a:solidFill>
+                      <a:prstDash val="solid"/>
+                      <a:round/>
+                      <a:headEnd type="none" w="med" len="med"/>
+                      <a:tailEnd type="none" w="med" len="med"/>
+                    </a:lnL>
+                    <a:lnR w="12700" cap="flat" cmpd="sng" algn="ctr">
+                      <a:solidFill>
+                        <a:schemeClr val="tx1"/>
+                      </a:solidFill>
+                      <a:prstDash val="solid"/>
+                      <a:round/>
+                      <a:headEnd type="none" w="med" len="med"/>
+                      <a:tailEnd type="none" w="med" len="med"/>
+                    </a:lnR>
+                    <a:lnT w="12700" cap="flat" cmpd="sng" algn="ctr">
+                      <a:solidFill>
+                        <a:schemeClr val="tx1"/>
+                      </a:solidFill>
+                      <a:prstDash val="solid"/>
+                      <a:round/>
+                      <a:headEnd type="none" w="med" len="med"/>
+                      <a:tailEnd type="none" w="med" len="med"/>
+                    </a:lnT>
+                    <a:lnB w="12700" cap="flat" cmpd="sng" algn="ctr">
+                      <a:solidFill>
+                        <a:schemeClr val="tx1"/>
+                      </a:solidFill>
+                      <a:prstDash val="solid"/>
+                      <a:round/>
+                      <a:headEnd type="none" w="med" len="med"/>
+                      <a:tailEnd type="none" w="med" len="med"/>
+                    </a:lnB>
+                  </a:tcPr>
                 </a:tc>
                 <a:tc>
                   <a:txBody>
                     <a:bodyPr/>
                     <a:lstStyle/>
                     <a:p>
-                      <a:pPr algn="ctr"/>
+                      <a:pPr algn="ctr" fontAlgn="base"/>
                       <a:r>
-                        <a:rPr lang="en-IN" dirty="0"/>
-                        <a:t>HRIS development: Project team guide to build effective personnel information system</a:t>
+                        <a:rPr lang="en-IN" sz="1000">
+                          <a:effectLst/>
+                        </a:rPr>
+                        <a:t>Unknown</a:t>
                       </a:r>
                     </a:p>
                   </a:txBody>
-                  <a:tcPr/>
-                </a:tc>
-                <a:extLst>
-                  <a:ext uri="{0D108BD9-81ED-4DB2-BD59-A6C34878D82A}">
-                    <a16:rowId xmlns:a16="http://schemas.microsoft.com/office/drawing/2014/main" val="2284549313"/>
-                  </a:ext>
-                </a:extLst>
-              </a:tr>
-              <a:tr h="199505">
-                <a:tc>
-                  <a:txBody>
-                    <a:bodyPr/>
-                    <a:lstStyle/>
-                    <a:p>
-                      <a:pPr algn="ctr"/>
-                      <a:r>
-                        <a:rPr lang="en-IN" dirty="0"/>
-                        <a:t>1984</a:t>
-                      </a:r>
-                    </a:p>
-                  </a:txBody>
-                  <a:tcPr/>
+                  <a:tcPr marL="26200" marR="26200" marT="13100" marB="13100" anchor="ctr">
+                    <a:lnL w="12700" cap="flat" cmpd="sng" algn="ctr">
+                      <a:solidFill>
+                        <a:schemeClr val="tx1"/>
+                      </a:solidFill>
+                      <a:prstDash val="solid"/>
+                      <a:round/>
+                      <a:headEnd type="none" w="med" len="med"/>
+                      <a:tailEnd type="none" w="med" len="med"/>
+                    </a:lnL>
+                    <a:lnR w="12700" cap="flat" cmpd="sng" algn="ctr">
+                      <a:solidFill>
+                        <a:schemeClr val="tx1"/>
+                      </a:solidFill>
+                      <a:prstDash val="solid"/>
+                      <a:round/>
+                      <a:headEnd type="none" w="med" len="med"/>
+                      <a:tailEnd type="none" w="med" len="med"/>
+                    </a:lnR>
+                    <a:lnT w="12700" cap="flat" cmpd="sng" algn="ctr">
+                      <a:solidFill>
+                        <a:schemeClr val="tx1"/>
+                      </a:solidFill>
+                      <a:prstDash val="solid"/>
+                      <a:round/>
+                      <a:headEnd type="none" w="med" len="med"/>
+                      <a:tailEnd type="none" w="med" len="med"/>
+                    </a:lnT>
+                    <a:lnB w="12700" cap="flat" cmpd="sng" algn="ctr">
+                      <a:solidFill>
+                        <a:schemeClr val="tx1"/>
+                      </a:solidFill>
+                      <a:prstDash val="solid"/>
+                      <a:round/>
+                      <a:headEnd type="none" w="med" len="med"/>
+                      <a:tailEnd type="none" w="med" len="med"/>
+                    </a:lnB>
+                  </a:tcPr>
                 </a:tc>
                 <a:tc>
                   <a:txBody>
                     <a:bodyPr/>
                     <a:lstStyle/>
                     <a:p>
-                      <a:pPr algn="ctr"/>
+                      <a:pPr algn="ctr" fontAlgn="base"/>
                       <a:r>
-                        <a:rPr lang="en-IN" dirty="0"/>
-                        <a:t>Beer et al</a:t>
+                        <a:rPr lang="en-IN" sz="1000">
+                          <a:effectLst/>
+                        </a:rPr>
+                        <a:t>"Origins of Hangman Game"</a:t>
                       </a:r>
                     </a:p>
                   </a:txBody>
-                  <a:tcPr/>
+                  <a:tcPr marL="26200" marR="26200" marT="13100" marB="13100" anchor="ctr">
+                    <a:lnL w="12700" cap="flat" cmpd="sng" algn="ctr">
+                      <a:solidFill>
+                        <a:schemeClr val="tx1"/>
+                      </a:solidFill>
+                      <a:prstDash val="solid"/>
+                      <a:round/>
+                      <a:headEnd type="none" w="med" len="med"/>
+                      <a:tailEnd type="none" w="med" len="med"/>
+                    </a:lnL>
+                    <a:lnR w="12700" cap="flat" cmpd="sng" algn="ctr">
+                      <a:solidFill>
+                        <a:schemeClr val="tx1"/>
+                      </a:solidFill>
+                      <a:prstDash val="solid"/>
+                      <a:round/>
+                      <a:headEnd type="none" w="med" len="med"/>
+                      <a:tailEnd type="none" w="med" len="med"/>
+                    </a:lnR>
+                    <a:lnT w="12700" cap="flat" cmpd="sng" algn="ctr">
+                      <a:solidFill>
+                        <a:schemeClr val="tx1"/>
+                      </a:solidFill>
+                      <a:prstDash val="solid"/>
+                      <a:round/>
+                      <a:headEnd type="none" w="med" len="med"/>
+                      <a:tailEnd type="none" w="med" len="med"/>
+                    </a:lnT>
+                    <a:lnB w="12700" cap="flat" cmpd="sng" algn="ctr">
+                      <a:solidFill>
+                        <a:schemeClr val="tx1"/>
+                      </a:solidFill>
+                      <a:prstDash val="solid"/>
+                      <a:round/>
+                      <a:headEnd type="none" w="med" len="med"/>
+                      <a:tailEnd type="none" w="med" len="med"/>
+                    </a:lnB>
+                  </a:tcPr>
                 </a:tc>
                 <a:tc>
                   <a:txBody>
                     <a:bodyPr/>
                     <a:lstStyle/>
                     <a:p>
-                      <a:pPr algn="ctr"/>
+                      <a:pPr algn="ctr" fontAlgn="base"/>
                       <a:r>
-                        <a:rPr lang="en-IN" dirty="0"/>
-                        <a:t>Defined HRM as those involved in complex decision.</a:t>
+                        <a:rPr lang="en-US" sz="1000">
+                          <a:effectLst/>
+                        </a:rPr>
+                        <a:t>Describes the historical roots of Hangman as a pen-and-paper guessing game.</a:t>
                       </a:r>
                     </a:p>
                   </a:txBody>
-                  <a:tcPr/>
+                  <a:tcPr marL="26200" marR="26200" marT="13100" marB="13100" anchor="ctr">
+                    <a:lnL w="12700" cap="flat" cmpd="sng" algn="ctr">
+                      <a:solidFill>
+                        <a:schemeClr val="tx1"/>
+                      </a:solidFill>
+                      <a:prstDash val="solid"/>
+                      <a:round/>
+                      <a:headEnd type="none" w="med" len="med"/>
+                      <a:tailEnd type="none" w="med" len="med"/>
+                    </a:lnL>
+                    <a:lnR w="12700" cap="flat" cmpd="sng" algn="ctr">
+                      <a:solidFill>
+                        <a:schemeClr val="tx1"/>
+                      </a:solidFill>
+                      <a:prstDash val="solid"/>
+                      <a:round/>
+                      <a:headEnd type="none" w="med" len="med"/>
+                      <a:tailEnd type="none" w="med" len="med"/>
+                    </a:lnR>
+                    <a:lnT w="12700" cap="flat" cmpd="sng" algn="ctr">
+                      <a:solidFill>
+                        <a:schemeClr val="tx1"/>
+                      </a:solidFill>
+                      <a:prstDash val="solid"/>
+                      <a:round/>
+                      <a:headEnd type="none" w="med" len="med"/>
+                      <a:tailEnd type="none" w="med" len="med"/>
+                    </a:lnT>
+                    <a:lnB w="12700" cap="flat" cmpd="sng" algn="ctr">
+                      <a:solidFill>
+                        <a:schemeClr val="tx1"/>
+                      </a:solidFill>
+                      <a:prstDash val="solid"/>
+                      <a:round/>
+                      <a:headEnd type="none" w="med" len="med"/>
+                      <a:tailEnd type="none" w="med" len="med"/>
+                    </a:lnB>
+                  </a:tcPr>
                 </a:tc>
                 <a:extLst>
                   <a:ext uri="{0D108BD9-81ED-4DB2-BD59-A6C34878D82A}">
-                    <a16:rowId xmlns:a16="http://schemas.microsoft.com/office/drawing/2014/main" val="2230137421"/>
+                    <a16:rowId xmlns:a16="http://schemas.microsoft.com/office/drawing/2014/main" val="3198636850"/>
                   </a:ext>
                 </a:extLst>
               </a:tr>
-              <a:tr h="246919">
+              <a:tr h="360164">
                 <a:tc>
                   <a:txBody>
                     <a:bodyPr/>
                     <a:lstStyle/>
                     <a:p>
-                      <a:pPr algn="ctr"/>
+                      <a:pPr algn="ctr" fontAlgn="base"/>
                       <a:r>
-                        <a:rPr lang="en-IN" dirty="0"/>
-                        <a:t>1999</a:t>
+                        <a:rPr lang="en-IN" sz="1000">
+                          <a:effectLst/>
+                        </a:rPr>
+                        <a:t>1930</a:t>
                       </a:r>
                     </a:p>
                   </a:txBody>
-                  <a:tcPr/>
+                  <a:tcPr marL="26200" marR="26200" marT="13100" marB="13100" anchor="ctr">
+                    <a:lnL w="12700" cap="flat" cmpd="sng" algn="ctr">
+                      <a:solidFill>
+                        <a:schemeClr val="tx1"/>
+                      </a:solidFill>
+                      <a:prstDash val="solid"/>
+                      <a:round/>
+                      <a:headEnd type="none" w="med" len="med"/>
+                      <a:tailEnd type="none" w="med" len="med"/>
+                    </a:lnL>
+                    <a:lnR w="12700" cap="flat" cmpd="sng" algn="ctr">
+                      <a:solidFill>
+                        <a:schemeClr val="tx1"/>
+                      </a:solidFill>
+                      <a:prstDash val="solid"/>
+                      <a:round/>
+                      <a:headEnd type="none" w="med" len="med"/>
+                      <a:tailEnd type="none" w="med" len="med"/>
+                    </a:lnR>
+                    <a:lnT w="12700" cap="flat" cmpd="sng" algn="ctr">
+                      <a:solidFill>
+                        <a:schemeClr val="tx1"/>
+                      </a:solidFill>
+                      <a:prstDash val="solid"/>
+                      <a:round/>
+                      <a:headEnd type="none" w="med" len="med"/>
+                      <a:tailEnd type="none" w="med" len="med"/>
+                    </a:lnT>
+                    <a:lnB w="12700" cap="flat" cmpd="sng" algn="ctr">
+                      <a:solidFill>
+                        <a:schemeClr val="tx1"/>
+                      </a:solidFill>
+                      <a:prstDash val="solid"/>
+                      <a:round/>
+                      <a:headEnd type="none" w="med" len="med"/>
+                      <a:tailEnd type="none" w="med" len="med"/>
+                    </a:lnB>
+                  </a:tcPr>
                 </a:tc>
                 <a:tc>
                   <a:txBody>
                     <a:bodyPr/>
                     <a:lstStyle/>
                     <a:p>
-                      <a:pPr algn="ctr"/>
+                      <a:pPr algn="ctr" fontAlgn="base"/>
                       <a:r>
-                        <a:rPr lang="en-IN" dirty="0"/>
-                        <a:t>Robert b.</a:t>
+                        <a:rPr lang="en-IN" sz="1000">
+                          <a:effectLst/>
+                        </a:rPr>
+                        <a:t>Edgar Bergen</a:t>
                       </a:r>
                     </a:p>
                   </a:txBody>
-                  <a:tcPr/>
+                  <a:tcPr marL="26200" marR="26200" marT="13100" marB="13100" anchor="ctr">
+                    <a:lnL w="12700" cap="flat" cmpd="sng" algn="ctr">
+                      <a:solidFill>
+                        <a:schemeClr val="tx1"/>
+                      </a:solidFill>
+                      <a:prstDash val="solid"/>
+                      <a:round/>
+                      <a:headEnd type="none" w="med" len="med"/>
+                      <a:tailEnd type="none" w="med" len="med"/>
+                    </a:lnL>
+                    <a:lnR w="12700" cap="flat" cmpd="sng" algn="ctr">
+                      <a:solidFill>
+                        <a:schemeClr val="tx1"/>
+                      </a:solidFill>
+                      <a:prstDash val="solid"/>
+                      <a:round/>
+                      <a:headEnd type="none" w="med" len="med"/>
+                      <a:tailEnd type="none" w="med" len="med"/>
+                    </a:lnR>
+                    <a:lnT w="12700" cap="flat" cmpd="sng" algn="ctr">
+                      <a:solidFill>
+                        <a:schemeClr val="tx1"/>
+                      </a:solidFill>
+                      <a:prstDash val="solid"/>
+                      <a:round/>
+                      <a:headEnd type="none" w="med" len="med"/>
+                      <a:tailEnd type="none" w="med" len="med"/>
+                    </a:lnT>
+                    <a:lnB w="12700" cap="flat" cmpd="sng" algn="ctr">
+                      <a:solidFill>
+                        <a:schemeClr val="tx1"/>
+                      </a:solidFill>
+                      <a:prstDash val="solid"/>
+                      <a:round/>
+                      <a:headEnd type="none" w="med" len="med"/>
+                      <a:tailEnd type="none" w="med" len="med"/>
+                    </a:lnB>
+                  </a:tcPr>
                 </a:tc>
                 <a:tc>
                   <a:txBody>
                     <a:bodyPr/>
                     <a:lstStyle/>
                     <a:p>
-                      <a:pPr algn="ctr"/>
+                      <a:pPr algn="ctr" fontAlgn="base"/>
                       <a:r>
-                        <a:rPr lang="en-IN" dirty="0"/>
-                        <a:t>Calculating return on investment on HR</a:t>
+                        <a:rPr lang="en-IN" sz="1000" dirty="0">
+                          <a:effectLst/>
+                        </a:rPr>
+                        <a:t>"Popularization of Hangman"</a:t>
                       </a:r>
                     </a:p>
                   </a:txBody>
-                  <a:tcPr/>
-                </a:tc>
-                <a:extLst>
-                  <a:ext uri="{0D108BD9-81ED-4DB2-BD59-A6C34878D82A}">
-                    <a16:rowId xmlns:a16="http://schemas.microsoft.com/office/drawing/2014/main" val="1932421153"/>
-                  </a:ext>
-                </a:extLst>
-              </a:tr>
-              <a:tr h="0">
-                <a:tc>
-                  <a:txBody>
-                    <a:bodyPr/>
-                    <a:lstStyle/>
-                    <a:p>
-                      <a:pPr algn="ctr"/>
-                      <a:r>
-                        <a:rPr lang="en-IN" dirty="0"/>
-                        <a:t>2005</a:t>
-                      </a:r>
-                    </a:p>
-                  </a:txBody>
-                  <a:tcPr/>
+                  <a:tcPr marL="26200" marR="26200" marT="13100" marB="13100" anchor="ctr">
+                    <a:lnL w="12700" cap="flat" cmpd="sng" algn="ctr">
+                      <a:solidFill>
+                        <a:schemeClr val="tx1"/>
+                      </a:solidFill>
+                      <a:prstDash val="solid"/>
+                      <a:round/>
+                      <a:headEnd type="none" w="med" len="med"/>
+                      <a:tailEnd type="none" w="med" len="med"/>
+                    </a:lnL>
+                    <a:lnR w="12700" cap="flat" cmpd="sng" algn="ctr">
+                      <a:solidFill>
+                        <a:schemeClr val="tx1"/>
+                      </a:solidFill>
+                      <a:prstDash val="solid"/>
+                      <a:round/>
+                      <a:headEnd type="none" w="med" len="med"/>
+                      <a:tailEnd type="none" w="med" len="med"/>
+                    </a:lnR>
+                    <a:lnT w="12700" cap="flat" cmpd="sng" algn="ctr">
+                      <a:solidFill>
+                        <a:schemeClr val="tx1"/>
+                      </a:solidFill>
+                      <a:prstDash val="solid"/>
+                      <a:round/>
+                      <a:headEnd type="none" w="med" len="med"/>
+                      <a:tailEnd type="none" w="med" len="med"/>
+                    </a:lnT>
+                    <a:lnB w="12700" cap="flat" cmpd="sng" algn="ctr">
+                      <a:solidFill>
+                        <a:schemeClr val="tx1"/>
+                      </a:solidFill>
+                      <a:prstDash val="solid"/>
+                      <a:round/>
+                      <a:headEnd type="none" w="med" len="med"/>
+                      <a:tailEnd type="none" w="med" len="med"/>
+                    </a:lnB>
+                  </a:tcPr>
                 </a:tc>
                 <a:tc>
                   <a:txBody>
                     <a:bodyPr/>
                     <a:lstStyle/>
                     <a:p>
-                      <a:pPr algn="ctr"/>
+                      <a:pPr algn="ctr" fontAlgn="base"/>
                       <a:r>
-                        <a:rPr lang="en-IN" dirty="0" err="1"/>
-                        <a:t>Hufelid</a:t>
-                      </a:r>
-                      <a:r>
-                        <a:rPr lang="en-IN" dirty="0"/>
-                        <a:t>, M.A</a:t>
+                        <a:rPr lang="en-US" sz="1000">
+                          <a:effectLst/>
+                        </a:rPr>
+                        <a:t>Mentions Hangman's rise in popularity as a leisure activity.</a:t>
                       </a:r>
                     </a:p>
                   </a:txBody>
-                  <a:tcPr/>
+                  <a:tcPr marL="26200" marR="26200" marT="13100" marB="13100" anchor="ctr">
+                    <a:lnL w="12700" cap="flat" cmpd="sng" algn="ctr">
+                      <a:solidFill>
+                        <a:schemeClr val="tx1"/>
+                      </a:solidFill>
+                      <a:prstDash val="solid"/>
+                      <a:round/>
+                      <a:headEnd type="none" w="med" len="med"/>
+                      <a:tailEnd type="none" w="med" len="med"/>
+                    </a:lnL>
+                    <a:lnR w="12700" cap="flat" cmpd="sng" algn="ctr">
+                      <a:solidFill>
+                        <a:schemeClr val="tx1"/>
+                      </a:solidFill>
+                      <a:prstDash val="solid"/>
+                      <a:round/>
+                      <a:headEnd type="none" w="med" len="med"/>
+                      <a:tailEnd type="none" w="med" len="med"/>
+                    </a:lnR>
+                    <a:lnT w="12700" cap="flat" cmpd="sng" algn="ctr">
+                      <a:solidFill>
+                        <a:schemeClr val="tx1"/>
+                      </a:solidFill>
+                      <a:prstDash val="solid"/>
+                      <a:round/>
+                      <a:headEnd type="none" w="med" len="med"/>
+                      <a:tailEnd type="none" w="med" len="med"/>
+                    </a:lnT>
+                    <a:lnB w="12700" cap="flat" cmpd="sng" algn="ctr">
+                      <a:solidFill>
+                        <a:schemeClr val="tx1"/>
+                      </a:solidFill>
+                      <a:prstDash val="solid"/>
+                      <a:round/>
+                      <a:headEnd type="none" w="med" len="med"/>
+                      <a:tailEnd type="none" w="med" len="med"/>
+                    </a:lnB>
+                  </a:tcPr>
+                </a:tc>
+                <a:extLst>
+                  <a:ext uri="{0D108BD9-81ED-4DB2-BD59-A6C34878D82A}">
+                    <a16:rowId xmlns:a16="http://schemas.microsoft.com/office/drawing/2014/main" val="3092702913"/>
+                  </a:ext>
+                </a:extLst>
+              </a:tr>
+              <a:tr h="432991">
+                <a:tc>
+                  <a:txBody>
+                    <a:bodyPr/>
+                    <a:lstStyle/>
+                    <a:p>
+                      <a:pPr algn="ctr" fontAlgn="base"/>
+                      <a:r>
+                        <a:rPr lang="en-IN" sz="1000">
+                          <a:effectLst/>
+                        </a:rPr>
+                        <a:t>1960</a:t>
+                      </a:r>
+                    </a:p>
+                  </a:txBody>
+                  <a:tcPr marL="26200" marR="26200" marT="13100" marB="13100" anchor="ctr">
+                    <a:lnL w="12700" cap="flat" cmpd="sng" algn="ctr">
+                      <a:solidFill>
+                        <a:schemeClr val="tx1"/>
+                      </a:solidFill>
+                      <a:prstDash val="solid"/>
+                      <a:round/>
+                      <a:headEnd type="none" w="med" len="med"/>
+                      <a:tailEnd type="none" w="med" len="med"/>
+                    </a:lnL>
+                    <a:lnR w="12700" cap="flat" cmpd="sng" algn="ctr">
+                      <a:solidFill>
+                        <a:schemeClr val="tx1"/>
+                      </a:solidFill>
+                      <a:prstDash val="solid"/>
+                      <a:round/>
+                      <a:headEnd type="none" w="med" len="med"/>
+                      <a:tailEnd type="none" w="med" len="med"/>
+                    </a:lnR>
+                    <a:lnT w="12700" cap="flat" cmpd="sng" algn="ctr">
+                      <a:solidFill>
+                        <a:schemeClr val="tx1"/>
+                      </a:solidFill>
+                      <a:prstDash val="solid"/>
+                      <a:round/>
+                      <a:headEnd type="none" w="med" len="med"/>
+                      <a:tailEnd type="none" w="med" len="med"/>
+                    </a:lnT>
+                    <a:lnB w="12700" cap="flat" cmpd="sng" algn="ctr">
+                      <a:solidFill>
+                        <a:schemeClr val="tx1"/>
+                      </a:solidFill>
+                      <a:prstDash val="solid"/>
+                      <a:round/>
+                      <a:headEnd type="none" w="med" len="med"/>
+                      <a:tailEnd type="none" w="med" len="med"/>
+                    </a:lnB>
+                  </a:tcPr>
                 </a:tc>
                 <a:tc>
                   <a:txBody>
                     <a:bodyPr/>
                     <a:lstStyle/>
                     <a:p>
-                      <a:pPr algn="ctr"/>
+                      <a:pPr algn="ctr" fontAlgn="base"/>
                       <a:r>
-                        <a:rPr lang="en-IN" dirty="0"/>
-                        <a:t>Becker work force of cord card management Human capital to execute strategy</a:t>
+                        <a:rPr lang="en-IN" sz="1000" dirty="0">
+                          <a:effectLst/>
+                        </a:rPr>
+                        <a:t>William A. Fay</a:t>
                       </a:r>
                     </a:p>
                   </a:txBody>
-                  <a:tcPr/>
-                </a:tc>
-                <a:extLst>
-                  <a:ext uri="{0D108BD9-81ED-4DB2-BD59-A6C34878D82A}">
-                    <a16:rowId xmlns:a16="http://schemas.microsoft.com/office/drawing/2014/main" val="605145014"/>
-                  </a:ext>
-                </a:extLst>
-              </a:tr>
-              <a:tr h="123311">
-                <a:tc>
-                  <a:txBody>
-                    <a:bodyPr/>
-                    <a:lstStyle/>
-                    <a:p>
-                      <a:pPr algn="ctr"/>
-                      <a:r>
-                        <a:rPr lang="en-IN" dirty="0"/>
-                        <a:t>2006</a:t>
-                      </a:r>
-                    </a:p>
-                  </a:txBody>
-                  <a:tcPr/>
+                  <a:tcPr marL="26200" marR="26200" marT="13100" marB="13100" anchor="ctr">
+                    <a:lnL w="12700" cap="flat" cmpd="sng" algn="ctr">
+                      <a:solidFill>
+                        <a:schemeClr val="tx1"/>
+                      </a:solidFill>
+                      <a:prstDash val="solid"/>
+                      <a:round/>
+                      <a:headEnd type="none" w="med" len="med"/>
+                      <a:tailEnd type="none" w="med" len="med"/>
+                    </a:lnL>
+                    <a:lnR w="12700" cap="flat" cmpd="sng" algn="ctr">
+                      <a:solidFill>
+                        <a:schemeClr val="tx1"/>
+                      </a:solidFill>
+                      <a:prstDash val="solid"/>
+                      <a:round/>
+                      <a:headEnd type="none" w="med" len="med"/>
+                      <a:tailEnd type="none" w="med" len="med"/>
+                    </a:lnR>
+                    <a:lnT w="12700" cap="flat" cmpd="sng" algn="ctr">
+                      <a:solidFill>
+                        <a:schemeClr val="tx1"/>
+                      </a:solidFill>
+                      <a:prstDash val="solid"/>
+                      <a:round/>
+                      <a:headEnd type="none" w="med" len="med"/>
+                      <a:tailEnd type="none" w="med" len="med"/>
+                    </a:lnT>
+                    <a:lnB w="12700" cap="flat" cmpd="sng" algn="ctr">
+                      <a:solidFill>
+                        <a:schemeClr val="tx1"/>
+                      </a:solidFill>
+                      <a:prstDash val="solid"/>
+                      <a:round/>
+                      <a:headEnd type="none" w="med" len="med"/>
+                      <a:tailEnd type="none" w="med" len="med"/>
+                    </a:lnB>
+                  </a:tcPr>
                 </a:tc>
                 <a:tc>
                   <a:txBody>
                     <a:bodyPr/>
                     <a:lstStyle/>
                     <a:p>
-                      <a:pPr algn="ctr"/>
+                      <a:pPr algn="ctr" fontAlgn="base"/>
                       <a:r>
-                        <a:rPr lang="en-IN" dirty="0" err="1"/>
-                        <a:t>Behuselid</a:t>
+                        <a:rPr lang="en-IN" sz="1000">
+                          <a:effectLst/>
+                        </a:rPr>
+                        <a:t>"Hangman in Print"</a:t>
                       </a:r>
-                      <a:endParaRPr lang="en-IN" dirty="0"/>
                     </a:p>
                   </a:txBody>
-                  <a:tcPr/>
+                  <a:tcPr marL="26200" marR="26200" marT="13100" marB="13100" anchor="ctr">
+                    <a:lnL w="12700" cap="flat" cmpd="sng" algn="ctr">
+                      <a:solidFill>
+                        <a:schemeClr val="tx1"/>
+                      </a:solidFill>
+                      <a:prstDash val="solid"/>
+                      <a:round/>
+                      <a:headEnd type="none" w="med" len="med"/>
+                      <a:tailEnd type="none" w="med" len="med"/>
+                    </a:lnL>
+                    <a:lnR w="12700" cap="flat" cmpd="sng" algn="ctr">
+                      <a:solidFill>
+                        <a:schemeClr val="tx1"/>
+                      </a:solidFill>
+                      <a:prstDash val="solid"/>
+                      <a:round/>
+                      <a:headEnd type="none" w="med" len="med"/>
+                      <a:tailEnd type="none" w="med" len="med"/>
+                    </a:lnR>
+                    <a:lnT w="12700" cap="flat" cmpd="sng" algn="ctr">
+                      <a:solidFill>
+                        <a:schemeClr val="tx1"/>
+                      </a:solidFill>
+                      <a:prstDash val="solid"/>
+                      <a:round/>
+                      <a:headEnd type="none" w="med" len="med"/>
+                      <a:tailEnd type="none" w="med" len="med"/>
+                    </a:lnT>
+                    <a:lnB w="12700" cap="flat" cmpd="sng" algn="ctr">
+                      <a:solidFill>
+                        <a:schemeClr val="tx1"/>
+                      </a:solidFill>
+                      <a:prstDash val="solid"/>
+                      <a:round/>
+                      <a:headEnd type="none" w="med" len="med"/>
+                      <a:tailEnd type="none" w="med" len="med"/>
+                    </a:lnB>
+                  </a:tcPr>
                 </a:tc>
                 <a:tc>
                   <a:txBody>
                     <a:bodyPr/>
                     <a:lstStyle/>
                     <a:p>
-                      <a:pPr algn="ctr"/>
+                      <a:pPr algn="ctr" fontAlgn="base"/>
                       <a:r>
-                        <a:rPr lang="en-IN" dirty="0"/>
-                        <a:t>Strategic HR management, from journal of management</a:t>
+                        <a:rPr lang="en-US" sz="1000">
+                          <a:effectLst/>
+                        </a:rPr>
+                        <a:t>Hangman becomes a common feature in newspapers and puzzle books.</a:t>
                       </a:r>
                     </a:p>
                   </a:txBody>
-                  <a:tcPr/>
+                  <a:tcPr marL="26200" marR="26200" marT="13100" marB="13100" anchor="ctr">
+                    <a:lnL w="12700" cap="flat" cmpd="sng" algn="ctr">
+                      <a:solidFill>
+                        <a:schemeClr val="tx1"/>
+                      </a:solidFill>
+                      <a:prstDash val="solid"/>
+                      <a:round/>
+                      <a:headEnd type="none" w="med" len="med"/>
+                      <a:tailEnd type="none" w="med" len="med"/>
+                    </a:lnL>
+                    <a:lnR w="12700" cap="flat" cmpd="sng" algn="ctr">
+                      <a:solidFill>
+                        <a:schemeClr val="tx1"/>
+                      </a:solidFill>
+                      <a:prstDash val="solid"/>
+                      <a:round/>
+                      <a:headEnd type="none" w="med" len="med"/>
+                      <a:tailEnd type="none" w="med" len="med"/>
+                    </a:lnR>
+                    <a:lnT w="12700" cap="flat" cmpd="sng" algn="ctr">
+                      <a:solidFill>
+                        <a:schemeClr val="tx1"/>
+                      </a:solidFill>
+                      <a:prstDash val="solid"/>
+                      <a:round/>
+                      <a:headEnd type="none" w="med" len="med"/>
+                      <a:tailEnd type="none" w="med" len="med"/>
+                    </a:lnT>
+                    <a:lnB w="12700" cap="flat" cmpd="sng" algn="ctr">
+                      <a:solidFill>
+                        <a:schemeClr val="tx1"/>
+                      </a:solidFill>
+                      <a:prstDash val="solid"/>
+                      <a:round/>
+                      <a:headEnd type="none" w="med" len="med"/>
+                      <a:tailEnd type="none" w="med" len="med"/>
+                    </a:lnB>
+                  </a:tcPr>
                 </a:tc>
                 <a:extLst>
                   <a:ext uri="{0D108BD9-81ED-4DB2-BD59-A6C34878D82A}">
-                    <a16:rowId xmlns:a16="http://schemas.microsoft.com/office/drawing/2014/main" val="4157960921"/>
+                    <a16:rowId xmlns:a16="http://schemas.microsoft.com/office/drawing/2014/main" val="228832913"/>
+                  </a:ext>
+                </a:extLst>
+              </a:tr>
+              <a:tr h="432340">
+                <a:tc>
+                  <a:txBody>
+                    <a:bodyPr/>
+                    <a:lstStyle/>
+                    <a:p>
+                      <a:pPr algn="ctr" fontAlgn="base"/>
+                      <a:r>
+                        <a:rPr lang="en-IN" sz="1000">
+                          <a:effectLst/>
+                        </a:rPr>
+                        <a:t>1975</a:t>
+                      </a:r>
+                    </a:p>
+                  </a:txBody>
+                  <a:tcPr marL="26200" marR="26200" marT="13100" marB="13100" anchor="ctr">
+                    <a:lnL w="12700" cap="flat" cmpd="sng" algn="ctr">
+                      <a:solidFill>
+                        <a:schemeClr val="tx1"/>
+                      </a:solidFill>
+                      <a:prstDash val="solid"/>
+                      <a:round/>
+                      <a:headEnd type="none" w="med" len="med"/>
+                      <a:tailEnd type="none" w="med" len="med"/>
+                    </a:lnL>
+                    <a:lnR w="12700" cap="flat" cmpd="sng" algn="ctr">
+                      <a:solidFill>
+                        <a:schemeClr val="tx1"/>
+                      </a:solidFill>
+                      <a:prstDash val="solid"/>
+                      <a:round/>
+                      <a:headEnd type="none" w="med" len="med"/>
+                      <a:tailEnd type="none" w="med" len="med"/>
+                    </a:lnR>
+                    <a:lnT w="12700" cap="flat" cmpd="sng" algn="ctr">
+                      <a:solidFill>
+                        <a:schemeClr val="tx1"/>
+                      </a:solidFill>
+                      <a:prstDash val="solid"/>
+                      <a:round/>
+                      <a:headEnd type="none" w="med" len="med"/>
+                      <a:tailEnd type="none" w="med" len="med"/>
+                    </a:lnT>
+                    <a:lnB w="12700" cap="flat" cmpd="sng" algn="ctr">
+                      <a:solidFill>
+                        <a:schemeClr val="tx1"/>
+                      </a:solidFill>
+                      <a:prstDash val="solid"/>
+                      <a:round/>
+                      <a:headEnd type="none" w="med" len="med"/>
+                      <a:tailEnd type="none" w="med" len="med"/>
+                    </a:lnB>
+                  </a:tcPr>
+                </a:tc>
+                <a:tc>
+                  <a:txBody>
+                    <a:bodyPr/>
+                    <a:lstStyle/>
+                    <a:p>
+                      <a:pPr algn="ctr" fontAlgn="base"/>
+                      <a:r>
+                        <a:rPr lang="en-IN" sz="1000">
+                          <a:effectLst/>
+                        </a:rPr>
+                        <a:t>Unknown</a:t>
+                      </a:r>
+                    </a:p>
+                  </a:txBody>
+                  <a:tcPr marL="26200" marR="26200" marT="13100" marB="13100" anchor="ctr">
+                    <a:lnL w="12700" cap="flat" cmpd="sng" algn="ctr">
+                      <a:solidFill>
+                        <a:schemeClr val="tx1"/>
+                      </a:solidFill>
+                      <a:prstDash val="solid"/>
+                      <a:round/>
+                      <a:headEnd type="none" w="med" len="med"/>
+                      <a:tailEnd type="none" w="med" len="med"/>
+                    </a:lnL>
+                    <a:lnR w="12700" cap="flat" cmpd="sng" algn="ctr">
+                      <a:solidFill>
+                        <a:schemeClr val="tx1"/>
+                      </a:solidFill>
+                      <a:prstDash val="solid"/>
+                      <a:round/>
+                      <a:headEnd type="none" w="med" len="med"/>
+                      <a:tailEnd type="none" w="med" len="med"/>
+                    </a:lnR>
+                    <a:lnT w="12700" cap="flat" cmpd="sng" algn="ctr">
+                      <a:solidFill>
+                        <a:schemeClr val="tx1"/>
+                      </a:solidFill>
+                      <a:prstDash val="solid"/>
+                      <a:round/>
+                      <a:headEnd type="none" w="med" len="med"/>
+                      <a:tailEnd type="none" w="med" len="med"/>
+                    </a:lnT>
+                    <a:lnB w="12700" cap="flat" cmpd="sng" algn="ctr">
+                      <a:solidFill>
+                        <a:schemeClr val="tx1"/>
+                      </a:solidFill>
+                      <a:prstDash val="solid"/>
+                      <a:round/>
+                      <a:headEnd type="none" w="med" len="med"/>
+                      <a:tailEnd type="none" w="med" len="med"/>
+                    </a:lnB>
+                  </a:tcPr>
+                </a:tc>
+                <a:tc>
+                  <a:txBody>
+                    <a:bodyPr/>
+                    <a:lstStyle/>
+                    <a:p>
+                      <a:pPr algn="ctr" fontAlgn="base"/>
+                      <a:r>
+                        <a:rPr lang="en-US" sz="1000">
+                          <a:effectLst/>
+                        </a:rPr>
+                        <a:t>"Hangman: A Classic Word Game"</a:t>
+                      </a:r>
+                    </a:p>
+                  </a:txBody>
+                  <a:tcPr marL="26200" marR="26200" marT="13100" marB="13100" anchor="ctr">
+                    <a:lnL w="12700" cap="flat" cmpd="sng" algn="ctr">
+                      <a:solidFill>
+                        <a:schemeClr val="tx1"/>
+                      </a:solidFill>
+                      <a:prstDash val="solid"/>
+                      <a:round/>
+                      <a:headEnd type="none" w="med" len="med"/>
+                      <a:tailEnd type="none" w="med" len="med"/>
+                    </a:lnL>
+                    <a:lnR w="12700" cap="flat" cmpd="sng" algn="ctr">
+                      <a:solidFill>
+                        <a:schemeClr val="tx1"/>
+                      </a:solidFill>
+                      <a:prstDash val="solid"/>
+                      <a:round/>
+                      <a:headEnd type="none" w="med" len="med"/>
+                      <a:tailEnd type="none" w="med" len="med"/>
+                    </a:lnR>
+                    <a:lnT w="12700" cap="flat" cmpd="sng" algn="ctr">
+                      <a:solidFill>
+                        <a:schemeClr val="tx1"/>
+                      </a:solidFill>
+                      <a:prstDash val="solid"/>
+                      <a:round/>
+                      <a:headEnd type="none" w="med" len="med"/>
+                      <a:tailEnd type="none" w="med" len="med"/>
+                    </a:lnT>
+                    <a:lnB w="12700" cap="flat" cmpd="sng" algn="ctr">
+                      <a:solidFill>
+                        <a:schemeClr val="tx1"/>
+                      </a:solidFill>
+                      <a:prstDash val="solid"/>
+                      <a:round/>
+                      <a:headEnd type="none" w="med" len="med"/>
+                      <a:tailEnd type="none" w="med" len="med"/>
+                    </a:lnB>
+                  </a:tcPr>
+                </a:tc>
+                <a:tc>
+                  <a:txBody>
+                    <a:bodyPr/>
+                    <a:lstStyle/>
+                    <a:p>
+                      <a:pPr algn="ctr" fontAlgn="base"/>
+                      <a:r>
+                        <a:rPr lang="en-US" sz="1000">
+                          <a:effectLst/>
+                        </a:rPr>
+                        <a:t>Hangman gains recognition as a classic word game for all ages.</a:t>
+                      </a:r>
+                    </a:p>
+                  </a:txBody>
+                  <a:tcPr marL="26200" marR="26200" marT="13100" marB="13100" anchor="ctr">
+                    <a:lnL w="12700" cap="flat" cmpd="sng" algn="ctr">
+                      <a:solidFill>
+                        <a:schemeClr val="tx1"/>
+                      </a:solidFill>
+                      <a:prstDash val="solid"/>
+                      <a:round/>
+                      <a:headEnd type="none" w="med" len="med"/>
+                      <a:tailEnd type="none" w="med" len="med"/>
+                    </a:lnL>
+                    <a:lnR w="12700" cap="flat" cmpd="sng" algn="ctr">
+                      <a:solidFill>
+                        <a:schemeClr val="tx1"/>
+                      </a:solidFill>
+                      <a:prstDash val="solid"/>
+                      <a:round/>
+                      <a:headEnd type="none" w="med" len="med"/>
+                      <a:tailEnd type="none" w="med" len="med"/>
+                    </a:lnR>
+                    <a:lnT w="12700" cap="flat" cmpd="sng" algn="ctr">
+                      <a:solidFill>
+                        <a:schemeClr val="tx1"/>
+                      </a:solidFill>
+                      <a:prstDash val="solid"/>
+                      <a:round/>
+                      <a:headEnd type="none" w="med" len="med"/>
+                      <a:tailEnd type="none" w="med" len="med"/>
+                    </a:lnT>
+                    <a:lnB w="12700" cap="flat" cmpd="sng" algn="ctr">
+                      <a:solidFill>
+                        <a:schemeClr val="tx1"/>
+                      </a:solidFill>
+                      <a:prstDash val="solid"/>
+                      <a:round/>
+                      <a:headEnd type="none" w="med" len="med"/>
+                      <a:tailEnd type="none" w="med" len="med"/>
+                    </a:lnB>
+                  </a:tcPr>
+                </a:tc>
+                <a:extLst>
+                  <a:ext uri="{0D108BD9-81ED-4DB2-BD59-A6C34878D82A}">
+                    <a16:rowId xmlns:a16="http://schemas.microsoft.com/office/drawing/2014/main" val="836338668"/>
+                  </a:ext>
+                </a:extLst>
+              </a:tr>
+              <a:tr h="329204">
+                <a:tc>
+                  <a:txBody>
+                    <a:bodyPr/>
+                    <a:lstStyle/>
+                    <a:p>
+                      <a:pPr algn="ctr" fontAlgn="base"/>
+                      <a:r>
+                        <a:rPr lang="en-IN" sz="1000">
+                          <a:effectLst/>
+                        </a:rPr>
+                        <a:t>1990</a:t>
+                      </a:r>
+                    </a:p>
+                  </a:txBody>
+                  <a:tcPr marL="26200" marR="26200" marT="13100" marB="13100" anchor="ctr">
+                    <a:lnL w="12700" cap="flat" cmpd="sng" algn="ctr">
+                      <a:solidFill>
+                        <a:schemeClr val="tx1"/>
+                      </a:solidFill>
+                      <a:prstDash val="solid"/>
+                      <a:round/>
+                      <a:headEnd type="none" w="med" len="med"/>
+                      <a:tailEnd type="none" w="med" len="med"/>
+                    </a:lnL>
+                    <a:lnR w="12700" cap="flat" cmpd="sng" algn="ctr">
+                      <a:solidFill>
+                        <a:schemeClr val="tx1"/>
+                      </a:solidFill>
+                      <a:prstDash val="solid"/>
+                      <a:round/>
+                      <a:headEnd type="none" w="med" len="med"/>
+                      <a:tailEnd type="none" w="med" len="med"/>
+                    </a:lnR>
+                    <a:lnT w="12700" cap="flat" cmpd="sng" algn="ctr">
+                      <a:solidFill>
+                        <a:schemeClr val="tx1"/>
+                      </a:solidFill>
+                      <a:prstDash val="solid"/>
+                      <a:round/>
+                      <a:headEnd type="none" w="med" len="med"/>
+                      <a:tailEnd type="none" w="med" len="med"/>
+                    </a:lnT>
+                    <a:lnB w="12700" cap="flat" cmpd="sng" algn="ctr">
+                      <a:solidFill>
+                        <a:schemeClr val="tx1"/>
+                      </a:solidFill>
+                      <a:prstDash val="solid"/>
+                      <a:round/>
+                      <a:headEnd type="none" w="med" len="med"/>
+                      <a:tailEnd type="none" w="med" len="med"/>
+                    </a:lnB>
+                  </a:tcPr>
+                </a:tc>
+                <a:tc>
+                  <a:txBody>
+                    <a:bodyPr/>
+                    <a:lstStyle/>
+                    <a:p>
+                      <a:pPr algn="ctr" fontAlgn="base"/>
+                      <a:r>
+                        <a:rPr lang="en-IN" sz="1000">
+                          <a:effectLst/>
+                        </a:rPr>
+                        <a:t>Unknown</a:t>
+                      </a:r>
+                    </a:p>
+                  </a:txBody>
+                  <a:tcPr marL="26200" marR="26200" marT="13100" marB="13100" anchor="ctr">
+                    <a:lnL w="12700" cap="flat" cmpd="sng" algn="ctr">
+                      <a:solidFill>
+                        <a:schemeClr val="tx1"/>
+                      </a:solidFill>
+                      <a:prstDash val="solid"/>
+                      <a:round/>
+                      <a:headEnd type="none" w="med" len="med"/>
+                      <a:tailEnd type="none" w="med" len="med"/>
+                    </a:lnL>
+                    <a:lnR w="12700" cap="flat" cmpd="sng" algn="ctr">
+                      <a:solidFill>
+                        <a:schemeClr val="tx1"/>
+                      </a:solidFill>
+                      <a:prstDash val="solid"/>
+                      <a:round/>
+                      <a:headEnd type="none" w="med" len="med"/>
+                      <a:tailEnd type="none" w="med" len="med"/>
+                    </a:lnR>
+                    <a:lnT w="12700" cap="flat" cmpd="sng" algn="ctr">
+                      <a:solidFill>
+                        <a:schemeClr val="tx1"/>
+                      </a:solidFill>
+                      <a:prstDash val="solid"/>
+                      <a:round/>
+                      <a:headEnd type="none" w="med" len="med"/>
+                      <a:tailEnd type="none" w="med" len="med"/>
+                    </a:lnT>
+                    <a:lnB w="12700" cap="flat" cmpd="sng" algn="ctr">
+                      <a:solidFill>
+                        <a:schemeClr val="tx1"/>
+                      </a:solidFill>
+                      <a:prstDash val="solid"/>
+                      <a:round/>
+                      <a:headEnd type="none" w="med" len="med"/>
+                      <a:tailEnd type="none" w="med" len="med"/>
+                    </a:lnB>
+                  </a:tcPr>
+                </a:tc>
+                <a:tc>
+                  <a:txBody>
+                    <a:bodyPr/>
+                    <a:lstStyle/>
+                    <a:p>
+                      <a:pPr algn="ctr" fontAlgn="base"/>
+                      <a:r>
+                        <a:rPr lang="en-IN" sz="1000">
+                          <a:effectLst/>
+                        </a:rPr>
+                        <a:t>"Hangman: Entering the Digital Era"</a:t>
+                      </a:r>
+                    </a:p>
+                  </a:txBody>
+                  <a:tcPr marL="26200" marR="26200" marT="13100" marB="13100" anchor="ctr">
+                    <a:lnL w="12700" cap="flat" cmpd="sng" algn="ctr">
+                      <a:solidFill>
+                        <a:schemeClr val="tx1"/>
+                      </a:solidFill>
+                      <a:prstDash val="solid"/>
+                      <a:round/>
+                      <a:headEnd type="none" w="med" len="med"/>
+                      <a:tailEnd type="none" w="med" len="med"/>
+                    </a:lnL>
+                    <a:lnR w="12700" cap="flat" cmpd="sng" algn="ctr">
+                      <a:solidFill>
+                        <a:schemeClr val="tx1"/>
+                      </a:solidFill>
+                      <a:prstDash val="solid"/>
+                      <a:round/>
+                      <a:headEnd type="none" w="med" len="med"/>
+                      <a:tailEnd type="none" w="med" len="med"/>
+                    </a:lnR>
+                    <a:lnT w="12700" cap="flat" cmpd="sng" algn="ctr">
+                      <a:solidFill>
+                        <a:schemeClr val="tx1"/>
+                      </a:solidFill>
+                      <a:prstDash val="solid"/>
+                      <a:round/>
+                      <a:headEnd type="none" w="med" len="med"/>
+                      <a:tailEnd type="none" w="med" len="med"/>
+                    </a:lnT>
+                    <a:lnB w="12700" cap="flat" cmpd="sng" algn="ctr">
+                      <a:solidFill>
+                        <a:schemeClr val="tx1"/>
+                      </a:solidFill>
+                      <a:prstDash val="solid"/>
+                      <a:round/>
+                      <a:headEnd type="none" w="med" len="med"/>
+                      <a:tailEnd type="none" w="med" len="med"/>
+                    </a:lnB>
+                  </a:tcPr>
+                </a:tc>
+                <a:tc>
+                  <a:txBody>
+                    <a:bodyPr/>
+                    <a:lstStyle/>
+                    <a:p>
+                      <a:pPr algn="ctr" fontAlgn="base"/>
+                      <a:r>
+                        <a:rPr lang="en-US" sz="1000">
+                          <a:effectLst/>
+                        </a:rPr>
+                        <a:t>Introduction of Hangman as a computer-based game.</a:t>
+                      </a:r>
+                    </a:p>
+                  </a:txBody>
+                  <a:tcPr marL="26200" marR="26200" marT="13100" marB="13100" anchor="ctr">
+                    <a:lnL w="12700" cap="flat" cmpd="sng" algn="ctr">
+                      <a:solidFill>
+                        <a:schemeClr val="tx1"/>
+                      </a:solidFill>
+                      <a:prstDash val="solid"/>
+                      <a:round/>
+                      <a:headEnd type="none" w="med" len="med"/>
+                      <a:tailEnd type="none" w="med" len="med"/>
+                    </a:lnL>
+                    <a:lnR w="12700" cap="flat" cmpd="sng" algn="ctr">
+                      <a:solidFill>
+                        <a:schemeClr val="tx1"/>
+                      </a:solidFill>
+                      <a:prstDash val="solid"/>
+                      <a:round/>
+                      <a:headEnd type="none" w="med" len="med"/>
+                      <a:tailEnd type="none" w="med" len="med"/>
+                    </a:lnR>
+                    <a:lnT w="12700" cap="flat" cmpd="sng" algn="ctr">
+                      <a:solidFill>
+                        <a:schemeClr val="tx1"/>
+                      </a:solidFill>
+                      <a:prstDash val="solid"/>
+                      <a:round/>
+                      <a:headEnd type="none" w="med" len="med"/>
+                      <a:tailEnd type="none" w="med" len="med"/>
+                    </a:lnT>
+                    <a:lnB w="12700" cap="flat" cmpd="sng" algn="ctr">
+                      <a:solidFill>
+                        <a:schemeClr val="tx1"/>
+                      </a:solidFill>
+                      <a:prstDash val="solid"/>
+                      <a:round/>
+                      <a:headEnd type="none" w="med" len="med"/>
+                      <a:tailEnd type="none" w="med" len="med"/>
+                    </a:lnB>
+                  </a:tcPr>
+                </a:tc>
+                <a:extLst>
+                  <a:ext uri="{0D108BD9-81ED-4DB2-BD59-A6C34878D82A}">
+                    <a16:rowId xmlns:a16="http://schemas.microsoft.com/office/drawing/2014/main" val="3535634283"/>
+                  </a:ext>
+                </a:extLst>
+              </a:tr>
+              <a:tr h="432340">
+                <a:tc>
+                  <a:txBody>
+                    <a:bodyPr/>
+                    <a:lstStyle/>
+                    <a:p>
+                      <a:pPr algn="ctr" fontAlgn="base"/>
+                      <a:r>
+                        <a:rPr lang="en-IN" sz="1000">
+                          <a:effectLst/>
+                        </a:rPr>
+                        <a:t>1995</a:t>
+                      </a:r>
+                    </a:p>
+                  </a:txBody>
+                  <a:tcPr marL="26200" marR="26200" marT="13100" marB="13100" anchor="ctr">
+                    <a:lnL w="12700" cap="flat" cmpd="sng" algn="ctr">
+                      <a:solidFill>
+                        <a:schemeClr val="tx1"/>
+                      </a:solidFill>
+                      <a:prstDash val="solid"/>
+                      <a:round/>
+                      <a:headEnd type="none" w="med" len="med"/>
+                      <a:tailEnd type="none" w="med" len="med"/>
+                    </a:lnL>
+                    <a:lnR w="12700" cap="flat" cmpd="sng" algn="ctr">
+                      <a:solidFill>
+                        <a:schemeClr val="tx1"/>
+                      </a:solidFill>
+                      <a:prstDash val="solid"/>
+                      <a:round/>
+                      <a:headEnd type="none" w="med" len="med"/>
+                      <a:tailEnd type="none" w="med" len="med"/>
+                    </a:lnR>
+                    <a:lnT w="12700" cap="flat" cmpd="sng" algn="ctr">
+                      <a:solidFill>
+                        <a:schemeClr val="tx1"/>
+                      </a:solidFill>
+                      <a:prstDash val="solid"/>
+                      <a:round/>
+                      <a:headEnd type="none" w="med" len="med"/>
+                      <a:tailEnd type="none" w="med" len="med"/>
+                    </a:lnT>
+                    <a:lnB w="12700" cap="flat" cmpd="sng" algn="ctr">
+                      <a:solidFill>
+                        <a:schemeClr val="tx1"/>
+                      </a:solidFill>
+                      <a:prstDash val="solid"/>
+                      <a:round/>
+                      <a:headEnd type="none" w="med" len="med"/>
+                      <a:tailEnd type="none" w="med" len="med"/>
+                    </a:lnB>
+                  </a:tcPr>
+                </a:tc>
+                <a:tc>
+                  <a:txBody>
+                    <a:bodyPr/>
+                    <a:lstStyle/>
+                    <a:p>
+                      <a:pPr algn="ctr" fontAlgn="base"/>
+                      <a:r>
+                        <a:rPr lang="en-IN" sz="1000">
+                          <a:effectLst/>
+                        </a:rPr>
+                        <a:t>Tech Innovators</a:t>
+                      </a:r>
+                    </a:p>
+                  </a:txBody>
+                  <a:tcPr marL="26200" marR="26200" marT="13100" marB="13100" anchor="ctr">
+                    <a:lnL w="12700" cap="flat" cmpd="sng" algn="ctr">
+                      <a:solidFill>
+                        <a:schemeClr val="tx1"/>
+                      </a:solidFill>
+                      <a:prstDash val="solid"/>
+                      <a:round/>
+                      <a:headEnd type="none" w="med" len="med"/>
+                      <a:tailEnd type="none" w="med" len="med"/>
+                    </a:lnL>
+                    <a:lnR w="12700" cap="flat" cmpd="sng" algn="ctr">
+                      <a:solidFill>
+                        <a:schemeClr val="tx1"/>
+                      </a:solidFill>
+                      <a:prstDash val="solid"/>
+                      <a:round/>
+                      <a:headEnd type="none" w="med" len="med"/>
+                      <a:tailEnd type="none" w="med" len="med"/>
+                    </a:lnR>
+                    <a:lnT w="12700" cap="flat" cmpd="sng" algn="ctr">
+                      <a:solidFill>
+                        <a:schemeClr val="tx1"/>
+                      </a:solidFill>
+                      <a:prstDash val="solid"/>
+                      <a:round/>
+                      <a:headEnd type="none" w="med" len="med"/>
+                      <a:tailEnd type="none" w="med" len="med"/>
+                    </a:lnT>
+                    <a:lnB w="12700" cap="flat" cmpd="sng" algn="ctr">
+                      <a:solidFill>
+                        <a:schemeClr val="tx1"/>
+                      </a:solidFill>
+                      <a:prstDash val="solid"/>
+                      <a:round/>
+                      <a:headEnd type="none" w="med" len="med"/>
+                      <a:tailEnd type="none" w="med" len="med"/>
+                    </a:lnB>
+                  </a:tcPr>
+                </a:tc>
+                <a:tc>
+                  <a:txBody>
+                    <a:bodyPr/>
+                    <a:lstStyle/>
+                    <a:p>
+                      <a:pPr algn="ctr" fontAlgn="base"/>
+                      <a:r>
+                        <a:rPr lang="en-IN" sz="1000">
+                          <a:effectLst/>
+                        </a:rPr>
+                        <a:t>"Digital Hangman Applications"</a:t>
+                      </a:r>
+                    </a:p>
+                  </a:txBody>
+                  <a:tcPr marL="26200" marR="26200" marT="13100" marB="13100" anchor="ctr">
+                    <a:lnL w="12700" cap="flat" cmpd="sng" algn="ctr">
+                      <a:solidFill>
+                        <a:schemeClr val="tx1"/>
+                      </a:solidFill>
+                      <a:prstDash val="solid"/>
+                      <a:round/>
+                      <a:headEnd type="none" w="med" len="med"/>
+                      <a:tailEnd type="none" w="med" len="med"/>
+                    </a:lnL>
+                    <a:lnR w="12700" cap="flat" cmpd="sng" algn="ctr">
+                      <a:solidFill>
+                        <a:schemeClr val="tx1"/>
+                      </a:solidFill>
+                      <a:prstDash val="solid"/>
+                      <a:round/>
+                      <a:headEnd type="none" w="med" len="med"/>
+                      <a:tailEnd type="none" w="med" len="med"/>
+                    </a:lnR>
+                    <a:lnT w="12700" cap="flat" cmpd="sng" algn="ctr">
+                      <a:solidFill>
+                        <a:schemeClr val="tx1"/>
+                      </a:solidFill>
+                      <a:prstDash val="solid"/>
+                      <a:round/>
+                      <a:headEnd type="none" w="med" len="med"/>
+                      <a:tailEnd type="none" w="med" len="med"/>
+                    </a:lnT>
+                    <a:lnB w="12700" cap="flat" cmpd="sng" algn="ctr">
+                      <a:solidFill>
+                        <a:schemeClr val="tx1"/>
+                      </a:solidFill>
+                      <a:prstDash val="solid"/>
+                      <a:round/>
+                      <a:headEnd type="none" w="med" len="med"/>
+                      <a:tailEnd type="none" w="med" len="med"/>
+                    </a:lnB>
+                  </a:tcPr>
+                </a:tc>
+                <a:tc>
+                  <a:txBody>
+                    <a:bodyPr/>
+                    <a:lstStyle/>
+                    <a:p>
+                      <a:pPr algn="ctr" fontAlgn="base"/>
+                      <a:r>
+                        <a:rPr lang="en-US" sz="1000">
+                          <a:effectLst/>
+                        </a:rPr>
+                        <a:t>Proliferation of Hangman software on personal computers.</a:t>
+                      </a:r>
+                    </a:p>
+                  </a:txBody>
+                  <a:tcPr marL="26200" marR="26200" marT="13100" marB="13100" anchor="ctr">
+                    <a:lnL w="12700" cap="flat" cmpd="sng" algn="ctr">
+                      <a:solidFill>
+                        <a:schemeClr val="tx1"/>
+                      </a:solidFill>
+                      <a:prstDash val="solid"/>
+                      <a:round/>
+                      <a:headEnd type="none" w="med" len="med"/>
+                      <a:tailEnd type="none" w="med" len="med"/>
+                    </a:lnL>
+                    <a:lnR w="12700" cap="flat" cmpd="sng" algn="ctr">
+                      <a:solidFill>
+                        <a:schemeClr val="tx1"/>
+                      </a:solidFill>
+                      <a:prstDash val="solid"/>
+                      <a:round/>
+                      <a:headEnd type="none" w="med" len="med"/>
+                      <a:tailEnd type="none" w="med" len="med"/>
+                    </a:lnR>
+                    <a:lnT w="12700" cap="flat" cmpd="sng" algn="ctr">
+                      <a:solidFill>
+                        <a:schemeClr val="tx1"/>
+                      </a:solidFill>
+                      <a:prstDash val="solid"/>
+                      <a:round/>
+                      <a:headEnd type="none" w="med" len="med"/>
+                      <a:tailEnd type="none" w="med" len="med"/>
+                    </a:lnT>
+                    <a:lnB w="12700" cap="flat" cmpd="sng" algn="ctr">
+                      <a:solidFill>
+                        <a:schemeClr val="tx1"/>
+                      </a:solidFill>
+                      <a:prstDash val="solid"/>
+                      <a:round/>
+                      <a:headEnd type="none" w="med" len="med"/>
+                      <a:tailEnd type="none" w="med" len="med"/>
+                    </a:lnB>
+                  </a:tcPr>
+                </a:tc>
+                <a:extLst>
+                  <a:ext uri="{0D108BD9-81ED-4DB2-BD59-A6C34878D82A}">
+                    <a16:rowId xmlns:a16="http://schemas.microsoft.com/office/drawing/2014/main" val="2305511984"/>
+                  </a:ext>
+                </a:extLst>
+              </a:tr>
+              <a:tr h="432340">
+                <a:tc>
+                  <a:txBody>
+                    <a:bodyPr/>
+                    <a:lstStyle/>
+                    <a:p>
+                      <a:pPr algn="ctr" fontAlgn="base"/>
+                      <a:r>
+                        <a:rPr lang="en-IN" sz="1000">
+                          <a:effectLst/>
+                        </a:rPr>
+                        <a:t>2005</a:t>
+                      </a:r>
+                    </a:p>
+                  </a:txBody>
+                  <a:tcPr marL="26200" marR="26200" marT="13100" marB="13100" anchor="ctr">
+                    <a:lnL w="12700" cap="flat" cmpd="sng" algn="ctr">
+                      <a:solidFill>
+                        <a:schemeClr val="tx1"/>
+                      </a:solidFill>
+                      <a:prstDash val="solid"/>
+                      <a:round/>
+                      <a:headEnd type="none" w="med" len="med"/>
+                      <a:tailEnd type="none" w="med" len="med"/>
+                    </a:lnL>
+                    <a:lnR w="12700" cap="flat" cmpd="sng" algn="ctr">
+                      <a:solidFill>
+                        <a:schemeClr val="tx1"/>
+                      </a:solidFill>
+                      <a:prstDash val="solid"/>
+                      <a:round/>
+                      <a:headEnd type="none" w="med" len="med"/>
+                      <a:tailEnd type="none" w="med" len="med"/>
+                    </a:lnR>
+                    <a:lnT w="12700" cap="flat" cmpd="sng" algn="ctr">
+                      <a:solidFill>
+                        <a:schemeClr val="tx1"/>
+                      </a:solidFill>
+                      <a:prstDash val="solid"/>
+                      <a:round/>
+                      <a:headEnd type="none" w="med" len="med"/>
+                      <a:tailEnd type="none" w="med" len="med"/>
+                    </a:lnT>
+                    <a:lnB w="12700" cap="flat" cmpd="sng" algn="ctr">
+                      <a:solidFill>
+                        <a:schemeClr val="tx1"/>
+                      </a:solidFill>
+                      <a:prstDash val="solid"/>
+                      <a:round/>
+                      <a:headEnd type="none" w="med" len="med"/>
+                      <a:tailEnd type="none" w="med" len="med"/>
+                    </a:lnB>
+                  </a:tcPr>
+                </a:tc>
+                <a:tc>
+                  <a:txBody>
+                    <a:bodyPr/>
+                    <a:lstStyle/>
+                    <a:p>
+                      <a:pPr algn="ctr" fontAlgn="base"/>
+                      <a:r>
+                        <a:rPr lang="en-IN" sz="1000" dirty="0">
+                          <a:effectLst/>
+                        </a:rPr>
+                        <a:t>Online Developers</a:t>
+                      </a:r>
+                    </a:p>
+                  </a:txBody>
+                  <a:tcPr marL="26200" marR="26200" marT="13100" marB="13100" anchor="ctr">
+                    <a:lnL w="12700" cap="flat" cmpd="sng" algn="ctr">
+                      <a:solidFill>
+                        <a:schemeClr val="tx1"/>
+                      </a:solidFill>
+                      <a:prstDash val="solid"/>
+                      <a:round/>
+                      <a:headEnd type="none" w="med" len="med"/>
+                      <a:tailEnd type="none" w="med" len="med"/>
+                    </a:lnL>
+                    <a:lnR w="12700" cap="flat" cmpd="sng" algn="ctr">
+                      <a:solidFill>
+                        <a:schemeClr val="tx1"/>
+                      </a:solidFill>
+                      <a:prstDash val="solid"/>
+                      <a:round/>
+                      <a:headEnd type="none" w="med" len="med"/>
+                      <a:tailEnd type="none" w="med" len="med"/>
+                    </a:lnR>
+                    <a:lnT w="12700" cap="flat" cmpd="sng" algn="ctr">
+                      <a:solidFill>
+                        <a:schemeClr val="tx1"/>
+                      </a:solidFill>
+                      <a:prstDash val="solid"/>
+                      <a:round/>
+                      <a:headEnd type="none" w="med" len="med"/>
+                      <a:tailEnd type="none" w="med" len="med"/>
+                    </a:lnT>
+                    <a:lnB w="12700" cap="flat" cmpd="sng" algn="ctr">
+                      <a:solidFill>
+                        <a:schemeClr val="tx1"/>
+                      </a:solidFill>
+                      <a:prstDash val="solid"/>
+                      <a:round/>
+                      <a:headEnd type="none" w="med" len="med"/>
+                      <a:tailEnd type="none" w="med" len="med"/>
+                    </a:lnB>
+                  </a:tcPr>
+                </a:tc>
+                <a:tc>
+                  <a:txBody>
+                    <a:bodyPr/>
+                    <a:lstStyle/>
+                    <a:p>
+                      <a:pPr algn="ctr" fontAlgn="base"/>
+                      <a:r>
+                        <a:rPr lang="en-IN" sz="1000">
+                          <a:effectLst/>
+                        </a:rPr>
+                        <a:t>"Hangman Goes Online"</a:t>
+                      </a:r>
+                    </a:p>
+                  </a:txBody>
+                  <a:tcPr marL="26200" marR="26200" marT="13100" marB="13100" anchor="ctr">
+                    <a:lnL w="12700" cap="flat" cmpd="sng" algn="ctr">
+                      <a:solidFill>
+                        <a:schemeClr val="tx1"/>
+                      </a:solidFill>
+                      <a:prstDash val="solid"/>
+                      <a:round/>
+                      <a:headEnd type="none" w="med" len="med"/>
+                      <a:tailEnd type="none" w="med" len="med"/>
+                    </a:lnL>
+                    <a:lnR w="12700" cap="flat" cmpd="sng" algn="ctr">
+                      <a:solidFill>
+                        <a:schemeClr val="tx1"/>
+                      </a:solidFill>
+                      <a:prstDash val="solid"/>
+                      <a:round/>
+                      <a:headEnd type="none" w="med" len="med"/>
+                      <a:tailEnd type="none" w="med" len="med"/>
+                    </a:lnR>
+                    <a:lnT w="12700" cap="flat" cmpd="sng" algn="ctr">
+                      <a:solidFill>
+                        <a:schemeClr val="tx1"/>
+                      </a:solidFill>
+                      <a:prstDash val="solid"/>
+                      <a:round/>
+                      <a:headEnd type="none" w="med" len="med"/>
+                      <a:tailEnd type="none" w="med" len="med"/>
+                    </a:lnT>
+                    <a:lnB w="12700" cap="flat" cmpd="sng" algn="ctr">
+                      <a:solidFill>
+                        <a:schemeClr val="tx1"/>
+                      </a:solidFill>
+                      <a:prstDash val="solid"/>
+                      <a:round/>
+                      <a:headEnd type="none" w="med" len="med"/>
+                      <a:tailEnd type="none" w="med" len="med"/>
+                    </a:lnB>
+                  </a:tcPr>
+                </a:tc>
+                <a:tc>
+                  <a:txBody>
+                    <a:bodyPr/>
+                    <a:lstStyle/>
+                    <a:p>
+                      <a:pPr algn="ctr" fontAlgn="base"/>
+                      <a:r>
+                        <a:rPr lang="en-US" sz="1000">
+                          <a:effectLst/>
+                        </a:rPr>
+                        <a:t>Transition of Hangman to web-based platforms and multiplayer modes.</a:t>
+                      </a:r>
+                    </a:p>
+                  </a:txBody>
+                  <a:tcPr marL="26200" marR="26200" marT="13100" marB="13100" anchor="ctr">
+                    <a:lnL w="12700" cap="flat" cmpd="sng" algn="ctr">
+                      <a:solidFill>
+                        <a:schemeClr val="tx1"/>
+                      </a:solidFill>
+                      <a:prstDash val="solid"/>
+                      <a:round/>
+                      <a:headEnd type="none" w="med" len="med"/>
+                      <a:tailEnd type="none" w="med" len="med"/>
+                    </a:lnL>
+                    <a:lnR w="12700" cap="flat" cmpd="sng" algn="ctr">
+                      <a:solidFill>
+                        <a:schemeClr val="tx1"/>
+                      </a:solidFill>
+                      <a:prstDash val="solid"/>
+                      <a:round/>
+                      <a:headEnd type="none" w="med" len="med"/>
+                      <a:tailEnd type="none" w="med" len="med"/>
+                    </a:lnR>
+                    <a:lnT w="12700" cap="flat" cmpd="sng" algn="ctr">
+                      <a:solidFill>
+                        <a:schemeClr val="tx1"/>
+                      </a:solidFill>
+                      <a:prstDash val="solid"/>
+                      <a:round/>
+                      <a:headEnd type="none" w="med" len="med"/>
+                      <a:tailEnd type="none" w="med" len="med"/>
+                    </a:lnT>
+                    <a:lnB w="12700" cap="flat" cmpd="sng" algn="ctr">
+                      <a:solidFill>
+                        <a:schemeClr val="tx1"/>
+                      </a:solidFill>
+                      <a:prstDash val="solid"/>
+                      <a:round/>
+                      <a:headEnd type="none" w="med" len="med"/>
+                      <a:tailEnd type="none" w="med" len="med"/>
+                    </a:lnB>
+                  </a:tcPr>
+                </a:tc>
+                <a:extLst>
+                  <a:ext uri="{0D108BD9-81ED-4DB2-BD59-A6C34878D82A}">
+                    <a16:rowId xmlns:a16="http://schemas.microsoft.com/office/drawing/2014/main" val="239473634"/>
+                  </a:ext>
+                </a:extLst>
+              </a:tr>
+              <a:tr h="432340">
+                <a:tc>
+                  <a:txBody>
+                    <a:bodyPr/>
+                    <a:lstStyle/>
+                    <a:p>
+                      <a:pPr algn="ctr" fontAlgn="base"/>
+                      <a:r>
+                        <a:rPr lang="en-IN" sz="1000">
+                          <a:effectLst/>
+                        </a:rPr>
+                        <a:t>2010</a:t>
+                      </a:r>
+                    </a:p>
+                  </a:txBody>
+                  <a:tcPr marL="26200" marR="26200" marT="13100" marB="13100" anchor="ctr">
+                    <a:lnL w="12700" cap="flat" cmpd="sng" algn="ctr">
+                      <a:solidFill>
+                        <a:schemeClr val="tx1"/>
+                      </a:solidFill>
+                      <a:prstDash val="solid"/>
+                      <a:round/>
+                      <a:headEnd type="none" w="med" len="med"/>
+                      <a:tailEnd type="none" w="med" len="med"/>
+                    </a:lnL>
+                    <a:lnR w="12700" cap="flat" cmpd="sng" algn="ctr">
+                      <a:solidFill>
+                        <a:schemeClr val="tx1"/>
+                      </a:solidFill>
+                      <a:prstDash val="solid"/>
+                      <a:round/>
+                      <a:headEnd type="none" w="med" len="med"/>
+                      <a:tailEnd type="none" w="med" len="med"/>
+                    </a:lnR>
+                    <a:lnT w="12700" cap="flat" cmpd="sng" algn="ctr">
+                      <a:solidFill>
+                        <a:schemeClr val="tx1"/>
+                      </a:solidFill>
+                      <a:prstDash val="solid"/>
+                      <a:round/>
+                      <a:headEnd type="none" w="med" len="med"/>
+                      <a:tailEnd type="none" w="med" len="med"/>
+                    </a:lnT>
+                    <a:lnB w="12700" cap="flat" cmpd="sng" algn="ctr">
+                      <a:solidFill>
+                        <a:schemeClr val="tx1"/>
+                      </a:solidFill>
+                      <a:prstDash val="solid"/>
+                      <a:round/>
+                      <a:headEnd type="none" w="med" len="med"/>
+                      <a:tailEnd type="none" w="med" len="med"/>
+                    </a:lnB>
+                  </a:tcPr>
+                </a:tc>
+                <a:tc>
+                  <a:txBody>
+                    <a:bodyPr/>
+                    <a:lstStyle/>
+                    <a:p>
+                      <a:pPr algn="ctr" fontAlgn="base"/>
+                      <a:r>
+                        <a:rPr lang="en-IN" sz="1000">
+                          <a:effectLst/>
+                        </a:rPr>
+                        <a:t>Mobile Developers</a:t>
+                      </a:r>
+                    </a:p>
+                  </a:txBody>
+                  <a:tcPr marL="26200" marR="26200" marT="13100" marB="13100" anchor="ctr">
+                    <a:lnL w="12700" cap="flat" cmpd="sng" algn="ctr">
+                      <a:solidFill>
+                        <a:schemeClr val="tx1"/>
+                      </a:solidFill>
+                      <a:prstDash val="solid"/>
+                      <a:round/>
+                      <a:headEnd type="none" w="med" len="med"/>
+                      <a:tailEnd type="none" w="med" len="med"/>
+                    </a:lnL>
+                    <a:lnR w="12700" cap="flat" cmpd="sng" algn="ctr">
+                      <a:solidFill>
+                        <a:schemeClr val="tx1"/>
+                      </a:solidFill>
+                      <a:prstDash val="solid"/>
+                      <a:round/>
+                      <a:headEnd type="none" w="med" len="med"/>
+                      <a:tailEnd type="none" w="med" len="med"/>
+                    </a:lnR>
+                    <a:lnT w="12700" cap="flat" cmpd="sng" algn="ctr">
+                      <a:solidFill>
+                        <a:schemeClr val="tx1"/>
+                      </a:solidFill>
+                      <a:prstDash val="solid"/>
+                      <a:round/>
+                      <a:headEnd type="none" w="med" len="med"/>
+                      <a:tailEnd type="none" w="med" len="med"/>
+                    </a:lnT>
+                    <a:lnB w="12700" cap="flat" cmpd="sng" algn="ctr">
+                      <a:solidFill>
+                        <a:schemeClr val="tx1"/>
+                      </a:solidFill>
+                      <a:prstDash val="solid"/>
+                      <a:round/>
+                      <a:headEnd type="none" w="med" len="med"/>
+                      <a:tailEnd type="none" w="med" len="med"/>
+                    </a:lnB>
+                  </a:tcPr>
+                </a:tc>
+                <a:tc>
+                  <a:txBody>
+                    <a:bodyPr/>
+                    <a:lstStyle/>
+                    <a:p>
+                      <a:pPr algn="ctr" fontAlgn="base"/>
+                      <a:r>
+                        <a:rPr lang="en-IN" sz="1000">
+                          <a:effectLst/>
+                        </a:rPr>
+                        <a:t>"Hangman on Mobile Devices"</a:t>
+                      </a:r>
+                    </a:p>
+                  </a:txBody>
+                  <a:tcPr marL="26200" marR="26200" marT="13100" marB="13100" anchor="ctr">
+                    <a:lnL w="12700" cap="flat" cmpd="sng" algn="ctr">
+                      <a:solidFill>
+                        <a:schemeClr val="tx1"/>
+                      </a:solidFill>
+                      <a:prstDash val="solid"/>
+                      <a:round/>
+                      <a:headEnd type="none" w="med" len="med"/>
+                      <a:tailEnd type="none" w="med" len="med"/>
+                    </a:lnL>
+                    <a:lnR w="12700" cap="flat" cmpd="sng" algn="ctr">
+                      <a:solidFill>
+                        <a:schemeClr val="tx1"/>
+                      </a:solidFill>
+                      <a:prstDash val="solid"/>
+                      <a:round/>
+                      <a:headEnd type="none" w="med" len="med"/>
+                      <a:tailEnd type="none" w="med" len="med"/>
+                    </a:lnR>
+                    <a:lnT w="12700" cap="flat" cmpd="sng" algn="ctr">
+                      <a:solidFill>
+                        <a:schemeClr val="tx1"/>
+                      </a:solidFill>
+                      <a:prstDash val="solid"/>
+                      <a:round/>
+                      <a:headEnd type="none" w="med" len="med"/>
+                      <a:tailEnd type="none" w="med" len="med"/>
+                    </a:lnT>
+                    <a:lnB w="12700" cap="flat" cmpd="sng" algn="ctr">
+                      <a:solidFill>
+                        <a:schemeClr val="tx1"/>
+                      </a:solidFill>
+                      <a:prstDash val="solid"/>
+                      <a:round/>
+                      <a:headEnd type="none" w="med" len="med"/>
+                      <a:tailEnd type="none" w="med" len="med"/>
+                    </a:lnB>
+                  </a:tcPr>
+                </a:tc>
+                <a:tc>
+                  <a:txBody>
+                    <a:bodyPr/>
+                    <a:lstStyle/>
+                    <a:p>
+                      <a:pPr algn="ctr" fontAlgn="base"/>
+                      <a:r>
+                        <a:rPr lang="en-US" sz="1000" dirty="0">
+                          <a:effectLst/>
+                        </a:rPr>
+                        <a:t>Advent of Hangman mobile apps for iOS and Android platforms.</a:t>
+                      </a:r>
+                    </a:p>
+                  </a:txBody>
+                  <a:tcPr marL="26200" marR="26200" marT="13100" marB="13100" anchor="ctr">
+                    <a:lnL w="12700" cap="flat" cmpd="sng" algn="ctr">
+                      <a:solidFill>
+                        <a:schemeClr val="tx1"/>
+                      </a:solidFill>
+                      <a:prstDash val="solid"/>
+                      <a:round/>
+                      <a:headEnd type="none" w="med" len="med"/>
+                      <a:tailEnd type="none" w="med" len="med"/>
+                    </a:lnL>
+                    <a:lnR w="12700" cap="flat" cmpd="sng" algn="ctr">
+                      <a:solidFill>
+                        <a:schemeClr val="tx1"/>
+                      </a:solidFill>
+                      <a:prstDash val="solid"/>
+                      <a:round/>
+                      <a:headEnd type="none" w="med" len="med"/>
+                      <a:tailEnd type="none" w="med" len="med"/>
+                    </a:lnR>
+                    <a:lnT w="12700" cap="flat" cmpd="sng" algn="ctr">
+                      <a:solidFill>
+                        <a:schemeClr val="tx1"/>
+                      </a:solidFill>
+                      <a:prstDash val="solid"/>
+                      <a:round/>
+                      <a:headEnd type="none" w="med" len="med"/>
+                      <a:tailEnd type="none" w="med" len="med"/>
+                    </a:lnT>
+                    <a:lnB w="12700" cap="flat" cmpd="sng" algn="ctr">
+                      <a:solidFill>
+                        <a:schemeClr val="tx1"/>
+                      </a:solidFill>
+                      <a:prstDash val="solid"/>
+                      <a:round/>
+                      <a:headEnd type="none" w="med" len="med"/>
+                      <a:tailEnd type="none" w="med" len="med"/>
+                    </a:lnB>
+                  </a:tcPr>
+                </a:tc>
+                <a:extLst>
+                  <a:ext uri="{0D108BD9-81ED-4DB2-BD59-A6C34878D82A}">
+                    <a16:rowId xmlns:a16="http://schemas.microsoft.com/office/drawing/2014/main" val="2829678269"/>
                   </a:ext>
                 </a:extLst>
               </a:tr>
@@ -38728,10 +39976,67 @@
           </a:graphicData>
         </a:graphic>
       </p:graphicFrame>
+      <p:sp>
+        <p:nvSpPr>
+          <p:cNvPr id="5" name="TextBox 4">
+            <a:extLst>
+              <a:ext uri="{FF2B5EF4-FFF2-40B4-BE49-F238E27FC236}">
+                <a16:creationId xmlns:a16="http://schemas.microsoft.com/office/drawing/2014/main" id="{9696DFAC-F8F1-7725-FE44-DE31DF93E8B4}"/>
+              </a:ext>
+            </a:extLst>
+          </p:cNvPr>
+          <p:cNvSpPr txBox="1"/>
+          <p:nvPr/>
+        </p:nvSpPr>
+        <p:spPr>
+          <a:xfrm>
+            <a:off x="73800" y="720912"/>
+            <a:ext cx="4582800" cy="307777"/>
+          </a:xfrm>
+          <a:prstGeom prst="rect">
+            <a:avLst/>
+          </a:prstGeom>
+          <a:noFill/>
+        </p:spPr>
+        <p:txBody>
+          <a:bodyPr wrap="square">
+            <a:spAutoFit/>
+          </a:bodyPr>
+          <a:lstStyle/>
+          <a:p>
+            <a:pPr marL="274320" lvl="0" indent="-274320" algn="l" rtl="0">
+              <a:lnSpc>
+                <a:spcPct val="100000"/>
+              </a:lnSpc>
+              <a:spcBef>
+                <a:spcPts val="240"/>
+              </a:spcBef>
+              <a:spcAft>
+                <a:spcPts val="0"/>
+              </a:spcAft>
+              <a:buSzPts val="1140"/>
+              <a:buChar char="⚫"/>
+            </a:pPr>
+            <a:r>
+              <a:rPr lang="en-US" sz="1400" b="1" dirty="0">
+                <a:latin typeface="Times New Roman" panose="02020603050405020304" pitchFamily="18" charset="0"/>
+                <a:ea typeface="Times New Roman"/>
+                <a:cs typeface="Times New Roman" panose="02020603050405020304" pitchFamily="18" charset="0"/>
+                <a:sym typeface="Times New Roman"/>
+              </a:rPr>
+              <a:t>Literature survey In Tabular Format</a:t>
+            </a:r>
+            <a:endParaRPr lang="en-US" sz="1400" dirty="0">
+              <a:latin typeface="Times New Roman" panose="02020603050405020304" pitchFamily="18" charset="0"/>
+              <a:cs typeface="Times New Roman" panose="02020603050405020304" pitchFamily="18" charset="0"/>
+            </a:endParaRPr>
+          </a:p>
+        </p:txBody>
+      </p:sp>
     </p:spTree>
     <p:extLst>
       <p:ext uri="{BB962C8B-B14F-4D97-AF65-F5344CB8AC3E}">
-        <p14:creationId xmlns:p14="http://schemas.microsoft.com/office/powerpoint/2010/main" val="3646166268"/>
+        <p14:creationId xmlns:p14="http://schemas.microsoft.com/office/powerpoint/2010/main" val="2140450229"/>
       </p:ext>
     </p:extLst>
   </p:cSld>

--- a/Documentation and ppt/PPT/Hangman_ppt.pptx
+++ b/Documentation and ppt/PPT/Hangman_ppt.pptx
@@ -311,7 +311,7 @@
       </p15:notesGuideLst>
     </p:ext>
     <p:ext uri="GoogleSlidesCustomDataVersion2">
-      <go:slidesCustomData xmlns:go="http://customooxmlschemas.google.com/" xmlns:ahyp="http://schemas.microsoft.com/office/drawing/2018/hyperlinkcolor" xmlns:p15="http://schemas.microsoft.com/office/powerpoint/2012/main" xmlns:p14="http://schemas.microsoft.com/office/powerpoint/2010/main" xmlns:com="http://schemas.openxmlformats.org/drawingml/2006/compatibility" xmlns:pvml="urn:schemas-microsoft-com:office:powerpoint" xmlns:v="urn:schemas-microsoft-com:vml" xmlns:o="urn:schemas-microsoft-com:office:office" xmlns:dgm="http://schemas.openxmlformats.org/drawingml/2006/diagram" xmlns:c="http://schemas.openxmlformats.org/drawingml/2006/chart" xmlns:mv="urn:schemas-microsoft-com:mac:vml" xmlns:mc="http://schemas.openxmlformats.org/markup-compatibility/2006" xmlns="" r:id="rId54" roundtripDataSignature="AMtx7miTgDtdK7J6GfGA72ooCGiXHoY0vg=="/>
+      <go:slidesCustomData xmlns="" xmlns:mc="http://schemas.openxmlformats.org/markup-compatibility/2006" xmlns:mv="urn:schemas-microsoft-com:mac:vml" xmlns:c="http://schemas.openxmlformats.org/drawingml/2006/chart" xmlns:dgm="http://schemas.openxmlformats.org/drawingml/2006/diagram" xmlns:o="urn:schemas-microsoft-com:office:office" xmlns:v="urn:schemas-microsoft-com:vml" xmlns:pvml="urn:schemas-microsoft-com:office:powerpoint" xmlns:com="http://schemas.openxmlformats.org/drawingml/2006/compatibility" xmlns:p14="http://schemas.microsoft.com/office/powerpoint/2010/main" xmlns:p15="http://schemas.microsoft.com/office/powerpoint/2012/main" xmlns:ahyp="http://schemas.microsoft.com/office/drawing/2018/hyperlinkcolor" xmlns:go="http://customooxmlschemas.google.com/" r:id="rId54" roundtripDataSignature="AMtx7miTgDtdK7J6GfGA72ooCGiXHoY0vg=="/>
     </p:ext>
   </p:extLst>
 </p:presentation>
@@ -32192,7 +32192,7 @@
                 <a:ea typeface="Calibri" panose="020F0502020204030204" pitchFamily="34" charset="0"/>
                 <a:cs typeface="Times New Roman" panose="02020603050405020304" pitchFamily="18" charset="0"/>
               </a:rPr>
-              <a:t>Internet:- speed: 3mbps</a:t>
+              <a:t>Internet speed:- 3mbps</a:t>
             </a:r>
             <a:r>
               <a:rPr lang="en-US" kern="100" dirty="0">
@@ -32343,7 +32343,7 @@
                 <a:ea typeface="Calibri" panose="020F0502020204030204" pitchFamily="34" charset="0"/>
                 <a:cs typeface="Times New Roman" panose="02020603050405020304" pitchFamily="18" charset="0"/>
               </a:rPr>
-              <a:t>speed: 6mbps</a:t>
+              <a:t>Internet speed:- 6mbps</a:t>
             </a:r>
             <a:r>
               <a:rPr lang="en-US" kern="100" dirty="0">
@@ -40614,7 +40614,7 @@
                 <a:latin typeface="Times New Roman" panose="02020603050405020304" pitchFamily="18" charset="0"/>
                 <a:cs typeface="Times New Roman" panose="02020603050405020304" pitchFamily="18" charset="0"/>
               </a:rPr>
-              <a:t>	a. Test the game for functionality, including word selection accuracy, letter masking, game logic and bugs.</a:t>
+              <a:t>    a. Test the game for functionality, including word selection accuracy, letter masking, game logic and bugs.</a:t>
             </a:r>
           </a:p>
           <a:p>
@@ -40636,7 +40636,7 @@
                 <a:latin typeface="Times New Roman" panose="02020603050405020304" pitchFamily="18" charset="0"/>
                 <a:cs typeface="Times New Roman" panose="02020603050405020304" pitchFamily="18" charset="0"/>
               </a:rPr>
-              <a:t>	b. Evaluate user-friendliness through player interaction testing and feedback collection.</a:t>
+              <a:t>    b. Evaluate user-friendliness through player interaction testing and feedback collection.</a:t>
             </a:r>
             <a:br>
               <a:rPr lang="en-US" dirty="0">

--- a/Documentation and ppt/PPT/Hangman_ppt.pptx
+++ b/Documentation and ppt/PPT/Hangman_ppt.pptx
@@ -311,7 +311,7 @@
       </p15:notesGuideLst>
     </p:ext>
     <p:ext uri="GoogleSlidesCustomDataVersion2">
-      <go:slidesCustomData xmlns="" xmlns:mc="http://schemas.openxmlformats.org/markup-compatibility/2006" xmlns:mv="urn:schemas-microsoft-com:mac:vml" xmlns:c="http://schemas.openxmlformats.org/drawingml/2006/chart" xmlns:dgm="http://schemas.openxmlformats.org/drawingml/2006/diagram" xmlns:o="urn:schemas-microsoft-com:office:office" xmlns:v="urn:schemas-microsoft-com:vml" xmlns:pvml="urn:schemas-microsoft-com:office:powerpoint" xmlns:com="http://schemas.openxmlformats.org/drawingml/2006/compatibility" xmlns:p14="http://schemas.microsoft.com/office/powerpoint/2010/main" xmlns:p15="http://schemas.microsoft.com/office/powerpoint/2012/main" xmlns:ahyp="http://schemas.microsoft.com/office/drawing/2018/hyperlinkcolor" xmlns:go="http://customooxmlschemas.google.com/" r:id="rId54" roundtripDataSignature="AMtx7miTgDtdK7J6GfGA72ooCGiXHoY0vg=="/>
+      <go:slidesCustomData xmlns:go="http://customooxmlschemas.google.com/" xmlns:ahyp="http://schemas.microsoft.com/office/drawing/2018/hyperlinkcolor" xmlns:p15="http://schemas.microsoft.com/office/powerpoint/2012/main" xmlns:p14="http://schemas.microsoft.com/office/powerpoint/2010/main" xmlns:com="http://schemas.openxmlformats.org/drawingml/2006/compatibility" xmlns:pvml="urn:schemas-microsoft-com:office:powerpoint" xmlns:v="urn:schemas-microsoft-com:vml" xmlns:o="urn:schemas-microsoft-com:office:office" xmlns:dgm="http://schemas.openxmlformats.org/drawingml/2006/diagram" xmlns:c="http://schemas.openxmlformats.org/drawingml/2006/chart" xmlns:mv="urn:schemas-microsoft-com:mac:vml" xmlns:mc="http://schemas.openxmlformats.org/markup-compatibility/2006" xmlns="" r:id="rId54" roundtripDataSignature="AMtx7miTgDtdK7J6GfGA72ooCGiXHoY0vg=="/>
     </p:ext>
   </p:extLst>
 </p:presentation>
@@ -34311,8 +34311,12 @@
           </a:bodyPr>
           <a:lstStyle/>
           <a:p>
+            <a:pPr algn="just"/>
             <a:r>
-              <a:rPr lang="en-US" dirty="0"/>
+              <a:rPr lang="en-US" dirty="0">
+                <a:latin typeface="Times New Roman" panose="02020603050405020304" pitchFamily="18" charset="0"/>
+                <a:cs typeface="Times New Roman" panose="02020603050405020304" pitchFamily="18" charset="0"/>
+              </a:rPr>
               <a:t>Figure 1 :- The main game screen shown to the user, which can be played instantly. The word is completely hidden and no letters are shown. The player starts with 10 lives and the lives reduce as the incorrect letters are clicked. </a:t>
             </a:r>
           </a:p>
